--- a/Mini-projet G4 Camoesas-Jousseaume-Lebourhis.pptx
+++ b/Mini-projet G4 Camoesas-Jousseaume-Lebourhis.pptx
@@ -115,6 +115,11 @@
       </a:defRPr>
     </a:lvl9pPr>
   </p:defaultTextStyle>
+  <p:extLst>
+    <p:ext uri="{EFAFB233-063F-42B5-8137-9DF3F51BA10A}">
+      <p15:sldGuideLst xmlns:p15="http://schemas.microsoft.com/office/powerpoint/2012/main"/>
+    </p:ext>
+  </p:extLst>
 </p:presentation>
 </file>
 
@@ -273,7 +278,7 @@
           <a:p>
             <a:fld id="{F6B78CD7-EAAB-4127-BB5A-70A3014AF32B}" type="datetimeFigureOut">
               <a:rPr lang="fr-FR" smtClean="0"/>
-              <a:t>23/06/2020</a:t>
+              <a:t>24/06/2020</a:t>
             </a:fld>
             <a:endParaRPr lang="fr-FR"/>
           </a:p>
@@ -471,7 +476,7 @@
           <a:p>
             <a:fld id="{F6B78CD7-EAAB-4127-BB5A-70A3014AF32B}" type="datetimeFigureOut">
               <a:rPr lang="fr-FR" smtClean="0"/>
-              <a:t>23/06/2020</a:t>
+              <a:t>24/06/2020</a:t>
             </a:fld>
             <a:endParaRPr lang="fr-FR"/>
           </a:p>
@@ -679,7 +684,7 @@
           <a:p>
             <a:fld id="{F6B78CD7-EAAB-4127-BB5A-70A3014AF32B}" type="datetimeFigureOut">
               <a:rPr lang="fr-FR" smtClean="0"/>
-              <a:t>23/06/2020</a:t>
+              <a:t>24/06/2020</a:t>
             </a:fld>
             <a:endParaRPr lang="fr-FR"/>
           </a:p>
@@ -877,7 +882,7 @@
           <a:p>
             <a:fld id="{F6B78CD7-EAAB-4127-BB5A-70A3014AF32B}" type="datetimeFigureOut">
               <a:rPr lang="fr-FR" smtClean="0"/>
-              <a:t>23/06/2020</a:t>
+              <a:t>24/06/2020</a:t>
             </a:fld>
             <a:endParaRPr lang="fr-FR"/>
           </a:p>
@@ -1152,7 +1157,7 @@
           <a:p>
             <a:fld id="{F6B78CD7-EAAB-4127-BB5A-70A3014AF32B}" type="datetimeFigureOut">
               <a:rPr lang="fr-FR" smtClean="0"/>
-              <a:t>23/06/2020</a:t>
+              <a:t>24/06/2020</a:t>
             </a:fld>
             <a:endParaRPr lang="fr-FR"/>
           </a:p>
@@ -1417,7 +1422,7 @@
           <a:p>
             <a:fld id="{F6B78CD7-EAAB-4127-BB5A-70A3014AF32B}" type="datetimeFigureOut">
               <a:rPr lang="fr-FR" smtClean="0"/>
-              <a:t>23/06/2020</a:t>
+              <a:t>24/06/2020</a:t>
             </a:fld>
             <a:endParaRPr lang="fr-FR"/>
           </a:p>
@@ -1829,7 +1834,7 @@
           <a:p>
             <a:fld id="{F6B78CD7-EAAB-4127-BB5A-70A3014AF32B}" type="datetimeFigureOut">
               <a:rPr lang="fr-FR" smtClean="0"/>
-              <a:t>23/06/2020</a:t>
+              <a:t>24/06/2020</a:t>
             </a:fld>
             <a:endParaRPr lang="fr-FR"/>
           </a:p>
@@ -1970,7 +1975,7 @@
           <a:p>
             <a:fld id="{F6B78CD7-EAAB-4127-BB5A-70A3014AF32B}" type="datetimeFigureOut">
               <a:rPr lang="fr-FR" smtClean="0"/>
-              <a:t>23/06/2020</a:t>
+              <a:t>24/06/2020</a:t>
             </a:fld>
             <a:endParaRPr lang="fr-FR"/>
           </a:p>
@@ -2083,7 +2088,7 @@
           <a:p>
             <a:fld id="{F6B78CD7-EAAB-4127-BB5A-70A3014AF32B}" type="datetimeFigureOut">
               <a:rPr lang="fr-FR" smtClean="0"/>
-              <a:t>23/06/2020</a:t>
+              <a:t>24/06/2020</a:t>
             </a:fld>
             <a:endParaRPr lang="fr-FR"/>
           </a:p>
@@ -2394,7 +2399,7 @@
           <a:p>
             <a:fld id="{F6B78CD7-EAAB-4127-BB5A-70A3014AF32B}" type="datetimeFigureOut">
               <a:rPr lang="fr-FR" smtClean="0"/>
-              <a:t>23/06/2020</a:t>
+              <a:t>24/06/2020</a:t>
             </a:fld>
             <a:endParaRPr lang="fr-FR"/>
           </a:p>
@@ -2682,7 +2687,7 @@
           <a:p>
             <a:fld id="{F6B78CD7-EAAB-4127-BB5A-70A3014AF32B}" type="datetimeFigureOut">
               <a:rPr lang="fr-FR" smtClean="0"/>
-              <a:t>23/06/2020</a:t>
+              <a:t>24/06/2020</a:t>
             </a:fld>
             <a:endParaRPr lang="fr-FR"/>
           </a:p>
@@ -2923,7 +2928,7 @@
           <a:p>
             <a:fld id="{F6B78CD7-EAAB-4127-BB5A-70A3014AF32B}" type="datetimeFigureOut">
               <a:rPr lang="fr-FR" smtClean="0"/>
-              <a:t>23/06/2020</a:t>
+              <a:t>24/06/2020</a:t>
             </a:fld>
             <a:endParaRPr lang="fr-FR"/>
           </a:p>
@@ -3418,8 +3423,8 @@
           </a:stretch>
         </p:blipFill>
         <p:spPr>
-          <a:xfrm rot="20386786">
-            <a:off x="7062543" y="1716285"/>
+          <a:xfrm>
+            <a:off x="7299247" y="1918046"/>
             <a:ext cx="4662951" cy="3679132"/>
           </a:xfrm>
           <a:prstGeom prst="rect">
@@ -3458,8 +3463,8 @@
           </a:stretch>
         </p:blipFill>
         <p:spPr bwMode="auto">
-          <a:xfrm rot="20077551">
-            <a:off x="192157" y="1623392"/>
+          <a:xfrm>
+            <a:off x="237566" y="1885001"/>
             <a:ext cx="3611217" cy="3611217"/>
           </a:xfrm>
           <a:prstGeom prst="rect">
@@ -3477,6 +3482,378 @@
           </a:extLst>
         </p:spPr>
       </p:pic>
+      <p:sp>
+        <p:nvSpPr>
+          <p:cNvPr id="2" name="ZoneTexte 1">
+            <a:extLst>
+              <a:ext uri="{FF2B5EF4-FFF2-40B4-BE49-F238E27FC236}">
+                <a16:creationId xmlns:a16="http://schemas.microsoft.com/office/drawing/2014/main" id="{EA703D86-D8E2-4444-8FE5-4E70A3C403C1}"/>
+              </a:ext>
+            </a:extLst>
+          </p:cNvPr>
+          <p:cNvSpPr txBox="1"/>
+          <p:nvPr/>
+        </p:nvSpPr>
+        <p:spPr>
+          <a:xfrm>
+            <a:off x="828675" y="814388"/>
+            <a:ext cx="2185988" cy="369332"/>
+          </a:xfrm>
+          <a:prstGeom prst="rect">
+            <a:avLst/>
+          </a:prstGeom>
+          <a:noFill/>
+        </p:spPr>
+        <p:txBody>
+          <a:bodyPr wrap="square" rtlCol="0">
+            <a:spAutoFit/>
+          </a:bodyPr>
+          <a:lstStyle/>
+          <a:p>
+            <a:pPr algn="ctr"/>
+            <a:r>
+              <a:rPr lang="fr-FR" b="1" dirty="0"/>
+              <a:t>CAMOESAS Baptiste</a:t>
+            </a:r>
+          </a:p>
+        </p:txBody>
+      </p:sp>
+      <p:sp>
+        <p:nvSpPr>
+          <p:cNvPr id="9" name="ZoneTexte 8">
+            <a:extLst>
+              <a:ext uri="{FF2B5EF4-FFF2-40B4-BE49-F238E27FC236}">
+                <a16:creationId xmlns:a16="http://schemas.microsoft.com/office/drawing/2014/main" id="{FC468693-06CF-4059-A434-0E61F7AE2B25}"/>
+              </a:ext>
+            </a:extLst>
+          </p:cNvPr>
+          <p:cNvSpPr txBox="1"/>
+          <p:nvPr/>
+        </p:nvSpPr>
+        <p:spPr>
+          <a:xfrm>
+            <a:off x="828675" y="1208494"/>
+            <a:ext cx="2185988" cy="369332"/>
+          </a:xfrm>
+          <a:prstGeom prst="rect">
+            <a:avLst/>
+          </a:prstGeom>
+          <a:noFill/>
+        </p:spPr>
+        <p:txBody>
+          <a:bodyPr wrap="square" rtlCol="0">
+            <a:spAutoFit/>
+          </a:bodyPr>
+          <a:lstStyle/>
+          <a:p>
+            <a:pPr algn="ctr"/>
+            <a:r>
+              <a:rPr lang="fr-FR" b="1" dirty="0"/>
+              <a:t>Jousseaume Nicolas</a:t>
+            </a:r>
+          </a:p>
+        </p:txBody>
+      </p:sp>
+      <p:sp>
+        <p:nvSpPr>
+          <p:cNvPr id="10" name="ZoneTexte 9">
+            <a:extLst>
+              <a:ext uri="{FF2B5EF4-FFF2-40B4-BE49-F238E27FC236}">
+                <a16:creationId xmlns:a16="http://schemas.microsoft.com/office/drawing/2014/main" id="{C0A1B515-4E82-43BF-BFF7-8E4FD5C2F916}"/>
+              </a:ext>
+            </a:extLst>
+          </p:cNvPr>
+          <p:cNvSpPr txBox="1"/>
+          <p:nvPr/>
+        </p:nvSpPr>
+        <p:spPr>
+          <a:xfrm>
+            <a:off x="666750" y="365110"/>
+            <a:ext cx="2185988" cy="369332"/>
+          </a:xfrm>
+          <a:prstGeom prst="rect">
+            <a:avLst/>
+          </a:prstGeom>
+          <a:noFill/>
+        </p:spPr>
+        <p:txBody>
+          <a:bodyPr wrap="square" rtlCol="0">
+            <a:spAutoFit/>
+          </a:bodyPr>
+          <a:lstStyle/>
+          <a:p>
+            <a:pPr algn="ctr"/>
+            <a:r>
+              <a:rPr lang="fr-FR" b="1" dirty="0"/>
+              <a:t>Le </a:t>
+            </a:r>
+            <a:r>
+              <a:rPr lang="fr-FR" b="1" dirty="0" err="1"/>
+              <a:t>bourhis</a:t>
+            </a:r>
+            <a:r>
+              <a:rPr lang="fr-FR" b="1" dirty="0"/>
+              <a:t> Lucas </a:t>
+            </a:r>
+          </a:p>
+        </p:txBody>
+      </p:sp>
+      <p:pic>
+        <p:nvPicPr>
+          <p:cNvPr id="11" name="Image 10" descr="Résultat de recherche d'images pour &quot;saint felix la salle logo&quot;">
+            <a:extLst>
+              <a:ext uri="{FF2B5EF4-FFF2-40B4-BE49-F238E27FC236}">
+                <a16:creationId xmlns:a16="http://schemas.microsoft.com/office/drawing/2014/main" id="{25269CBB-4CBE-4125-AC7F-948A1E80CB2F}"/>
+              </a:ext>
+            </a:extLst>
+          </p:cNvPr>
+          <p:cNvPicPr/>
+          <p:nvPr/>
+        </p:nvPicPr>
+        <p:blipFill>
+          <a:blip r:embed="rId5" cstate="print">
+            <a:extLst>
+              <a:ext uri="{BEBA8EAE-BF5A-486C-A8C5-ECC9F3942E4B}">
+                <a14:imgProps xmlns:a14="http://schemas.microsoft.com/office/drawing/2010/main">
+                  <a14:imgLayer r:embed="rId6">
+                    <a14:imgEffect>
+                      <a14:backgroundRemoval t="5995" b="95913" l="4000" r="98750">
+                        <a14:foregroundMark x1="23375" y1="6267" x2="23375" y2="9537"/>
+                        <a14:foregroundMark x1="18625" y1="36512" x2="5000" y2="32698"/>
+                        <a14:foregroundMark x1="5000" y1="32698" x2="4000" y2="29700"/>
+                        <a14:foregroundMark x1="10375" y1="90736" x2="8875" y2="95913"/>
+                        <a14:foregroundMark x1="24892" y1="56405" x2="24625" y2="57766"/>
+                        <a14:foregroundMark x1="24625" y1="57766" x2="24500" y2="57766"/>
+                        <a14:foregroundMark x1="25382" y1="46594" x2="25250" y2="46049"/>
+                        <a14:foregroundMark x1="25465" y1="46938" x2="25382" y2="46594"/>
+                        <a14:foregroundMark x1="27026" y1="53406" x2="26577" y2="51544"/>
+                        <a14:foregroundMark x1="27158" y1="53951" x2="27026" y2="53406"/>
+                        <a14:foregroundMark x1="27750" y1="56403" x2="27158" y2="53951"/>
+                        <a14:foregroundMark x1="32067" y1="56676" x2="32125" y2="57766"/>
+                        <a14:foregroundMark x1="32032" y1="56029" x2="32067" y2="56676"/>
+                        <a14:foregroundMark x1="31500" y1="46049" x2="31813" y2="51911"/>
+                        <a14:foregroundMark x1="38125" y1="46049" x2="37875" y2="55586"/>
+                        <a14:foregroundMark x1="40250" y1="44414" x2="37625" y2="44414"/>
+                        <a14:foregroundMark x1="42750" y1="53134" x2="44613" y2="53134"/>
+                        <a14:foregroundMark x1="45562" y1="56381" x2="45375" y2="58311"/>
+                        <a14:foregroundMark x1="42500" y1="53134" x2="44884" y2="53842"/>
+                        <a14:foregroundMark x1="44471" y1="52646" x2="42750" y2="53951"/>
+                        <a14:foregroundMark x1="45625" y1="51771" x2="45187" y2="52103"/>
+                        <a14:foregroundMark x1="44875" y1="42234" x2="43625" y2="42779"/>
+                        <a14:foregroundMark x1="48250" y1="42507" x2="48500" y2="58038"/>
+                        <a14:foregroundMark x1="48500" y1="58038" x2="49125" y2="58311"/>
+                        <a14:foregroundMark x1="51397" y1="49319" x2="52500" y2="57493"/>
+                        <a14:foregroundMark x1="51250" y1="48229" x2="51397" y2="49319"/>
+                        <a14:foregroundMark x1="52125" y1="43324" x2="52375" y2="43597"/>
+                        <a14:foregroundMark x1="55375" y1="49046" x2="58500" y2="57221"/>
+                        <a14:foregroundMark x1="62125" y1="52316" x2="60500" y2="52044"/>
+                        <a14:foregroundMark x1="64250" y1="44414" x2="65494" y2="51404"/>
+                        <a14:foregroundMark x1="79206" y1="52607" x2="79348" y2="52134"/>
+                        <a14:foregroundMark x1="77115" y1="59565" x2="77693" y2="57641"/>
+                        <a14:foregroundMark x1="86134" y1="57294" x2="86500" y2="58311"/>
+                        <a14:foregroundMark x1="88875" y1="43324" x2="89375" y2="57493"/>
+                        <a14:foregroundMark x1="92125" y1="42779" x2="92875" y2="57221"/>
+                        <a14:foregroundMark x1="98750" y1="52861" x2="98375" y2="52044"/>
+                        <a14:foregroundMark x1="78577" y1="48501" x2="78468" y2="46866"/>
+                        <a14:foregroundMark x1="78699" y1="50329" x2="78577" y2="48501"/>
+                        <a14:foregroundMark x1="78824" y1="52203" x2="78727" y2="50747"/>
+                        <a14:foregroundMark x1="79250" y1="58583" x2="79092" y2="56216"/>
+                        <a14:foregroundMark x1="97818" y1="50034" x2="97750" y2="47956"/>
+                        <a14:foregroundMark x1="97875" y1="51771" x2="97848" y2="50954"/>
+                        <a14:foregroundMark x1="97964" y1="54484" x2="97875" y2="51771"/>
+                        <a14:foregroundMark x1="98125" y1="59401" x2="98044" y2="56927"/>
+                        <a14:foregroundMark x1="71272" y1="49581" x2="70750" y2="47956"/>
+                        <a14:foregroundMark x1="72500" y1="53406" x2="71771" y2="51136"/>
+                        <a14:foregroundMark x1="71456" y1="57381" x2="71375" y2="58311"/>
+                        <a14:foregroundMark x1="71875" y1="52589" x2="71777" y2="53714"/>
+                        <a14:foregroundMark x1="86183" y1="56131" x2="86375" y2="56676"/>
+                        <a14:foregroundMark x1="84555" y1="51499" x2="86183" y2="56131"/>
+                        <a14:foregroundMark x1="84459" y1="51226" x2="84555" y2="51499"/>
+                        <a14:foregroundMark x1="84267" y1="50681" x2="84459" y2="51226"/>
+                        <a14:foregroundMark x1="84171" y1="50409" x2="84267" y2="50681"/>
+                        <a14:foregroundMark x1="84075" y1="50136" x2="84171" y2="50409"/>
+                        <a14:foregroundMark x1="83979" y1="49864" x2="84075" y2="50136"/>
+                        <a14:foregroundMark x1="83883" y1="49591" x2="83979" y2="49864"/>
+                        <a14:foregroundMark x1="83787" y1="49319" x2="83883" y2="49591"/>
+                        <a14:foregroundMark x1="83500" y1="48501" x2="83787" y2="49319"/>
+                        <a14:backgroundMark x1="26875" y1="47956" x2="26375" y2="46049"/>
+                        <a14:backgroundMark x1="27375" y1="47684" x2="26625" y2="47139"/>
+                        <a14:backgroundMark x1="27750" y1="46594" x2="26375" y2="46049"/>
+                        <a14:backgroundMark x1="27125" y1="49046" x2="26250" y2="46049"/>
+                        <a14:backgroundMark x1="26250" y1="46049" x2="26750" y2="47956"/>
+                        <a14:backgroundMark x1="26750" y1="47956" x2="27625" y2="47956"/>
+                        <a14:backgroundMark x1="24500" y1="52861" x2="25250" y2="53134"/>
+                        <a14:backgroundMark x1="25875" y1="53406" x2="24875" y2="55041"/>
+                        <a14:backgroundMark x1="26125" y1="56131" x2="25750" y2="53951"/>
+                        <a14:backgroundMark x1="25750" y1="53951" x2="25125" y2="52861"/>
+                        <a14:backgroundMark x1="26250" y1="53406" x2="24750" y2="51771"/>
+                        <a14:backgroundMark x1="25625" y1="56403" x2="24500" y2="54496"/>
+                        <a14:backgroundMark x1="32000" y1="51771" x2="32625" y2="55586"/>
+                        <a14:backgroundMark x1="32125" y1="56676" x2="32125" y2="56676"/>
+                        <a14:backgroundMark x1="44250" y1="49864" x2="44250" y2="49864"/>
+                        <a14:backgroundMark x1="44375" y1="55586" x2="45625" y2="55586"/>
+                        <a14:backgroundMark x1="66125" y1="51771" x2="66125" y2="55313"/>
+                        <a14:backgroundMark x1="67000" y1="55313" x2="65750" y2="55313"/>
+                        <a14:backgroundMark x1="71343" y1="51226" x2="70625" y2="51226"/>
+                        <a14:backgroundMark x1="58250" y1="74114" x2="44750" y2="71935"/>
+                        <a14:backgroundMark x1="42000" y1="73025" x2="49375" y2="72480"/>
+                        <a14:backgroundMark x1="49375" y1="72480" x2="58750" y2="72480"/>
+                        <a14:backgroundMark x1="80375" y1="48229" x2="80125" y2="47139"/>
+                        <a14:backgroundMark x1="80625" y1="50136" x2="80625" y2="47139"/>
+                        <a14:backgroundMark x1="80625" y1="47139" x2="79250" y2="46866"/>
+                        <a14:backgroundMark x1="78750" y1="46594" x2="80250" y2="48229"/>
+                        <a14:backgroundMark x1="77375" y1="60763" x2="76750" y2="59946"/>
+                        <a14:backgroundMark x1="76500" y1="53951" x2="77000" y2="53134"/>
+                        <a14:backgroundMark x1="77250" y1="53951" x2="78375" y2="54496"/>
+                        <a14:backgroundMark x1="78875" y1="56403" x2="76500" y2="51226"/>
+                        <a14:backgroundMark x1="78477" y1="53533" x2="77500" y2="52316"/>
+                        <a14:backgroundMark x1="79250" y1="54496" x2="78538" y2="53610"/>
+                        <a14:backgroundMark x1="78528" y1="53454" x2="77875" y2="52861"/>
+                        <a14:backgroundMark x1="79375" y1="54223" x2="79336" y2="54188"/>
+                        <a14:backgroundMark x1="78459" y1="53419" x2="78500" y2="53406"/>
+                        <a14:backgroundMark x1="79375" y1="53134" x2="79268" y2="53167"/>
+                        <a14:backgroundMark x1="78250" y1="56676" x2="77500" y2="54496"/>
+                        <a14:backgroundMark x1="51250" y1="50681" x2="51125" y2="49864"/>
+                        <a14:backgroundMark x1="79000" y1="55586" x2="79000" y2="53406"/>
+                        <a14:backgroundMark x1="78250" y1="56948" x2="77250" y2="55586"/>
+                        <a14:backgroundMark x1="77250" y1="60763" x2="76625" y2="60218"/>
+                        <a14:backgroundMark x1="79125" y1="47956" x2="79375" y2="47139"/>
+                        <a14:backgroundMark x1="79375" y1="47139" x2="78750" y2="46594"/>
+                        <a14:backgroundMark x1="78500" y1="46866" x2="78500" y2="46866"/>
+                        <a14:backgroundMark x1="78250" y1="46866" x2="78250" y2="46866"/>
+                        <a14:backgroundMark x1="78250" y1="46049" x2="78250" y2="46049"/>
+                        <a14:backgroundMark x1="78625" y1="45504" x2="78625" y2="45504"/>
+                        <a14:backgroundMark x1="78750" y1="46322" x2="78750" y2="46322"/>
+                        <a14:backgroundMark x1="78625" y1="46322" x2="78625" y2="46322"/>
+                        <a14:backgroundMark x1="78375" y1="45504" x2="78375" y2="45504"/>
+                        <a14:backgroundMark x1="78750" y1="46322" x2="78500" y2="45777"/>
+                        <a14:backgroundMark x1="78875" y1="48229" x2="78375" y2="47139"/>
+                        <a14:backgroundMark x1="98625" y1="56131" x2="96500" y2="55586"/>
+                        <a14:backgroundMark x1="32125" y1="56131" x2="32125" y2="56131"/>
+                        <a14:backgroundMark x1="32000" y1="56131" x2="32000" y2="56131"/>
+                        <a14:backgroundMark x1="45750" y1="55586" x2="45750" y2="55586"/>
+                        <a14:backgroundMark x1="45750" y1="55313" x2="45750" y2="55313"/>
+                        <a14:backgroundMark x1="46125" y1="55313" x2="45250" y2="55313"/>
+                        <a14:backgroundMark x1="45750" y1="56403" x2="45750" y2="56403"/>
+                        <a14:backgroundMark x1="45375" y1="56403" x2="45375" y2="56403"/>
+                        <a14:backgroundMark x1="84625" y1="56131" x2="84625" y2="56131"/>
+                        <a14:backgroundMark x1="84625" y1="50681" x2="84625" y2="50681"/>
+                        <a14:backgroundMark x1="84250" y1="51226" x2="84250" y2="51226"/>
+                        <a14:backgroundMark x1="84250" y1="50409" x2="84250" y2="50409"/>
+                        <a14:backgroundMark x1="84000" y1="50409" x2="84000" y2="50409"/>
+                        <a14:backgroundMark x1="84000" y1="50136" x2="84000" y2="50136"/>
+                        <a14:backgroundMark x1="84125" y1="49591" x2="84125" y2="49591"/>
+                        <a14:backgroundMark x1="83875" y1="49864" x2="83875" y2="49864"/>
+                        <a14:backgroundMark x1="84750" y1="51499" x2="84750" y2="51499"/>
+                        <a14:backgroundMark x1="84625" y1="51226" x2="84625" y2="51226"/>
+                        <a14:backgroundMark x1="71625" y1="56131" x2="71625" y2="56131"/>
+                        <a14:backgroundMark x1="71000" y1="55313" x2="71000" y2="55313"/>
+                        <a14:backgroundMark x1="71750" y1="55586" x2="71750" y2="55586"/>
+                        <a14:backgroundMark x1="71625" y1="54768" x2="71625" y2="54768"/>
+                        <a14:backgroundMark x1="71625" y1="56403" x2="71625" y2="56403"/>
+                        <a14:backgroundMark x1="71625" y1="55586" x2="71375" y2="56676"/>
+                        <a14:backgroundMark x1="71875" y1="53951" x2="71375" y2="54496"/>
+                        <a14:backgroundMark x1="71500" y1="55313" x2="71375" y2="54768"/>
+                        <a14:backgroundMark x1="71375" y1="55313" x2="71375" y2="56131"/>
+                        <a14:backgroundMark x1="71750" y1="56676" x2="71250" y2="56676"/>
+                        <a14:backgroundMark x1="71625" y1="50954" x2="71625" y2="50136"/>
+                        <a14:backgroundMark x1="71125" y1="50136" x2="71875" y2="49864"/>
+                        <a14:backgroundMark x1="72000" y1="51226" x2="72000" y2="51226"/>
+                        <a14:backgroundMark x1="71500" y1="49591" x2="71500" y2="49591"/>
+                        <a14:backgroundMark x1="71125" y1="49591" x2="71125" y2="49591"/>
+                        <a14:backgroundMark x1="71500" y1="57493" x2="71500" y2="57493"/>
+                        <a14:backgroundMark x1="71500" y1="57493" x2="71500" y2="57493"/>
+                        <a14:backgroundMark x1="97125" y1="50409" x2="97125" y2="50409"/>
+                        <a14:backgroundMark x1="97625" y1="50954" x2="97625" y2="50954"/>
+                        <a14:backgroundMark x1="97625" y1="50136" x2="97750" y2="51226"/>
+                        <a14:backgroundMark x1="97625" y1="51771" x2="97625" y2="51771"/>
+                        <a14:backgroundMark x1="98250" y1="55586" x2="97625" y2="55313"/>
+                        <a14:backgroundMark x1="97875" y1="56676" x2="97875" y2="56676"/>
+                        <a14:backgroundMark x1="98000" y1="54768" x2="98000" y2="54768"/>
+                        <a14:backgroundMark x1="97875" y1="54496" x2="97875" y2="54496"/>
+                        <a14:backgroundMark x1="98250" y1="60218" x2="98250" y2="60218"/>
+                        <a14:backgroundMark x1="77125" y1="59946" x2="77125" y2="59946"/>
+                        <a14:backgroundMark x1="78500" y1="48501" x2="78500" y2="48501"/>
+                        <a14:backgroundMark x1="84000" y1="49319" x2="84000" y2="49319"/>
+                        <a14:backgroundMark x1="83625" y1="49864" x2="83625" y2="49864"/>
+                        <a14:backgroundMark x1="79125" y1="53406" x2="79125" y2="53406"/>
+                        <a14:backgroundMark x1="76875" y1="59401" x2="76875" y2="59401"/>
+                        <a14:backgroundMark x1="32125" y1="56131" x2="32125" y2="56131"/>
+                        <a14:backgroundMark x1="32125" y1="55586" x2="32125" y2="55586"/>
+                        <a14:backgroundMark x1="25625" y1="46594" x2="25625" y2="46594"/>
+                        <a14:backgroundMark x1="27000" y1="53951" x2="27000" y2="53951"/>
+                        <a14:backgroundMark x1="26750" y1="53406" x2="26750" y2="53406"/>
+                        <a14:backgroundMark x1="24875" y1="56403" x2="24875" y2="56403"/>
+                        <a14:backgroundMark x1="51125" y1="49319" x2="51125" y2="49319"/>
+                      </a14:backgroundRemoval>
+                    </a14:imgEffect>
+                  </a14:imgLayer>
+                </a14:imgProps>
+              </a:ext>
+              <a:ext uri="{28A0092B-C50C-407E-A947-70E740481C1C}">
+                <a14:useLocalDpi xmlns:a14="http://schemas.microsoft.com/office/drawing/2010/main" val="0"/>
+              </a:ext>
+            </a:extLst>
+          </a:blip>
+          <a:srcRect/>
+          <a:stretch>
+            <a:fillRect/>
+          </a:stretch>
+        </p:blipFill>
+        <p:spPr bwMode="auto">
+          <a:xfrm>
+            <a:off x="8388627" y="0"/>
+            <a:ext cx="3557420" cy="1444427"/>
+          </a:xfrm>
+          <a:prstGeom prst="rect">
+            <a:avLst/>
+          </a:prstGeom>
+          <a:noFill/>
+          <a:ln>
+            <a:noFill/>
+          </a:ln>
+        </p:spPr>
+      </p:pic>
+      <p:sp>
+        <p:nvSpPr>
+          <p:cNvPr id="3" name="ZoneTexte 2">
+            <a:extLst>
+              <a:ext uri="{FF2B5EF4-FFF2-40B4-BE49-F238E27FC236}">
+                <a16:creationId xmlns:a16="http://schemas.microsoft.com/office/drawing/2014/main" id="{9200EA86-BAD6-4344-B27A-0AE100EB631E}"/>
+              </a:ext>
+            </a:extLst>
+          </p:cNvPr>
+          <p:cNvSpPr txBox="1"/>
+          <p:nvPr/>
+        </p:nvSpPr>
+        <p:spPr>
+          <a:xfrm>
+            <a:off x="4497511" y="3167390"/>
+            <a:ext cx="3196978" cy="523220"/>
+          </a:xfrm>
+          <a:prstGeom prst="rect">
+            <a:avLst/>
+          </a:prstGeom>
+          <a:noFill/>
+        </p:spPr>
+        <p:txBody>
+          <a:bodyPr wrap="square" rtlCol="0">
+            <a:spAutoFit/>
+          </a:bodyPr>
+          <a:lstStyle/>
+          <a:p>
+            <a:pPr algn="ctr"/>
+            <a:r>
+              <a:rPr lang="fr-FR" sz="2800" b="1" dirty="0">
+                <a:solidFill>
+                  <a:srgbClr val="FF0000"/>
+                </a:solidFill>
+              </a:rPr>
+              <a:t>projet VICCI</a:t>
+            </a:r>
+          </a:p>
+        </p:txBody>
+      </p:sp>
     </p:spTree>
     <p:extLst>
       <p:ext uri="{BB962C8B-B14F-4D97-AF65-F5344CB8AC3E}">
@@ -3487,6 +3864,92 @@
   <p:clrMapOvr>
     <a:masterClrMapping/>
   </p:clrMapOvr>
+  <p:timing>
+    <p:tnLst>
+      <p:par>
+        <p:cTn id="1" dur="indefinite" restart="never" nodeType="tmRoot">
+          <p:childTnLst>
+            <p:seq concurrent="1" nextAc="seek">
+              <p:cTn id="2" dur="indefinite" nodeType="mainSeq">
+                <p:childTnLst>
+                  <p:par>
+                    <p:cTn id="3" fill="hold">
+                      <p:stCondLst>
+                        <p:cond delay="indefinite"/>
+                        <p:cond evt="onBegin" delay="0">
+                          <p:tn val="2"/>
+                        </p:cond>
+                      </p:stCondLst>
+                      <p:childTnLst>
+                        <p:par>
+                          <p:cTn id="4" fill="hold">
+                            <p:stCondLst>
+                              <p:cond delay="0"/>
+                            </p:stCondLst>
+                            <p:childTnLst>
+                              <p:par>
+                                <p:cTn id="5" presetID="10" presetClass="entr" presetSubtype="0" fill="hold" nodeType="withEffect">
+                                  <p:stCondLst>
+                                    <p:cond delay="0"/>
+                                  </p:stCondLst>
+                                  <p:childTnLst>
+                                    <p:set>
+                                      <p:cBhvr>
+                                        <p:cTn id="6" dur="1" fill="hold">
+                                          <p:stCondLst>
+                                            <p:cond delay="0"/>
+                                          </p:stCondLst>
+                                        </p:cTn>
+                                        <p:tgtEl>
+                                          <p:spTgt spid="11"/>
+                                        </p:tgtEl>
+                                        <p:attrNameLst>
+                                          <p:attrName>style.visibility</p:attrName>
+                                        </p:attrNameLst>
+                                      </p:cBhvr>
+                                      <p:to>
+                                        <p:strVal val="visible"/>
+                                      </p:to>
+                                    </p:set>
+                                    <p:animEffect transition="in" filter="fade">
+                                      <p:cBhvr>
+                                        <p:cTn id="7" dur="5000"/>
+                                        <p:tgtEl>
+                                          <p:spTgt spid="11"/>
+                                        </p:tgtEl>
+                                      </p:cBhvr>
+                                    </p:animEffect>
+                                  </p:childTnLst>
+                                </p:cTn>
+                              </p:par>
+                            </p:childTnLst>
+                          </p:cTn>
+                        </p:par>
+                      </p:childTnLst>
+                    </p:cTn>
+                  </p:par>
+                </p:childTnLst>
+              </p:cTn>
+              <p:prevCondLst>
+                <p:cond evt="onPrev" delay="0">
+                  <p:tgtEl>
+                    <p:sldTgt/>
+                  </p:tgtEl>
+                </p:cond>
+              </p:prevCondLst>
+              <p:nextCondLst>
+                <p:cond evt="onNext" delay="0">
+                  <p:tgtEl>
+                    <p:sldTgt/>
+                  </p:tgtEl>
+                </p:cond>
+              </p:nextCondLst>
+            </p:seq>
+          </p:childTnLst>
+        </p:cTn>
+      </p:par>
+    </p:tnLst>
+  </p:timing>
 </p:sld>
 </file>
 
@@ -4610,6 +5073,95 @@
           </a:p>
         </p:txBody>
       </p:sp>
+      <p:pic>
+        <p:nvPicPr>
+          <p:cNvPr id="2" name="Picture 2" descr="VIKI | Villains Wiki | Fandom">
+            <a:extLst>
+              <a:ext uri="{FF2B5EF4-FFF2-40B4-BE49-F238E27FC236}">
+                <a16:creationId xmlns:a16="http://schemas.microsoft.com/office/drawing/2014/main" id="{3F3ECDBE-E3C8-4FEE-856A-4758EAB0E4E2}"/>
+              </a:ext>
+            </a:extLst>
+          </p:cNvPr>
+          <p:cNvPicPr>
+            <a:picLocks noChangeAspect="1" noChangeArrowheads="1"/>
+          </p:cNvPicPr>
+          <p:nvPr/>
+        </p:nvPicPr>
+        <p:blipFill>
+          <a:blip r:embed="rId6">
+            <a:extLst>
+              <a:ext uri="{28A0092B-C50C-407E-A947-70E740481C1C}">
+                <a14:useLocalDpi xmlns:a14="http://schemas.microsoft.com/office/drawing/2010/main" val="0"/>
+              </a:ext>
+            </a:extLst>
+          </a:blip>
+          <a:srcRect/>
+          <a:stretch>
+            <a:fillRect/>
+          </a:stretch>
+        </p:blipFill>
+        <p:spPr bwMode="auto">
+          <a:xfrm>
+            <a:off x="1784917" y="1291467"/>
+            <a:ext cx="8622166" cy="4162425"/>
+          </a:xfrm>
+          <a:prstGeom prst="rect">
+            <a:avLst/>
+          </a:prstGeom>
+          <a:noFill/>
+          <a:extLst>
+            <a:ext uri="{909E8E84-426E-40DD-AFC4-6F175D3DCCD1}">
+              <a14:hiddenFill xmlns:a14="http://schemas.microsoft.com/office/drawing/2010/main">
+                <a:solidFill>
+                  <a:srgbClr val="FFFFFF"/>
+                </a:solidFill>
+              </a14:hiddenFill>
+            </a:ext>
+          </a:extLst>
+        </p:spPr>
+      </p:pic>
+      <p:sp>
+        <p:nvSpPr>
+          <p:cNvPr id="3" name="ZoneTexte 2">
+            <a:extLst>
+              <a:ext uri="{FF2B5EF4-FFF2-40B4-BE49-F238E27FC236}">
+                <a16:creationId xmlns:a16="http://schemas.microsoft.com/office/drawing/2014/main" id="{0DD7A8AF-EA75-4265-A8EC-29A036AA0963}"/>
+              </a:ext>
+            </a:extLst>
+          </p:cNvPr>
+          <p:cNvSpPr txBox="1"/>
+          <p:nvPr/>
+        </p:nvSpPr>
+        <p:spPr>
+          <a:xfrm>
+            <a:off x="4481096" y="5369891"/>
+            <a:ext cx="3057525" cy="584775"/>
+          </a:xfrm>
+          <a:prstGeom prst="rect">
+            <a:avLst/>
+          </a:prstGeom>
+          <a:noFill/>
+        </p:spPr>
+        <p:txBody>
+          <a:bodyPr wrap="square" rtlCol="0">
+            <a:spAutoFit/>
+          </a:bodyPr>
+          <a:lstStyle/>
+          <a:p>
+            <a:pPr algn="ctr"/>
+            <a:r>
+              <a:rPr lang="fr-FR" sz="3200" b="1" dirty="0">
+                <a:solidFill>
+                  <a:schemeClr val="accent2">
+                    <a:lumMod val="75000"/>
+                  </a:schemeClr>
+                </a:solidFill>
+              </a:rPr>
+              <a:t>VICCI</a:t>
+            </a:r>
+          </a:p>
+        </p:txBody>
+      </p:sp>
     </p:spTree>
     <p:extLst>
       <p:ext uri="{BB962C8B-B14F-4D97-AF65-F5344CB8AC3E}">
@@ -4620,6 +5172,508 @@
   <p:clrMapOvr>
     <a:masterClrMapping/>
   </p:clrMapOvr>
+  <p:timing>
+    <p:tnLst>
+      <p:par>
+        <p:cTn id="1" dur="indefinite" restart="never" nodeType="tmRoot">
+          <p:childTnLst>
+            <p:seq concurrent="1" nextAc="seek">
+              <p:cTn id="2" dur="indefinite" nodeType="mainSeq">
+                <p:childTnLst>
+                  <p:par>
+                    <p:cTn id="3" fill="hold">
+                      <p:stCondLst>
+                        <p:cond delay="indefinite"/>
+                      </p:stCondLst>
+                      <p:childTnLst>
+                        <p:par>
+                          <p:cTn id="4" fill="hold">
+                            <p:stCondLst>
+                              <p:cond delay="0"/>
+                            </p:stCondLst>
+                            <p:childTnLst>
+                              <p:par>
+                                <p:cTn id="5" presetID="1" presetClass="entr" presetSubtype="0" fill="hold" nodeType="clickEffect">
+                                  <p:stCondLst>
+                                    <p:cond delay="0"/>
+                                  </p:stCondLst>
+                                  <p:childTnLst>
+                                    <p:set>
+                                      <p:cBhvr>
+                                        <p:cTn id="6" dur="1" fill="hold">
+                                          <p:stCondLst>
+                                            <p:cond delay="0"/>
+                                          </p:stCondLst>
+                                        </p:cTn>
+                                        <p:tgtEl>
+                                          <p:spTgt spid="1028"/>
+                                        </p:tgtEl>
+                                        <p:attrNameLst>
+                                          <p:attrName>style.visibility</p:attrName>
+                                        </p:attrNameLst>
+                                      </p:cBhvr>
+                                      <p:to>
+                                        <p:strVal val="visible"/>
+                                      </p:to>
+                                    </p:set>
+                                  </p:childTnLst>
+                                </p:cTn>
+                              </p:par>
+                            </p:childTnLst>
+                          </p:cTn>
+                        </p:par>
+                      </p:childTnLst>
+                    </p:cTn>
+                  </p:par>
+                  <p:par>
+                    <p:cTn id="7" fill="hold">
+                      <p:stCondLst>
+                        <p:cond delay="indefinite"/>
+                      </p:stCondLst>
+                      <p:childTnLst>
+                        <p:par>
+                          <p:cTn id="8" fill="hold">
+                            <p:stCondLst>
+                              <p:cond delay="0"/>
+                            </p:stCondLst>
+                            <p:childTnLst>
+                              <p:par>
+                                <p:cTn id="9" presetID="22" presetClass="entr" presetSubtype="8" fill="hold" grpId="0" nodeType="clickEffect">
+                                  <p:stCondLst>
+                                    <p:cond delay="0"/>
+                                  </p:stCondLst>
+                                  <p:childTnLst>
+                                    <p:set>
+                                      <p:cBhvr>
+                                        <p:cTn id="10" dur="1" fill="hold">
+                                          <p:stCondLst>
+                                            <p:cond delay="0"/>
+                                          </p:stCondLst>
+                                        </p:cTn>
+                                        <p:tgtEl>
+                                          <p:spTgt spid="7"/>
+                                        </p:tgtEl>
+                                        <p:attrNameLst>
+                                          <p:attrName>style.visibility</p:attrName>
+                                        </p:attrNameLst>
+                                      </p:cBhvr>
+                                      <p:to>
+                                        <p:strVal val="visible"/>
+                                      </p:to>
+                                    </p:set>
+                                    <p:animEffect transition="in" filter="wipe(left)">
+                                      <p:cBhvr>
+                                        <p:cTn id="11" dur="500"/>
+                                        <p:tgtEl>
+                                          <p:spTgt spid="7"/>
+                                        </p:tgtEl>
+                                      </p:cBhvr>
+                                    </p:animEffect>
+                                  </p:childTnLst>
+                                </p:cTn>
+                              </p:par>
+                            </p:childTnLst>
+                          </p:cTn>
+                        </p:par>
+                        <p:par>
+                          <p:cTn id="12" fill="hold">
+                            <p:stCondLst>
+                              <p:cond delay="500"/>
+                            </p:stCondLst>
+                            <p:childTnLst>
+                              <p:par>
+                                <p:cTn id="13" presetID="10" presetClass="entr" presetSubtype="0" fill="hold" nodeType="afterEffect">
+                                  <p:stCondLst>
+                                    <p:cond delay="0"/>
+                                  </p:stCondLst>
+                                  <p:childTnLst>
+                                    <p:set>
+                                      <p:cBhvr>
+                                        <p:cTn id="14" dur="1" fill="hold">
+                                          <p:stCondLst>
+                                            <p:cond delay="0"/>
+                                          </p:stCondLst>
+                                        </p:cTn>
+                                        <p:tgtEl>
+                                          <p:spTgt spid="1026"/>
+                                        </p:tgtEl>
+                                        <p:attrNameLst>
+                                          <p:attrName>style.visibility</p:attrName>
+                                        </p:attrNameLst>
+                                      </p:cBhvr>
+                                      <p:to>
+                                        <p:strVal val="visible"/>
+                                      </p:to>
+                                    </p:set>
+                                    <p:animEffect transition="in" filter="fade">
+                                      <p:cBhvr>
+                                        <p:cTn id="15" dur="500"/>
+                                        <p:tgtEl>
+                                          <p:spTgt spid="1026"/>
+                                        </p:tgtEl>
+                                      </p:cBhvr>
+                                    </p:animEffect>
+                                  </p:childTnLst>
+                                </p:cTn>
+                              </p:par>
+                            </p:childTnLst>
+                          </p:cTn>
+                        </p:par>
+                      </p:childTnLst>
+                    </p:cTn>
+                  </p:par>
+                  <p:par>
+                    <p:cTn id="16" fill="hold">
+                      <p:stCondLst>
+                        <p:cond delay="indefinite"/>
+                      </p:stCondLst>
+                      <p:childTnLst>
+                        <p:par>
+                          <p:cTn id="17" fill="hold">
+                            <p:stCondLst>
+                              <p:cond delay="0"/>
+                            </p:stCondLst>
+                            <p:childTnLst>
+                              <p:par>
+                                <p:cTn id="18" presetID="2" presetClass="exit" presetSubtype="4" fill="hold" nodeType="clickEffect">
+                                  <p:stCondLst>
+                                    <p:cond delay="0"/>
+                                  </p:stCondLst>
+                                  <p:childTnLst>
+                                    <p:anim calcmode="lin" valueType="num">
+                                      <p:cBhvr additive="base">
+                                        <p:cTn id="19" dur="500"/>
+                                        <p:tgtEl>
+                                          <p:spTgt spid="1028"/>
+                                        </p:tgtEl>
+                                        <p:attrNameLst>
+                                          <p:attrName>ppt_x</p:attrName>
+                                        </p:attrNameLst>
+                                      </p:cBhvr>
+                                      <p:tavLst>
+                                        <p:tav tm="0">
+                                          <p:val>
+                                            <p:strVal val="ppt_x"/>
+                                          </p:val>
+                                        </p:tav>
+                                        <p:tav tm="100000">
+                                          <p:val>
+                                            <p:strVal val="ppt_x"/>
+                                          </p:val>
+                                        </p:tav>
+                                      </p:tavLst>
+                                    </p:anim>
+                                    <p:anim calcmode="lin" valueType="num">
+                                      <p:cBhvr additive="base">
+                                        <p:cTn id="20" dur="500"/>
+                                        <p:tgtEl>
+                                          <p:spTgt spid="1028"/>
+                                        </p:tgtEl>
+                                        <p:attrNameLst>
+                                          <p:attrName>ppt_y</p:attrName>
+                                        </p:attrNameLst>
+                                      </p:cBhvr>
+                                      <p:tavLst>
+                                        <p:tav tm="0">
+                                          <p:val>
+                                            <p:strVal val="ppt_y"/>
+                                          </p:val>
+                                        </p:tav>
+                                        <p:tav tm="100000">
+                                          <p:val>
+                                            <p:strVal val="1+ppt_h/2"/>
+                                          </p:val>
+                                        </p:tav>
+                                      </p:tavLst>
+                                    </p:anim>
+                                    <p:set>
+                                      <p:cBhvr>
+                                        <p:cTn id="21" dur="1" fill="hold">
+                                          <p:stCondLst>
+                                            <p:cond delay="499"/>
+                                          </p:stCondLst>
+                                        </p:cTn>
+                                        <p:tgtEl>
+                                          <p:spTgt spid="1028"/>
+                                        </p:tgtEl>
+                                        <p:attrNameLst>
+                                          <p:attrName>style.visibility</p:attrName>
+                                        </p:attrNameLst>
+                                      </p:cBhvr>
+                                      <p:to>
+                                        <p:strVal val="hidden"/>
+                                      </p:to>
+                                    </p:set>
+                                  </p:childTnLst>
+                                </p:cTn>
+                              </p:par>
+                              <p:par>
+                                <p:cTn id="22" presetID="2" presetClass="exit" presetSubtype="4" fill="hold" grpId="1" nodeType="withEffect">
+                                  <p:stCondLst>
+                                    <p:cond delay="0"/>
+                                  </p:stCondLst>
+                                  <p:childTnLst>
+                                    <p:anim calcmode="lin" valueType="num">
+                                      <p:cBhvr additive="base">
+                                        <p:cTn id="23" dur="500"/>
+                                        <p:tgtEl>
+                                          <p:spTgt spid="7"/>
+                                        </p:tgtEl>
+                                        <p:attrNameLst>
+                                          <p:attrName>ppt_x</p:attrName>
+                                        </p:attrNameLst>
+                                      </p:cBhvr>
+                                      <p:tavLst>
+                                        <p:tav tm="0">
+                                          <p:val>
+                                            <p:strVal val="ppt_x"/>
+                                          </p:val>
+                                        </p:tav>
+                                        <p:tav tm="100000">
+                                          <p:val>
+                                            <p:strVal val="ppt_x"/>
+                                          </p:val>
+                                        </p:tav>
+                                      </p:tavLst>
+                                    </p:anim>
+                                    <p:anim calcmode="lin" valueType="num">
+                                      <p:cBhvr additive="base">
+                                        <p:cTn id="24" dur="500"/>
+                                        <p:tgtEl>
+                                          <p:spTgt spid="7"/>
+                                        </p:tgtEl>
+                                        <p:attrNameLst>
+                                          <p:attrName>ppt_y</p:attrName>
+                                        </p:attrNameLst>
+                                      </p:cBhvr>
+                                      <p:tavLst>
+                                        <p:tav tm="0">
+                                          <p:val>
+                                            <p:strVal val="ppt_y"/>
+                                          </p:val>
+                                        </p:tav>
+                                        <p:tav tm="100000">
+                                          <p:val>
+                                            <p:strVal val="1+ppt_h/2"/>
+                                          </p:val>
+                                        </p:tav>
+                                      </p:tavLst>
+                                    </p:anim>
+                                    <p:set>
+                                      <p:cBhvr>
+                                        <p:cTn id="25" dur="1" fill="hold">
+                                          <p:stCondLst>
+                                            <p:cond delay="499"/>
+                                          </p:stCondLst>
+                                        </p:cTn>
+                                        <p:tgtEl>
+                                          <p:spTgt spid="7"/>
+                                        </p:tgtEl>
+                                        <p:attrNameLst>
+                                          <p:attrName>style.visibility</p:attrName>
+                                        </p:attrNameLst>
+                                      </p:cBhvr>
+                                      <p:to>
+                                        <p:strVal val="hidden"/>
+                                      </p:to>
+                                    </p:set>
+                                  </p:childTnLst>
+                                </p:cTn>
+                              </p:par>
+                              <p:par>
+                                <p:cTn id="26" presetID="2" presetClass="exit" presetSubtype="4" fill="hold" nodeType="withEffect">
+                                  <p:stCondLst>
+                                    <p:cond delay="0"/>
+                                  </p:stCondLst>
+                                  <p:childTnLst>
+                                    <p:anim calcmode="lin" valueType="num">
+                                      <p:cBhvr additive="base">
+                                        <p:cTn id="27" dur="500"/>
+                                        <p:tgtEl>
+                                          <p:spTgt spid="1026"/>
+                                        </p:tgtEl>
+                                        <p:attrNameLst>
+                                          <p:attrName>ppt_x</p:attrName>
+                                        </p:attrNameLst>
+                                      </p:cBhvr>
+                                      <p:tavLst>
+                                        <p:tav tm="0">
+                                          <p:val>
+                                            <p:strVal val="ppt_x"/>
+                                          </p:val>
+                                        </p:tav>
+                                        <p:tav tm="100000">
+                                          <p:val>
+                                            <p:strVal val="ppt_x"/>
+                                          </p:val>
+                                        </p:tav>
+                                      </p:tavLst>
+                                    </p:anim>
+                                    <p:anim calcmode="lin" valueType="num">
+                                      <p:cBhvr additive="base">
+                                        <p:cTn id="28" dur="500"/>
+                                        <p:tgtEl>
+                                          <p:spTgt spid="1026"/>
+                                        </p:tgtEl>
+                                        <p:attrNameLst>
+                                          <p:attrName>ppt_y</p:attrName>
+                                        </p:attrNameLst>
+                                      </p:cBhvr>
+                                      <p:tavLst>
+                                        <p:tav tm="0">
+                                          <p:val>
+                                            <p:strVal val="ppt_y"/>
+                                          </p:val>
+                                        </p:tav>
+                                        <p:tav tm="100000">
+                                          <p:val>
+                                            <p:strVal val="1+ppt_h/2"/>
+                                          </p:val>
+                                        </p:tav>
+                                      </p:tavLst>
+                                    </p:anim>
+                                    <p:set>
+                                      <p:cBhvr>
+                                        <p:cTn id="29" dur="1" fill="hold">
+                                          <p:stCondLst>
+                                            <p:cond delay="499"/>
+                                          </p:stCondLst>
+                                        </p:cTn>
+                                        <p:tgtEl>
+                                          <p:spTgt spid="1026"/>
+                                        </p:tgtEl>
+                                        <p:attrNameLst>
+                                          <p:attrName>style.visibility</p:attrName>
+                                        </p:attrNameLst>
+                                      </p:cBhvr>
+                                      <p:to>
+                                        <p:strVal val="hidden"/>
+                                      </p:to>
+                                    </p:set>
+                                  </p:childTnLst>
+                                </p:cTn>
+                              </p:par>
+                            </p:childTnLst>
+                          </p:cTn>
+                        </p:par>
+                      </p:childTnLst>
+                    </p:cTn>
+                  </p:par>
+                  <p:par>
+                    <p:cTn id="30" fill="hold">
+                      <p:stCondLst>
+                        <p:cond delay="indefinite"/>
+                      </p:stCondLst>
+                      <p:childTnLst>
+                        <p:par>
+                          <p:cTn id="31" fill="hold">
+                            <p:stCondLst>
+                              <p:cond delay="0"/>
+                            </p:stCondLst>
+                            <p:childTnLst>
+                              <p:par>
+                                <p:cTn id="32" presetID="10" presetClass="entr" presetSubtype="0" fill="hold" nodeType="clickEffect">
+                                  <p:stCondLst>
+                                    <p:cond delay="0"/>
+                                  </p:stCondLst>
+                                  <p:childTnLst>
+                                    <p:set>
+                                      <p:cBhvr>
+                                        <p:cTn id="33" dur="1" fill="hold">
+                                          <p:stCondLst>
+                                            <p:cond delay="0"/>
+                                          </p:stCondLst>
+                                        </p:cTn>
+                                        <p:tgtEl>
+                                          <p:spTgt spid="2"/>
+                                        </p:tgtEl>
+                                        <p:attrNameLst>
+                                          <p:attrName>style.visibility</p:attrName>
+                                        </p:attrNameLst>
+                                      </p:cBhvr>
+                                      <p:to>
+                                        <p:strVal val="visible"/>
+                                      </p:to>
+                                    </p:set>
+                                    <p:animEffect transition="in" filter="fade">
+                                      <p:cBhvr>
+                                        <p:cTn id="34" dur="500"/>
+                                        <p:tgtEl>
+                                          <p:spTgt spid="2"/>
+                                        </p:tgtEl>
+                                      </p:cBhvr>
+                                    </p:animEffect>
+                                  </p:childTnLst>
+                                </p:cTn>
+                              </p:par>
+                              <p:par>
+                                <p:cTn id="35" presetID="10" presetClass="entr" presetSubtype="0" fill="hold" grpId="0" nodeType="withEffect">
+                                  <p:stCondLst>
+                                    <p:cond delay="0"/>
+                                  </p:stCondLst>
+                                  <p:childTnLst>
+                                    <p:set>
+                                      <p:cBhvr>
+                                        <p:cTn id="36" dur="1" fill="hold">
+                                          <p:stCondLst>
+                                            <p:cond delay="0"/>
+                                          </p:stCondLst>
+                                        </p:cTn>
+                                        <p:tgtEl>
+                                          <p:spTgt spid="3"/>
+                                        </p:tgtEl>
+                                        <p:attrNameLst>
+                                          <p:attrName>style.visibility</p:attrName>
+                                        </p:attrNameLst>
+                                      </p:cBhvr>
+                                      <p:to>
+                                        <p:strVal val="visible"/>
+                                      </p:to>
+                                    </p:set>
+                                    <p:animEffect transition="in" filter="fade">
+                                      <p:cBhvr>
+                                        <p:cTn id="37" dur="500"/>
+                                        <p:tgtEl>
+                                          <p:spTgt spid="3"/>
+                                        </p:tgtEl>
+                                      </p:cBhvr>
+                                    </p:animEffect>
+                                  </p:childTnLst>
+                                </p:cTn>
+                              </p:par>
+                            </p:childTnLst>
+                          </p:cTn>
+                        </p:par>
+                      </p:childTnLst>
+                    </p:cTn>
+                  </p:par>
+                </p:childTnLst>
+              </p:cTn>
+              <p:prevCondLst>
+                <p:cond evt="onPrev" delay="0">
+                  <p:tgtEl>
+                    <p:sldTgt/>
+                  </p:tgtEl>
+                </p:cond>
+              </p:prevCondLst>
+              <p:nextCondLst>
+                <p:cond evt="onNext" delay="0">
+                  <p:tgtEl>
+                    <p:sldTgt/>
+                  </p:tgtEl>
+                </p:cond>
+              </p:nextCondLst>
+            </p:seq>
+          </p:childTnLst>
+        </p:cTn>
+      </p:par>
+    </p:tnLst>
+    <p:bldLst>
+      <p:bldP spid="7" grpId="0" animBg="1"/>
+      <p:bldP spid="7" grpId="1" animBg="1"/>
+      <p:bldP spid="3" grpId="0"/>
+    </p:bldLst>
+  </p:timing>
 </p:sld>
 </file>
 
@@ -4732,10 +5786,10 @@
       </p:grpSpPr>
       <p:pic>
         <p:nvPicPr>
-          <p:cNvPr id="5" name="Image 4">
+          <p:cNvPr id="14" name="Image 13">
             <a:extLst>
               <a:ext uri="{FF2B5EF4-FFF2-40B4-BE49-F238E27FC236}">
-                <a16:creationId xmlns:a16="http://schemas.microsoft.com/office/drawing/2014/main" id="{7B6B31D8-79A6-484C-8D22-C741B3E9B7C5}"/>
+                <a16:creationId xmlns:a16="http://schemas.microsoft.com/office/drawing/2014/main" id="{26E39B54-1F8F-4AFD-B5BB-6FBD1E23E70C}"/>
               </a:ext>
             </a:extLst>
           </p:cNvPr>
@@ -4746,6 +5800,36 @@
         </p:nvPicPr>
         <p:blipFill>
           <a:blip r:embed="rId3"/>
+          <a:stretch>
+            <a:fillRect/>
+          </a:stretch>
+        </p:blipFill>
+        <p:spPr>
+          <a:xfrm rot="10800000">
+            <a:off x="407980" y="669235"/>
+            <a:ext cx="11376040" cy="5519530"/>
+          </a:xfrm>
+          <a:prstGeom prst="rect">
+            <a:avLst/>
+          </a:prstGeom>
+        </p:spPr>
+      </p:pic>
+      <p:pic>
+        <p:nvPicPr>
+          <p:cNvPr id="5" name="Image 4">
+            <a:extLst>
+              <a:ext uri="{FF2B5EF4-FFF2-40B4-BE49-F238E27FC236}">
+                <a16:creationId xmlns:a16="http://schemas.microsoft.com/office/drawing/2014/main" id="{7B6B31D8-79A6-484C-8D22-C741B3E9B7C5}"/>
+              </a:ext>
+            </a:extLst>
+          </p:cNvPr>
+          <p:cNvPicPr>
+            <a:picLocks noChangeAspect="1"/>
+          </p:cNvPicPr>
+          <p:nvPr/>
+        </p:nvPicPr>
+        <p:blipFill>
+          <a:blip r:embed="rId4"/>
           <a:stretch>
             <a:fillRect/>
           </a:stretch>
@@ -5032,36 +6116,6 @@
           </a:p>
         </p:txBody>
       </p:sp>
-      <p:pic>
-        <p:nvPicPr>
-          <p:cNvPr id="14" name="Image 13">
-            <a:extLst>
-              <a:ext uri="{FF2B5EF4-FFF2-40B4-BE49-F238E27FC236}">
-                <a16:creationId xmlns:a16="http://schemas.microsoft.com/office/drawing/2014/main" id="{26E39B54-1F8F-4AFD-B5BB-6FBD1E23E70C}"/>
-              </a:ext>
-            </a:extLst>
-          </p:cNvPr>
-          <p:cNvPicPr>
-            <a:picLocks noChangeAspect="1"/>
-          </p:cNvPicPr>
-          <p:nvPr/>
-        </p:nvPicPr>
-        <p:blipFill>
-          <a:blip r:embed="rId4"/>
-          <a:stretch>
-            <a:fillRect/>
-          </a:stretch>
-        </p:blipFill>
-        <p:spPr>
-          <a:xfrm rot="10800000">
-            <a:off x="407980" y="669235"/>
-            <a:ext cx="11376040" cy="5519530"/>
-          </a:xfrm>
-          <a:prstGeom prst="rect">
-            <a:avLst/>
-          </a:prstGeom>
-        </p:spPr>
-      </p:pic>
     </p:spTree>
     <p:extLst>
       <p:ext uri="{BB962C8B-B14F-4D97-AF65-F5344CB8AC3E}">
@@ -5224,6 +6278,60 @@
                                   </p:childTnLst>
                                 </p:cTn>
                               </p:par>
+                              <p:par>
+                                <p:cTn id="17" presetID="1" presetClass="entr" presetSubtype="0" fill="hold" grpId="0" nodeType="withEffect">
+                                  <p:stCondLst>
+                                    <p:cond delay="0"/>
+                                  </p:stCondLst>
+                                  <p:childTnLst>
+                                    <p:set>
+                                      <p:cBhvr>
+                                        <p:cTn id="18" dur="1" fill="hold">
+                                          <p:stCondLst>
+                                            <p:cond delay="0"/>
+                                          </p:stCondLst>
+                                        </p:cTn>
+                                        <p:tgtEl>
+                                          <p:spTgt spid="13"/>
+                                        </p:tgtEl>
+                                        <p:attrNameLst>
+                                          <p:attrName>style.visibility</p:attrName>
+                                        </p:attrNameLst>
+                                      </p:cBhvr>
+                                      <p:to>
+                                        <p:strVal val="visible"/>
+                                      </p:to>
+                                    </p:set>
+                                  </p:childTnLst>
+                                </p:cTn>
+                              </p:par>
+                              <p:par>
+                                <p:cTn id="19" presetID="1" presetClass="entr" presetSubtype="0" fill="hold" grpId="0" nodeType="withEffect">
+                                  <p:stCondLst>
+                                    <p:cond delay="0"/>
+                                  </p:stCondLst>
+                                  <p:childTnLst>
+                                    <p:set>
+                                      <p:cBhvr>
+                                        <p:cTn id="20" dur="1" fill="hold">
+                                          <p:stCondLst>
+                                            <p:cond delay="0"/>
+                                          </p:stCondLst>
+                                        </p:cTn>
+                                        <p:tgtEl>
+                                          <p:spTgt spid="12"/>
+                                        </p:tgtEl>
+                                        <p:attrNameLst>
+                                          <p:attrName>style.visibility</p:attrName>
+                                        </p:attrNameLst>
+                                      </p:cBhvr>
+                                      <p:to>
+                                        <p:strVal val="visible"/>
+                                      </p:to>
+                                    </p:set>
+                                  </p:childTnLst>
+                                </p:cTn>
+                              </p:par>
                             </p:childTnLst>
                           </p:cTn>
                         </p:par>
@@ -5231,26 +6339,26 @@
                     </p:cTn>
                   </p:par>
                   <p:par>
-                    <p:cTn id="17" fill="hold">
+                    <p:cTn id="21" fill="hold">
                       <p:stCondLst>
                         <p:cond delay="indefinite"/>
                       </p:stCondLst>
                       <p:childTnLst>
                         <p:par>
-                          <p:cTn id="18" fill="hold">
+                          <p:cTn id="22" fill="hold">
                             <p:stCondLst>
                               <p:cond delay="0"/>
                             </p:stCondLst>
                             <p:childTnLst>
                               <p:par>
-                                <p:cTn id="19" presetID="47" presetClass="entr" presetSubtype="0" fill="hold" grpId="0" nodeType="clickEffect">
+                                <p:cTn id="23" presetID="47" presetClass="entr" presetSubtype="0" fill="hold" grpId="0" nodeType="clickEffect">
                                   <p:stCondLst>
                                     <p:cond delay="0"/>
                                   </p:stCondLst>
                                   <p:childTnLst>
                                     <p:set>
                                       <p:cBhvr>
-                                        <p:cTn id="20" dur="1" fill="hold">
+                                        <p:cTn id="24" dur="1" fill="hold">
                                           <p:stCondLst>
                                             <p:cond delay="0"/>
                                           </p:stCondLst>
@@ -5268,7 +6376,7 @@
                                     </p:set>
                                     <p:animEffect transition="in" filter="fade">
                                       <p:cBhvr>
-                                        <p:cTn id="21" dur="1000"/>
+                                        <p:cTn id="25" dur="1000"/>
                                         <p:tgtEl>
                                           <p:spTgt spid="7"/>
                                         </p:tgtEl>
@@ -5276,7 +6384,7 @@
                                     </p:animEffect>
                                     <p:anim calcmode="lin" valueType="num">
                                       <p:cBhvr>
-                                        <p:cTn id="22" dur="1000" fill="hold"/>
+                                        <p:cTn id="26" dur="1000" fill="hold"/>
                                         <p:tgtEl>
                                           <p:spTgt spid="7"/>
                                         </p:tgtEl>
@@ -5299,7 +6407,7 @@
                                     </p:anim>
                                     <p:anim calcmode="lin" valueType="num">
                                       <p:cBhvr>
-                                        <p:cTn id="23" dur="1000" fill="hold"/>
+                                        <p:cTn id="27" dur="1000" fill="hold"/>
                                         <p:tgtEl>
                                           <p:spTgt spid="7"/>
                                         </p:tgtEl>
@@ -5327,20 +6435,20 @@
                           </p:cTn>
                         </p:par>
                         <p:par>
-                          <p:cTn id="24" fill="hold">
+                          <p:cTn id="28" fill="hold">
                             <p:stCondLst>
                               <p:cond delay="1000"/>
                             </p:stCondLst>
                             <p:childTnLst>
                               <p:par>
-                                <p:cTn id="25" presetID="47" presetClass="entr" presetSubtype="0" fill="hold" grpId="0" nodeType="afterEffect">
+                                <p:cTn id="29" presetID="47" presetClass="entr" presetSubtype="0" fill="hold" grpId="0" nodeType="afterEffect">
                                   <p:stCondLst>
                                     <p:cond delay="0"/>
                                   </p:stCondLst>
                                   <p:childTnLst>
                                     <p:set>
                                       <p:cBhvr>
-                                        <p:cTn id="26" dur="1" fill="hold">
+                                        <p:cTn id="30" dur="1" fill="hold">
                                           <p:stCondLst>
                                             <p:cond delay="0"/>
                                           </p:stCondLst>
@@ -5358,7 +6466,7 @@
                                     </p:set>
                                     <p:animEffect transition="in" filter="fade">
                                       <p:cBhvr>
-                                        <p:cTn id="27" dur="1000"/>
+                                        <p:cTn id="31" dur="1000"/>
                                         <p:tgtEl>
                                           <p:spTgt spid="11"/>
                                         </p:tgtEl>
@@ -5366,7 +6474,7 @@
                                     </p:animEffect>
                                     <p:anim calcmode="lin" valueType="num">
                                       <p:cBhvr>
-                                        <p:cTn id="28" dur="1000" fill="hold"/>
+                                        <p:cTn id="32" dur="1000" fill="hold"/>
                                         <p:tgtEl>
                                           <p:spTgt spid="11"/>
                                         </p:tgtEl>
@@ -5389,7 +6497,7 @@
                                     </p:anim>
                                     <p:anim calcmode="lin" valueType="num">
                                       <p:cBhvr>
-                                        <p:cTn id="29" dur="1000" fill="hold"/>
+                                        <p:cTn id="33" dur="1000" fill="hold"/>
                                         <p:tgtEl>
                                           <p:spTgt spid="11"/>
                                         </p:tgtEl>
@@ -5417,20 +6525,20 @@
                           </p:cTn>
                         </p:par>
                         <p:par>
-                          <p:cTn id="30" fill="hold">
+                          <p:cTn id="34" fill="hold">
                             <p:stCondLst>
                               <p:cond delay="2000"/>
                             </p:stCondLst>
                             <p:childTnLst>
                               <p:par>
-                                <p:cTn id="31" presetID="47" presetClass="entr" presetSubtype="0" fill="hold" grpId="0" nodeType="afterEffect">
+                                <p:cTn id="35" presetID="47" presetClass="entr" presetSubtype="0" fill="hold" grpId="0" nodeType="afterEffect">
                                   <p:stCondLst>
                                     <p:cond delay="0"/>
                                   </p:stCondLst>
                                   <p:childTnLst>
                                     <p:set>
                                       <p:cBhvr>
-                                        <p:cTn id="32" dur="1" fill="hold">
+                                        <p:cTn id="36" dur="1" fill="hold">
                                           <p:stCondLst>
                                             <p:cond delay="0"/>
                                           </p:stCondLst>
@@ -5448,7 +6556,7 @@
                                     </p:set>
                                     <p:animEffect transition="in" filter="fade">
                                       <p:cBhvr>
-                                        <p:cTn id="33" dur="1000"/>
+                                        <p:cTn id="37" dur="1000"/>
                                         <p:tgtEl>
                                           <p:spTgt spid="9"/>
                                         </p:tgtEl>
@@ -5456,7 +6564,7 @@
                                     </p:animEffect>
                                     <p:anim calcmode="lin" valueType="num">
                                       <p:cBhvr>
-                                        <p:cTn id="34" dur="1000" fill="hold"/>
+                                        <p:cTn id="38" dur="1000" fill="hold"/>
                                         <p:tgtEl>
                                           <p:spTgt spid="9"/>
                                         </p:tgtEl>
@@ -5479,7 +6587,7 @@
                                     </p:anim>
                                     <p:anim calcmode="lin" valueType="num">
                                       <p:cBhvr>
-                                        <p:cTn id="35" dur="1000" fill="hold"/>
+                                        <p:cTn id="39" dur="1000" fill="hold"/>
                                         <p:tgtEl>
                                           <p:spTgt spid="9"/>
                                         </p:tgtEl>
@@ -5507,20 +6615,20 @@
                           </p:cTn>
                         </p:par>
                         <p:par>
-                          <p:cTn id="36" fill="hold">
+                          <p:cTn id="40" fill="hold">
                             <p:stCondLst>
                               <p:cond delay="3000"/>
                             </p:stCondLst>
                             <p:childTnLst>
                               <p:par>
-                                <p:cTn id="37" presetID="47" presetClass="entr" presetSubtype="0" fill="hold" grpId="0" nodeType="afterEffect">
+                                <p:cTn id="41" presetID="47" presetClass="entr" presetSubtype="0" fill="hold" grpId="0" nodeType="afterEffect">
                                   <p:stCondLst>
                                     <p:cond delay="0"/>
                                   </p:stCondLst>
                                   <p:childTnLst>
                                     <p:set>
                                       <p:cBhvr>
-                                        <p:cTn id="38" dur="1" fill="hold">
+                                        <p:cTn id="42" dur="1" fill="hold">
                                           <p:stCondLst>
                                             <p:cond delay="0"/>
                                           </p:stCondLst>
@@ -5538,7 +6646,7 @@
                                     </p:set>
                                     <p:animEffect transition="in" filter="fade">
                                       <p:cBhvr>
-                                        <p:cTn id="39" dur="1000"/>
+                                        <p:cTn id="43" dur="1000"/>
                                         <p:tgtEl>
                                           <p:spTgt spid="10"/>
                                         </p:tgtEl>
@@ -5546,7 +6654,7 @@
                                     </p:animEffect>
                                     <p:anim calcmode="lin" valueType="num">
                                       <p:cBhvr>
-                                        <p:cTn id="40" dur="1000" fill="hold"/>
+                                        <p:cTn id="44" dur="1000" fill="hold"/>
                                         <p:tgtEl>
                                           <p:spTgt spid="10"/>
                                         </p:tgtEl>
@@ -5569,7 +6677,7 @@
                                     </p:anim>
                                     <p:anim calcmode="lin" valueType="num">
                                       <p:cBhvr>
-                                        <p:cTn id="41" dur="1000" fill="hold"/>
+                                        <p:cTn id="45" dur="1000" fill="hold"/>
                                         <p:tgtEl>
                                           <p:spTgt spid="10"/>
                                         </p:tgtEl>
@@ -5625,6 +6733,8 @@
       <p:bldP spid="9" grpId="0" animBg="1"/>
       <p:bldP spid="10" grpId="0" animBg="1"/>
       <p:bldP spid="11" grpId="0" animBg="1"/>
+      <p:bldP spid="12" grpId="0" animBg="1"/>
+      <p:bldP spid="13" grpId="0" animBg="1"/>
     </p:bldLst>
   </p:timing>
 </p:sld>
@@ -12232,106 +13342,6 @@
           <a:chExt cx="0" cy="0"/>
         </a:xfrm>
       </p:grpSpPr>
-      <p:sp>
-        <p:nvSpPr>
-          <p:cNvPr id="2" name="Ellipse 1">
-            <a:extLst>
-              <a:ext uri="{FF2B5EF4-FFF2-40B4-BE49-F238E27FC236}">
-                <a16:creationId xmlns:a16="http://schemas.microsoft.com/office/drawing/2014/main" id="{1E799CF6-6E2F-4441-AA26-E4ECF76002E0}"/>
-              </a:ext>
-            </a:extLst>
-          </p:cNvPr>
-          <p:cNvSpPr/>
-          <p:nvPr/>
-        </p:nvSpPr>
-        <p:spPr>
-          <a:xfrm>
-            <a:off x="947116" y="0"/>
-            <a:ext cx="2305879" cy="755374"/>
-          </a:xfrm>
-          <a:prstGeom prst="ellipse">
-            <a:avLst/>
-          </a:prstGeom>
-          <a:noFill/>
-          <a:ln w="38100">
-            <a:solidFill>
-              <a:srgbClr val="FFC000"/>
-            </a:solidFill>
-          </a:ln>
-        </p:spPr>
-        <p:style>
-          <a:lnRef idx="2">
-            <a:schemeClr val="accent6"/>
-          </a:lnRef>
-          <a:fillRef idx="1">
-            <a:schemeClr val="lt1"/>
-          </a:fillRef>
-          <a:effectRef idx="0">
-            <a:schemeClr val="accent6"/>
-          </a:effectRef>
-          <a:fontRef idx="minor">
-            <a:schemeClr val="dk1"/>
-          </a:fontRef>
-        </p:style>
-        <p:txBody>
-          <a:bodyPr rtlCol="0" anchor="ctr"/>
-          <a:lstStyle/>
-          <a:p>
-            <a:pPr algn="ctr"/>
-            <a:endParaRPr lang="fr-FR"/>
-          </a:p>
-        </p:txBody>
-      </p:sp>
-      <p:sp>
-        <p:nvSpPr>
-          <p:cNvPr id="4" name="Flèche : droite 3">
-            <a:extLst>
-              <a:ext uri="{FF2B5EF4-FFF2-40B4-BE49-F238E27FC236}">
-                <a16:creationId xmlns:a16="http://schemas.microsoft.com/office/drawing/2014/main" id="{2966375F-A89A-4022-8D0D-4C5B5AE5417D}"/>
-              </a:ext>
-            </a:extLst>
-          </p:cNvPr>
-          <p:cNvSpPr/>
-          <p:nvPr/>
-        </p:nvSpPr>
-        <p:spPr>
-          <a:xfrm>
-            <a:off x="410817" y="216236"/>
-            <a:ext cx="2305878" cy="367748"/>
-          </a:xfrm>
-          <a:prstGeom prst="rightArrow">
-            <a:avLst/>
-          </a:prstGeom>
-          <a:noFill/>
-          <a:ln w="38100">
-            <a:solidFill>
-              <a:srgbClr val="C00000"/>
-            </a:solidFill>
-          </a:ln>
-        </p:spPr>
-        <p:style>
-          <a:lnRef idx="2">
-            <a:schemeClr val="accent6"/>
-          </a:lnRef>
-          <a:fillRef idx="1">
-            <a:schemeClr val="lt1"/>
-          </a:fillRef>
-          <a:effectRef idx="0">
-            <a:schemeClr val="accent6"/>
-          </a:effectRef>
-          <a:fontRef idx="minor">
-            <a:schemeClr val="dk1"/>
-          </a:fontRef>
-        </p:style>
-        <p:txBody>
-          <a:bodyPr rtlCol="0" anchor="ctr"/>
-          <a:lstStyle/>
-          <a:p>
-            <a:pPr algn="ctr"/>
-            <a:endParaRPr lang="fr-FR"/>
-          </a:p>
-        </p:txBody>
-      </p:sp>
       <p:sp>
         <p:nvSpPr>
           <p:cNvPr id="6" name="ZoneTexte 5">

--- a/Mini-projet G4 Camoesas-Jousseaume-Lebourhis.pptx
+++ b/Mini-projet G4 Camoesas-Jousseaume-Lebourhis.pptx
@@ -4717,6 +4717,183 @@
           </a:p>
         </p:txBody>
       </p:sp>
+      <p:pic>
+        <p:nvPicPr>
+          <p:cNvPr id="2050" name="Picture 2" descr="Développeur Base de Données - Poste CDI Billancourt">
+            <a:extLst>
+              <a:ext uri="{FF2B5EF4-FFF2-40B4-BE49-F238E27FC236}">
+                <a16:creationId xmlns:a16="http://schemas.microsoft.com/office/drawing/2014/main" id="{0273895E-D3E0-42F9-B88C-611F3AD5CDF8}"/>
+              </a:ext>
+            </a:extLst>
+          </p:cNvPr>
+          <p:cNvPicPr>
+            <a:picLocks noChangeAspect="1" noChangeArrowheads="1"/>
+          </p:cNvPicPr>
+          <p:nvPr/>
+        </p:nvPicPr>
+        <p:blipFill>
+          <a:blip r:embed="rId3">
+            <a:extLst>
+              <a:ext uri="{28A0092B-C50C-407E-A947-70E740481C1C}">
+                <a14:useLocalDpi xmlns:a14="http://schemas.microsoft.com/office/drawing/2010/main" val="0"/>
+              </a:ext>
+            </a:extLst>
+          </a:blip>
+          <a:srcRect/>
+          <a:stretch>
+            <a:fillRect/>
+          </a:stretch>
+        </p:blipFill>
+        <p:spPr bwMode="auto">
+          <a:xfrm>
+            <a:off x="7786686" y="1913334"/>
+            <a:ext cx="3800475" cy="3325416"/>
+          </a:xfrm>
+          <a:prstGeom prst="rect">
+            <a:avLst/>
+          </a:prstGeom>
+          <a:noFill/>
+          <a:extLst>
+            <a:ext uri="{909E8E84-426E-40DD-AFC4-6F175D3DCCD1}">
+              <a14:hiddenFill xmlns:a14="http://schemas.microsoft.com/office/drawing/2010/main">
+                <a:solidFill>
+                  <a:srgbClr val="FFFFFF"/>
+                </a:solidFill>
+              </a14:hiddenFill>
+            </a:ext>
+          </a:extLst>
+        </p:spPr>
+      </p:pic>
+      <p:pic>
+        <p:nvPicPr>
+          <p:cNvPr id="5" name="Image 4">
+            <a:extLst>
+              <a:ext uri="{FF2B5EF4-FFF2-40B4-BE49-F238E27FC236}">
+                <a16:creationId xmlns:a16="http://schemas.microsoft.com/office/drawing/2014/main" id="{AE164C94-8609-43AB-B9BA-F0B05BF114E4}"/>
+              </a:ext>
+            </a:extLst>
+          </p:cNvPr>
+          <p:cNvPicPr>
+            <a:picLocks noChangeAspect="1"/>
+          </p:cNvPicPr>
+          <p:nvPr/>
+        </p:nvPicPr>
+        <p:blipFill>
+          <a:blip r:embed="rId4"/>
+          <a:stretch>
+            <a:fillRect/>
+          </a:stretch>
+        </p:blipFill>
+        <p:spPr>
+          <a:xfrm>
+            <a:off x="604839" y="1589434"/>
+            <a:ext cx="4662951" cy="3679132"/>
+          </a:xfrm>
+          <a:prstGeom prst="rect">
+            <a:avLst/>
+          </a:prstGeom>
+          <a:effectLst>
+            <a:softEdge rad="88900"/>
+          </a:effectLst>
+        </p:spPr>
+      </p:pic>
+      <p:sp>
+        <p:nvSpPr>
+          <p:cNvPr id="6" name="Flèche : droite 5">
+            <a:extLst>
+              <a:ext uri="{FF2B5EF4-FFF2-40B4-BE49-F238E27FC236}">
+                <a16:creationId xmlns:a16="http://schemas.microsoft.com/office/drawing/2014/main" id="{28C8DE6A-353C-4ACC-9D07-6A55DA9ED418}"/>
+              </a:ext>
+            </a:extLst>
+          </p:cNvPr>
+          <p:cNvSpPr/>
+          <p:nvPr/>
+        </p:nvSpPr>
+        <p:spPr>
+          <a:xfrm>
+            <a:off x="5374299" y="3245126"/>
+            <a:ext cx="2305878" cy="367748"/>
+          </a:xfrm>
+          <a:prstGeom prst="rightArrow">
+            <a:avLst/>
+          </a:prstGeom>
+          <a:noFill/>
+          <a:ln w="38100">
+            <a:solidFill>
+              <a:srgbClr val="C00000"/>
+            </a:solidFill>
+          </a:ln>
+        </p:spPr>
+        <p:style>
+          <a:lnRef idx="2">
+            <a:schemeClr val="accent6"/>
+          </a:lnRef>
+          <a:fillRef idx="1">
+            <a:schemeClr val="lt1"/>
+          </a:fillRef>
+          <a:effectRef idx="0">
+            <a:schemeClr val="accent6"/>
+          </a:effectRef>
+          <a:fontRef idx="minor">
+            <a:schemeClr val="dk1"/>
+          </a:fontRef>
+        </p:style>
+        <p:txBody>
+          <a:bodyPr rtlCol="0" anchor="ctr"/>
+          <a:lstStyle/>
+          <a:p>
+            <a:pPr algn="ctr"/>
+            <a:endParaRPr lang="fr-FR" dirty="0"/>
+          </a:p>
+        </p:txBody>
+      </p:sp>
+      <p:pic>
+        <p:nvPicPr>
+          <p:cNvPr id="2052" name="Picture 4">
+            <a:extLst>
+              <a:ext uri="{FF2B5EF4-FFF2-40B4-BE49-F238E27FC236}">
+                <a16:creationId xmlns:a16="http://schemas.microsoft.com/office/drawing/2014/main" id="{C60EA263-8905-4496-9641-F61D9D97BF0A}"/>
+              </a:ext>
+            </a:extLst>
+          </p:cNvPr>
+          <p:cNvPicPr>
+            <a:picLocks noChangeAspect="1" noChangeArrowheads="1"/>
+          </p:cNvPicPr>
+          <p:nvPr/>
+        </p:nvPicPr>
+        <p:blipFill>
+          <a:blip r:embed="rId5">
+            <a:extLst>
+              <a:ext uri="{28A0092B-C50C-407E-A947-70E740481C1C}">
+                <a14:useLocalDpi xmlns:a14="http://schemas.microsoft.com/office/drawing/2010/main" val="0"/>
+              </a:ext>
+            </a:extLst>
+          </a:blip>
+          <a:srcRect/>
+          <a:stretch>
+            <a:fillRect/>
+          </a:stretch>
+        </p:blipFill>
+        <p:spPr bwMode="auto">
+          <a:xfrm>
+            <a:off x="3803374" y="2145263"/>
+            <a:ext cx="4119562" cy="2567474"/>
+          </a:xfrm>
+          <a:prstGeom prst="rect">
+            <a:avLst/>
+          </a:prstGeom>
+          <a:noFill/>
+          <a:extLst>
+            <a:ext uri="{909E8E84-426E-40DD-AFC4-6F175D3DCCD1}">
+              <a14:hiddenFill xmlns:a14="http://schemas.microsoft.com/office/drawing/2010/main">
+                <a:solidFill>
+                  <a:srgbClr val="FFFFFF"/>
+                </a:solidFill>
+              </a14:hiddenFill>
+            </a:ext>
+          </a:extLst>
+        </p:spPr>
+      </p:pic>
     </p:spTree>
     <p:extLst>
       <p:ext uri="{BB962C8B-B14F-4D97-AF65-F5344CB8AC3E}">
@@ -4727,6 +4904,480 @@
   <p:clrMapOvr>
     <a:masterClrMapping/>
   </p:clrMapOvr>
+  <p:timing>
+    <p:tnLst>
+      <p:par>
+        <p:cTn id="1" dur="indefinite" restart="never" nodeType="tmRoot">
+          <p:childTnLst>
+            <p:seq concurrent="1" nextAc="seek">
+              <p:cTn id="2" dur="indefinite" nodeType="mainSeq">
+                <p:childTnLst>
+                  <p:par>
+                    <p:cTn id="3" fill="hold">
+                      <p:stCondLst>
+                        <p:cond delay="indefinite"/>
+                      </p:stCondLst>
+                      <p:childTnLst>
+                        <p:par>
+                          <p:cTn id="4" fill="hold">
+                            <p:stCondLst>
+                              <p:cond delay="0"/>
+                            </p:stCondLst>
+                            <p:childTnLst>
+                              <p:par>
+                                <p:cTn id="5" presetID="10" presetClass="entr" presetSubtype="0" fill="hold" nodeType="clickEffect">
+                                  <p:stCondLst>
+                                    <p:cond delay="0"/>
+                                  </p:stCondLst>
+                                  <p:childTnLst>
+                                    <p:set>
+                                      <p:cBhvr>
+                                        <p:cTn id="6" dur="1" fill="hold">
+                                          <p:stCondLst>
+                                            <p:cond delay="0"/>
+                                          </p:stCondLst>
+                                        </p:cTn>
+                                        <p:tgtEl>
+                                          <p:spTgt spid="5"/>
+                                        </p:tgtEl>
+                                        <p:attrNameLst>
+                                          <p:attrName>style.visibility</p:attrName>
+                                        </p:attrNameLst>
+                                      </p:cBhvr>
+                                      <p:to>
+                                        <p:strVal val="visible"/>
+                                      </p:to>
+                                    </p:set>
+                                    <p:animEffect transition="in" filter="fade">
+                                      <p:cBhvr>
+                                        <p:cTn id="7" dur="500"/>
+                                        <p:tgtEl>
+                                          <p:spTgt spid="5"/>
+                                        </p:tgtEl>
+                                      </p:cBhvr>
+                                    </p:animEffect>
+                                  </p:childTnLst>
+                                </p:cTn>
+                              </p:par>
+                            </p:childTnLst>
+                          </p:cTn>
+                        </p:par>
+                      </p:childTnLst>
+                    </p:cTn>
+                  </p:par>
+                  <p:par>
+                    <p:cTn id="8" fill="hold">
+                      <p:stCondLst>
+                        <p:cond delay="indefinite"/>
+                      </p:stCondLst>
+                      <p:childTnLst>
+                        <p:par>
+                          <p:cTn id="9" fill="hold">
+                            <p:stCondLst>
+                              <p:cond delay="0"/>
+                            </p:stCondLst>
+                            <p:childTnLst>
+                              <p:par>
+                                <p:cTn id="10" presetID="22" presetClass="entr" presetSubtype="8" fill="hold" grpId="0" nodeType="clickEffect">
+                                  <p:stCondLst>
+                                    <p:cond delay="0"/>
+                                  </p:stCondLst>
+                                  <p:childTnLst>
+                                    <p:set>
+                                      <p:cBhvr>
+                                        <p:cTn id="11" dur="1" fill="hold">
+                                          <p:stCondLst>
+                                            <p:cond delay="0"/>
+                                          </p:stCondLst>
+                                        </p:cTn>
+                                        <p:tgtEl>
+                                          <p:spTgt spid="6"/>
+                                        </p:tgtEl>
+                                        <p:attrNameLst>
+                                          <p:attrName>style.visibility</p:attrName>
+                                        </p:attrNameLst>
+                                      </p:cBhvr>
+                                      <p:to>
+                                        <p:strVal val="visible"/>
+                                      </p:to>
+                                    </p:set>
+                                    <p:animEffect transition="in" filter="wipe(left)">
+                                      <p:cBhvr>
+                                        <p:cTn id="12" dur="500"/>
+                                        <p:tgtEl>
+                                          <p:spTgt spid="6"/>
+                                        </p:tgtEl>
+                                      </p:cBhvr>
+                                    </p:animEffect>
+                                  </p:childTnLst>
+                                </p:cTn>
+                              </p:par>
+                            </p:childTnLst>
+                          </p:cTn>
+                        </p:par>
+                        <p:par>
+                          <p:cTn id="13" fill="hold">
+                            <p:stCondLst>
+                              <p:cond delay="500"/>
+                            </p:stCondLst>
+                            <p:childTnLst>
+                              <p:par>
+                                <p:cTn id="14" presetID="10" presetClass="entr" presetSubtype="0" fill="hold" nodeType="afterEffect">
+                                  <p:stCondLst>
+                                    <p:cond delay="0"/>
+                                  </p:stCondLst>
+                                  <p:childTnLst>
+                                    <p:set>
+                                      <p:cBhvr>
+                                        <p:cTn id="15" dur="1" fill="hold">
+                                          <p:stCondLst>
+                                            <p:cond delay="0"/>
+                                          </p:stCondLst>
+                                        </p:cTn>
+                                        <p:tgtEl>
+                                          <p:spTgt spid="2050"/>
+                                        </p:tgtEl>
+                                        <p:attrNameLst>
+                                          <p:attrName>style.visibility</p:attrName>
+                                        </p:attrNameLst>
+                                      </p:cBhvr>
+                                      <p:to>
+                                        <p:strVal val="visible"/>
+                                      </p:to>
+                                    </p:set>
+                                    <p:animEffect transition="in" filter="fade">
+                                      <p:cBhvr>
+                                        <p:cTn id="16" dur="500"/>
+                                        <p:tgtEl>
+                                          <p:spTgt spid="2050"/>
+                                        </p:tgtEl>
+                                      </p:cBhvr>
+                                    </p:animEffect>
+                                  </p:childTnLst>
+                                </p:cTn>
+                              </p:par>
+                            </p:childTnLst>
+                          </p:cTn>
+                        </p:par>
+                      </p:childTnLst>
+                    </p:cTn>
+                  </p:par>
+                  <p:par>
+                    <p:cTn id="17" fill="hold">
+                      <p:stCondLst>
+                        <p:cond delay="indefinite"/>
+                      </p:stCondLst>
+                      <p:childTnLst>
+                        <p:par>
+                          <p:cTn id="18" fill="hold">
+                            <p:stCondLst>
+                              <p:cond delay="0"/>
+                            </p:stCondLst>
+                            <p:childTnLst>
+                              <p:par>
+                                <p:cTn id="19" presetID="2" presetClass="exit" presetSubtype="4" fill="hold" nodeType="clickEffect">
+                                  <p:stCondLst>
+                                    <p:cond delay="0"/>
+                                  </p:stCondLst>
+                                  <p:childTnLst>
+                                    <p:anim calcmode="lin" valueType="num">
+                                      <p:cBhvr additive="base">
+                                        <p:cTn id="20" dur="500"/>
+                                        <p:tgtEl>
+                                          <p:spTgt spid="5"/>
+                                        </p:tgtEl>
+                                        <p:attrNameLst>
+                                          <p:attrName>ppt_x</p:attrName>
+                                        </p:attrNameLst>
+                                      </p:cBhvr>
+                                      <p:tavLst>
+                                        <p:tav tm="0">
+                                          <p:val>
+                                            <p:strVal val="ppt_x"/>
+                                          </p:val>
+                                        </p:tav>
+                                        <p:tav tm="100000">
+                                          <p:val>
+                                            <p:strVal val="ppt_x"/>
+                                          </p:val>
+                                        </p:tav>
+                                      </p:tavLst>
+                                    </p:anim>
+                                    <p:anim calcmode="lin" valueType="num">
+                                      <p:cBhvr additive="base">
+                                        <p:cTn id="21" dur="500"/>
+                                        <p:tgtEl>
+                                          <p:spTgt spid="5"/>
+                                        </p:tgtEl>
+                                        <p:attrNameLst>
+                                          <p:attrName>ppt_y</p:attrName>
+                                        </p:attrNameLst>
+                                      </p:cBhvr>
+                                      <p:tavLst>
+                                        <p:tav tm="0">
+                                          <p:val>
+                                            <p:strVal val="ppt_y"/>
+                                          </p:val>
+                                        </p:tav>
+                                        <p:tav tm="100000">
+                                          <p:val>
+                                            <p:strVal val="1+ppt_h/2"/>
+                                          </p:val>
+                                        </p:tav>
+                                      </p:tavLst>
+                                    </p:anim>
+                                    <p:set>
+                                      <p:cBhvr>
+                                        <p:cTn id="22" dur="1" fill="hold">
+                                          <p:stCondLst>
+                                            <p:cond delay="499"/>
+                                          </p:stCondLst>
+                                        </p:cTn>
+                                        <p:tgtEl>
+                                          <p:spTgt spid="5"/>
+                                        </p:tgtEl>
+                                        <p:attrNameLst>
+                                          <p:attrName>style.visibility</p:attrName>
+                                        </p:attrNameLst>
+                                      </p:cBhvr>
+                                      <p:to>
+                                        <p:strVal val="hidden"/>
+                                      </p:to>
+                                    </p:set>
+                                  </p:childTnLst>
+                                </p:cTn>
+                              </p:par>
+                              <p:par>
+                                <p:cTn id="23" presetID="2" presetClass="exit" presetSubtype="4" fill="hold" grpId="1" nodeType="withEffect">
+                                  <p:stCondLst>
+                                    <p:cond delay="0"/>
+                                  </p:stCondLst>
+                                  <p:childTnLst>
+                                    <p:anim calcmode="lin" valueType="num">
+                                      <p:cBhvr additive="base">
+                                        <p:cTn id="24" dur="500"/>
+                                        <p:tgtEl>
+                                          <p:spTgt spid="6"/>
+                                        </p:tgtEl>
+                                        <p:attrNameLst>
+                                          <p:attrName>ppt_x</p:attrName>
+                                        </p:attrNameLst>
+                                      </p:cBhvr>
+                                      <p:tavLst>
+                                        <p:tav tm="0">
+                                          <p:val>
+                                            <p:strVal val="ppt_x"/>
+                                          </p:val>
+                                        </p:tav>
+                                        <p:tav tm="100000">
+                                          <p:val>
+                                            <p:strVal val="ppt_x"/>
+                                          </p:val>
+                                        </p:tav>
+                                      </p:tavLst>
+                                    </p:anim>
+                                    <p:anim calcmode="lin" valueType="num">
+                                      <p:cBhvr additive="base">
+                                        <p:cTn id="25" dur="500"/>
+                                        <p:tgtEl>
+                                          <p:spTgt spid="6"/>
+                                        </p:tgtEl>
+                                        <p:attrNameLst>
+                                          <p:attrName>ppt_y</p:attrName>
+                                        </p:attrNameLst>
+                                      </p:cBhvr>
+                                      <p:tavLst>
+                                        <p:tav tm="0">
+                                          <p:val>
+                                            <p:strVal val="ppt_y"/>
+                                          </p:val>
+                                        </p:tav>
+                                        <p:tav tm="100000">
+                                          <p:val>
+                                            <p:strVal val="1+ppt_h/2"/>
+                                          </p:val>
+                                        </p:tav>
+                                      </p:tavLst>
+                                    </p:anim>
+                                    <p:set>
+                                      <p:cBhvr>
+                                        <p:cTn id="26" dur="1" fill="hold">
+                                          <p:stCondLst>
+                                            <p:cond delay="499"/>
+                                          </p:stCondLst>
+                                        </p:cTn>
+                                        <p:tgtEl>
+                                          <p:spTgt spid="6"/>
+                                        </p:tgtEl>
+                                        <p:attrNameLst>
+                                          <p:attrName>style.visibility</p:attrName>
+                                        </p:attrNameLst>
+                                      </p:cBhvr>
+                                      <p:to>
+                                        <p:strVal val="hidden"/>
+                                      </p:to>
+                                    </p:set>
+                                  </p:childTnLst>
+                                </p:cTn>
+                              </p:par>
+                              <p:par>
+                                <p:cTn id="27" presetID="2" presetClass="exit" presetSubtype="4" fill="hold" nodeType="withEffect">
+                                  <p:stCondLst>
+                                    <p:cond delay="0"/>
+                                  </p:stCondLst>
+                                  <p:childTnLst>
+                                    <p:anim calcmode="lin" valueType="num">
+                                      <p:cBhvr additive="base">
+                                        <p:cTn id="28" dur="500"/>
+                                        <p:tgtEl>
+                                          <p:spTgt spid="2050"/>
+                                        </p:tgtEl>
+                                        <p:attrNameLst>
+                                          <p:attrName>ppt_x</p:attrName>
+                                        </p:attrNameLst>
+                                      </p:cBhvr>
+                                      <p:tavLst>
+                                        <p:tav tm="0">
+                                          <p:val>
+                                            <p:strVal val="ppt_x"/>
+                                          </p:val>
+                                        </p:tav>
+                                        <p:tav tm="100000">
+                                          <p:val>
+                                            <p:strVal val="ppt_x"/>
+                                          </p:val>
+                                        </p:tav>
+                                      </p:tavLst>
+                                    </p:anim>
+                                    <p:anim calcmode="lin" valueType="num">
+                                      <p:cBhvr additive="base">
+                                        <p:cTn id="29" dur="500"/>
+                                        <p:tgtEl>
+                                          <p:spTgt spid="2050"/>
+                                        </p:tgtEl>
+                                        <p:attrNameLst>
+                                          <p:attrName>ppt_y</p:attrName>
+                                        </p:attrNameLst>
+                                      </p:cBhvr>
+                                      <p:tavLst>
+                                        <p:tav tm="0">
+                                          <p:val>
+                                            <p:strVal val="ppt_y"/>
+                                          </p:val>
+                                        </p:tav>
+                                        <p:tav tm="100000">
+                                          <p:val>
+                                            <p:strVal val="1+ppt_h/2"/>
+                                          </p:val>
+                                        </p:tav>
+                                      </p:tavLst>
+                                    </p:anim>
+                                    <p:set>
+                                      <p:cBhvr>
+                                        <p:cTn id="30" dur="1" fill="hold">
+                                          <p:stCondLst>
+                                            <p:cond delay="499"/>
+                                          </p:stCondLst>
+                                        </p:cTn>
+                                        <p:tgtEl>
+                                          <p:spTgt spid="2050"/>
+                                        </p:tgtEl>
+                                        <p:attrNameLst>
+                                          <p:attrName>style.visibility</p:attrName>
+                                        </p:attrNameLst>
+                                      </p:cBhvr>
+                                      <p:to>
+                                        <p:strVal val="hidden"/>
+                                      </p:to>
+                                    </p:set>
+                                  </p:childTnLst>
+                                </p:cTn>
+                              </p:par>
+                            </p:childTnLst>
+                          </p:cTn>
+                        </p:par>
+                      </p:childTnLst>
+                    </p:cTn>
+                  </p:par>
+                  <p:par>
+                    <p:cTn id="31" fill="hold">
+                      <p:stCondLst>
+                        <p:cond delay="indefinite"/>
+                      </p:stCondLst>
+                      <p:childTnLst>
+                        <p:par>
+                          <p:cTn id="32" fill="hold">
+                            <p:stCondLst>
+                              <p:cond delay="0"/>
+                            </p:stCondLst>
+                            <p:childTnLst>
+                              <p:par>
+                                <p:cTn id="33" presetID="10" presetClass="entr" presetSubtype="0" fill="hold" nodeType="clickEffect">
+                                  <p:stCondLst>
+                                    <p:cond delay="0"/>
+                                  </p:stCondLst>
+                                  <p:childTnLst>
+                                    <p:set>
+                                      <p:cBhvr>
+                                        <p:cTn id="34" dur="1" fill="hold">
+                                          <p:stCondLst>
+                                            <p:cond delay="0"/>
+                                          </p:stCondLst>
+                                        </p:cTn>
+                                        <p:tgtEl>
+                                          <p:spTgt spid="2052"/>
+                                        </p:tgtEl>
+                                        <p:attrNameLst>
+                                          <p:attrName>style.visibility</p:attrName>
+                                        </p:attrNameLst>
+                                      </p:cBhvr>
+                                      <p:to>
+                                        <p:strVal val="visible"/>
+                                      </p:to>
+                                    </p:set>
+                                    <p:animEffect transition="in" filter="fade">
+                                      <p:cBhvr>
+                                        <p:cTn id="35" dur="500"/>
+                                        <p:tgtEl>
+                                          <p:spTgt spid="2052"/>
+                                        </p:tgtEl>
+                                      </p:cBhvr>
+                                    </p:animEffect>
+                                  </p:childTnLst>
+                                </p:cTn>
+                              </p:par>
+                            </p:childTnLst>
+                          </p:cTn>
+                        </p:par>
+                      </p:childTnLst>
+                    </p:cTn>
+                  </p:par>
+                </p:childTnLst>
+              </p:cTn>
+              <p:prevCondLst>
+                <p:cond evt="onPrev" delay="0">
+                  <p:tgtEl>
+                    <p:sldTgt/>
+                  </p:tgtEl>
+                </p:cond>
+              </p:prevCondLst>
+              <p:nextCondLst>
+                <p:cond evt="onNext" delay="0">
+                  <p:tgtEl>
+                    <p:sldTgt/>
+                  </p:tgtEl>
+                </p:cond>
+              </p:nextCondLst>
+            </p:seq>
+          </p:childTnLst>
+        </p:cTn>
+      </p:par>
+    </p:tnLst>
+    <p:bldLst>
+      <p:bldP spid="6" grpId="0" animBg="1"/>
+      <p:bldP spid="6" grpId="1" animBg="1"/>
+    </p:bldLst>
+  </p:timing>
 </p:sld>
 </file>
 
@@ -4797,6 +5448,282 @@
               <a:rPr lang="fr-FR" sz="2000" dirty="0"/>
               <a:t>Conclusion</a:t>
             </a:r>
+          </a:p>
+        </p:txBody>
+      </p:sp>
+      <p:pic>
+        <p:nvPicPr>
+          <p:cNvPr id="3" name="Picture 4" descr="Icône C++ - Téléchargement gratuit en PNG et vecteurs">
+            <a:extLst>
+              <a:ext uri="{FF2B5EF4-FFF2-40B4-BE49-F238E27FC236}">
+                <a16:creationId xmlns:a16="http://schemas.microsoft.com/office/drawing/2014/main" id="{070048F6-99D4-4A56-8643-DA50E8DFFF23}"/>
+              </a:ext>
+            </a:extLst>
+          </p:cNvPr>
+          <p:cNvPicPr>
+            <a:picLocks noChangeAspect="1" noChangeArrowheads="1"/>
+          </p:cNvPicPr>
+          <p:nvPr/>
+        </p:nvPicPr>
+        <p:blipFill>
+          <a:blip r:embed="rId3">
+            <a:extLst>
+              <a:ext uri="{28A0092B-C50C-407E-A947-70E740481C1C}">
+                <a14:useLocalDpi xmlns:a14="http://schemas.microsoft.com/office/drawing/2010/main" val="0"/>
+              </a:ext>
+            </a:extLst>
+          </a:blip>
+          <a:srcRect/>
+          <a:stretch>
+            <a:fillRect/>
+          </a:stretch>
+        </p:blipFill>
+        <p:spPr bwMode="auto">
+          <a:xfrm>
+            <a:off x="7841353" y="400110"/>
+            <a:ext cx="2748583" cy="2748583"/>
+          </a:xfrm>
+          <a:prstGeom prst="rect">
+            <a:avLst/>
+          </a:prstGeom>
+          <a:noFill/>
+          <a:extLst>
+            <a:ext uri="{909E8E84-426E-40DD-AFC4-6F175D3DCCD1}">
+              <a14:hiddenFill xmlns:a14="http://schemas.microsoft.com/office/drawing/2010/main">
+                <a:solidFill>
+                  <a:srgbClr val="FFFFFF"/>
+                </a:solidFill>
+              </a14:hiddenFill>
+            </a:ext>
+          </a:extLst>
+        </p:spPr>
+      </p:pic>
+      <p:pic>
+        <p:nvPicPr>
+          <p:cNvPr id="3074" name="Picture 2" descr="Github Logo Png - Cat, Transparent Png , Transparent Png Image ...">
+            <a:extLst>
+              <a:ext uri="{FF2B5EF4-FFF2-40B4-BE49-F238E27FC236}">
+                <a16:creationId xmlns:a16="http://schemas.microsoft.com/office/drawing/2014/main" id="{4F6006EE-3E88-45C0-85EC-01A667B71EFF}"/>
+              </a:ext>
+            </a:extLst>
+          </p:cNvPr>
+          <p:cNvPicPr>
+            <a:picLocks noChangeAspect="1" noChangeArrowheads="1"/>
+          </p:cNvPicPr>
+          <p:nvPr/>
+        </p:nvPicPr>
+        <p:blipFill>
+          <a:blip r:embed="rId4">
+            <a:extLst>
+              <a:ext uri="{BEBA8EAE-BF5A-486C-A8C5-ECC9F3942E4B}">
+                <a14:imgProps xmlns:a14="http://schemas.microsoft.com/office/drawing/2010/main">
+                  <a14:imgLayer r:embed="rId5">
+                    <a14:imgEffect>
+                      <a14:backgroundRemoval t="5760" b="91422" l="6163" r="94186">
+                        <a14:foregroundMark x1="47093" y1="9069" x2="47093" y2="9069"/>
+                        <a14:foregroundMark x1="45349" y1="5882" x2="45349" y2="5882"/>
+                        <a14:foregroundMark x1="16628" y1="70711" x2="16628" y2="70711"/>
+                        <a14:foregroundMark x1="28372" y1="81250" x2="28372" y2="81250"/>
+                        <a14:foregroundMark x1="28372" y1="81250" x2="28372" y2="81250"/>
+                        <a14:foregroundMark x1="28372" y1="81250" x2="28372" y2="81250"/>
+                        <a14:foregroundMark x1="9186" y1="73407" x2="8721" y2="76225"/>
+                        <a14:foregroundMark x1="6163" y1="80392" x2="7442" y2="89093"/>
+                        <a14:foregroundMark x1="10465" y1="69730" x2="17442" y2="69730"/>
+                        <a14:foregroundMark x1="15698" y1="91422" x2="15698" y2="91422"/>
+                        <a14:foregroundMark x1="16163" y1="91422" x2="19651" y2="89093"/>
+                        <a14:foregroundMark x1="19186" y1="86765" x2="18721" y2="82230"/>
+                        <a14:foregroundMark x1="27907" y1="78554" x2="28837" y2="86765"/>
+                        <a14:foregroundMark x1="27093" y1="71569" x2="27093" y2="71569"/>
+                        <a14:foregroundMark x1="36163" y1="77083" x2="38837" y2="88113"/>
+                        <a14:foregroundMark x1="48023" y1="74877" x2="50116" y2="89093"/>
+                        <a14:foregroundMark x1="59767" y1="75245" x2="59767" y2="89093"/>
+                        <a14:foregroundMark x1="65930" y1="82598" x2="65465" y2="89093"/>
+                        <a14:foregroundMark x1="78140" y1="82230" x2="77209" y2="87745"/>
+                        <a14:foregroundMark x1="83372" y1="69730" x2="83721" y2="88113"/>
+                        <a14:foregroundMark x1="94186" y1="81740" x2="93837" y2="88113"/>
+                      </a14:backgroundRemoval>
+                    </a14:imgEffect>
+                  </a14:imgLayer>
+                </a14:imgProps>
+              </a:ext>
+              <a:ext uri="{28A0092B-C50C-407E-A947-70E740481C1C}">
+                <a14:useLocalDpi xmlns:a14="http://schemas.microsoft.com/office/drawing/2010/main" val="0"/>
+              </a:ext>
+            </a:extLst>
+          </a:blip>
+          <a:srcRect/>
+          <a:stretch>
+            <a:fillRect/>
+          </a:stretch>
+        </p:blipFill>
+        <p:spPr bwMode="auto">
+          <a:xfrm>
+            <a:off x="7578138" y="3502310"/>
+            <a:ext cx="3275012" cy="3107414"/>
+          </a:xfrm>
+          <a:prstGeom prst="rect">
+            <a:avLst/>
+          </a:prstGeom>
+          <a:noFill/>
+          <a:extLst>
+            <a:ext uri="{909E8E84-426E-40DD-AFC4-6F175D3DCCD1}">
+              <a14:hiddenFill xmlns:a14="http://schemas.microsoft.com/office/drawing/2010/main">
+                <a:solidFill>
+                  <a:srgbClr val="FFFFFF"/>
+                </a:solidFill>
+              </a14:hiddenFill>
+            </a:ext>
+          </a:extLst>
+        </p:spPr>
+      </p:pic>
+      <p:pic>
+        <p:nvPicPr>
+          <p:cNvPr id="3076" name="Picture 4" descr="Travailler en ateliers en cycle 3 - Stylo rouge et crayon gris">
+            <a:extLst>
+              <a:ext uri="{FF2B5EF4-FFF2-40B4-BE49-F238E27FC236}">
+                <a16:creationId xmlns:a16="http://schemas.microsoft.com/office/drawing/2014/main" id="{83713921-C933-4021-B653-FB9055A23DA4}"/>
+              </a:ext>
+            </a:extLst>
+          </p:cNvPr>
+          <p:cNvPicPr>
+            <a:picLocks noChangeAspect="1" noChangeArrowheads="1"/>
+          </p:cNvPicPr>
+          <p:nvPr/>
+        </p:nvPicPr>
+        <p:blipFill>
+          <a:blip r:embed="rId6">
+            <a:extLst>
+              <a:ext uri="{28A0092B-C50C-407E-A947-70E740481C1C}">
+                <a14:useLocalDpi xmlns:a14="http://schemas.microsoft.com/office/drawing/2010/main" val="0"/>
+              </a:ext>
+            </a:extLst>
+          </a:blip>
+          <a:srcRect/>
+          <a:stretch>
+            <a:fillRect/>
+          </a:stretch>
+        </p:blipFill>
+        <p:spPr bwMode="auto">
+          <a:xfrm>
+            <a:off x="1217336" y="2054708"/>
+            <a:ext cx="2748583" cy="2748583"/>
+          </a:xfrm>
+          <a:prstGeom prst="rect">
+            <a:avLst/>
+          </a:prstGeom>
+          <a:noFill/>
+          <a:extLst>
+            <a:ext uri="{909E8E84-426E-40DD-AFC4-6F175D3DCCD1}">
+              <a14:hiddenFill xmlns:a14="http://schemas.microsoft.com/office/drawing/2010/main">
+                <a:solidFill>
+                  <a:srgbClr val="FFFFFF"/>
+                </a:solidFill>
+              </a14:hiddenFill>
+            </a:ext>
+          </a:extLst>
+        </p:spPr>
+      </p:pic>
+      <p:sp>
+        <p:nvSpPr>
+          <p:cNvPr id="2" name="Flèche : haut 1">
+            <a:extLst>
+              <a:ext uri="{FF2B5EF4-FFF2-40B4-BE49-F238E27FC236}">
+                <a16:creationId xmlns:a16="http://schemas.microsoft.com/office/drawing/2014/main" id="{4DC1B9CC-5407-41B4-93AA-8BD0457748B8}"/>
+              </a:ext>
+            </a:extLst>
+          </p:cNvPr>
+          <p:cNvSpPr/>
+          <p:nvPr/>
+        </p:nvSpPr>
+        <p:spPr>
+          <a:xfrm rot="4423526">
+            <a:off x="5650961" y="1313561"/>
+            <a:ext cx="523978" cy="1843087"/>
+          </a:xfrm>
+          <a:prstGeom prst="upArrow">
+            <a:avLst/>
+          </a:prstGeom>
+          <a:noFill/>
+          <a:ln w="38100">
+            <a:solidFill>
+              <a:srgbClr val="FFFF00"/>
+            </a:solidFill>
+          </a:ln>
+        </p:spPr>
+        <p:style>
+          <a:lnRef idx="2">
+            <a:schemeClr val="accent1">
+              <a:shade val="50000"/>
+            </a:schemeClr>
+          </a:lnRef>
+          <a:fillRef idx="1">
+            <a:schemeClr val="accent1"/>
+          </a:fillRef>
+          <a:effectRef idx="0">
+            <a:schemeClr val="accent1"/>
+          </a:effectRef>
+          <a:fontRef idx="minor">
+            <a:schemeClr val="lt1"/>
+          </a:fontRef>
+        </p:style>
+        <p:txBody>
+          <a:bodyPr rtlCol="0" anchor="ctr"/>
+          <a:lstStyle/>
+          <a:p>
+            <a:pPr algn="ctr"/>
+            <a:endParaRPr lang="fr-FR"/>
+          </a:p>
+        </p:txBody>
+      </p:sp>
+      <p:sp>
+        <p:nvSpPr>
+          <p:cNvPr id="8" name="Flèche : haut 7">
+            <a:extLst>
+              <a:ext uri="{FF2B5EF4-FFF2-40B4-BE49-F238E27FC236}">
+                <a16:creationId xmlns:a16="http://schemas.microsoft.com/office/drawing/2014/main" id="{83374681-2EFE-43D6-94A4-DFEF4C0ADD22}"/>
+              </a:ext>
+            </a:extLst>
+          </p:cNvPr>
+          <p:cNvSpPr/>
+          <p:nvPr/>
+        </p:nvSpPr>
+        <p:spPr>
+          <a:xfrm rot="6692183">
+            <a:off x="5510041" y="3299758"/>
+            <a:ext cx="523978" cy="1843087"/>
+          </a:xfrm>
+          <a:prstGeom prst="upArrow">
+            <a:avLst/>
+          </a:prstGeom>
+          <a:noFill/>
+          <a:ln w="38100">
+            <a:solidFill>
+              <a:srgbClr val="FFFF00"/>
+            </a:solidFill>
+          </a:ln>
+        </p:spPr>
+        <p:style>
+          <a:lnRef idx="2">
+            <a:schemeClr val="accent1">
+              <a:shade val="50000"/>
+            </a:schemeClr>
+          </a:lnRef>
+          <a:fillRef idx="1">
+            <a:schemeClr val="accent1"/>
+          </a:fillRef>
+          <a:effectRef idx="0">
+            <a:schemeClr val="accent1"/>
+          </a:effectRef>
+          <a:fontRef idx="minor">
+            <a:schemeClr val="lt1"/>
+          </a:fontRef>
+        </p:style>
+        <p:txBody>
+          <a:bodyPr rtlCol="0" anchor="ctr"/>
+          <a:lstStyle/>
+          <a:p>
+            <a:pPr algn="ctr"/>
+            <a:endParaRPr lang="fr-FR"/>
           </a:p>
         </p:txBody>
       </p:sp>
@@ -12384,56 +13311,6 @@
               <a:t>requette.h</a:t>
             </a:r>
             <a:endParaRPr lang="fr-FR" sz="2000" dirty="0"/>
-          </a:p>
-        </p:txBody>
-      </p:sp>
-      <p:sp>
-        <p:nvSpPr>
-          <p:cNvPr id="7" name="Flèche : droite 6">
-            <a:extLst>
-              <a:ext uri="{FF2B5EF4-FFF2-40B4-BE49-F238E27FC236}">
-                <a16:creationId xmlns:a16="http://schemas.microsoft.com/office/drawing/2014/main" id="{CB957DE2-5A32-4032-84B5-18428523069F}"/>
-              </a:ext>
-            </a:extLst>
-          </p:cNvPr>
-          <p:cNvSpPr/>
-          <p:nvPr/>
-        </p:nvSpPr>
-        <p:spPr>
-          <a:xfrm rot="10800000">
-            <a:off x="1270035" y="60877"/>
-            <a:ext cx="2305878" cy="367748"/>
-          </a:xfrm>
-          <a:prstGeom prst="rightArrow">
-            <a:avLst/>
-          </a:prstGeom>
-          <a:noFill/>
-          <a:ln w="38100">
-            <a:solidFill>
-              <a:srgbClr val="C00000"/>
-            </a:solidFill>
-          </a:ln>
-        </p:spPr>
-        <p:style>
-          <a:lnRef idx="2">
-            <a:schemeClr val="accent6"/>
-          </a:lnRef>
-          <a:fillRef idx="1">
-            <a:schemeClr val="lt1"/>
-          </a:fillRef>
-          <a:effectRef idx="0">
-            <a:schemeClr val="accent6"/>
-          </a:effectRef>
-          <a:fontRef idx="minor">
-            <a:schemeClr val="dk1"/>
-          </a:fontRef>
-        </p:style>
-        <p:txBody>
-          <a:bodyPr rtlCol="0" anchor="ctr"/>
-          <a:lstStyle/>
-          <a:p>
-            <a:pPr algn="ctr"/>
-            <a:endParaRPr lang="fr-FR" dirty="0"/>
           </a:p>
         </p:txBody>
       </p:sp>

--- a/Mini-projet G4 Camoesas-Jousseaume-Lebourhis.pptx
+++ b/Mini-projet G4 Camoesas-Jousseaume-Lebourhis.pptx
@@ -7,16 +7,15 @@
   <p:sldIdLst>
     <p:sldId id="256" r:id="rId2"/>
     <p:sldId id="257" r:id="rId3"/>
-    <p:sldId id="258" r:id="rId4"/>
-    <p:sldId id="259" r:id="rId5"/>
-    <p:sldId id="260" r:id="rId6"/>
-    <p:sldId id="261" r:id="rId7"/>
-    <p:sldId id="262" r:id="rId8"/>
-    <p:sldId id="263" r:id="rId9"/>
-    <p:sldId id="264" r:id="rId10"/>
-    <p:sldId id="265" r:id="rId11"/>
-    <p:sldId id="266" r:id="rId12"/>
-    <p:sldId id="267" r:id="rId13"/>
+    <p:sldId id="259" r:id="rId4"/>
+    <p:sldId id="260" r:id="rId5"/>
+    <p:sldId id="261" r:id="rId6"/>
+    <p:sldId id="262" r:id="rId7"/>
+    <p:sldId id="263" r:id="rId8"/>
+    <p:sldId id="264" r:id="rId9"/>
+    <p:sldId id="265" r:id="rId10"/>
+    <p:sldId id="266" r:id="rId11"/>
+    <p:sldId id="267" r:id="rId12"/>
   </p:sldIdLst>
   <p:sldSz cx="12192000" cy="6858000"/>
   <p:notesSz cx="6858000" cy="9144000"/>
@@ -3424,7 +3423,7 @@
         </p:blipFill>
         <p:spPr>
           <a:xfrm>
-            <a:off x="7299247" y="1918046"/>
+            <a:off x="7413547" y="1899288"/>
             <a:ext cx="4662951" cy="3679132"/>
           </a:xfrm>
           <a:prstGeom prst="rect">
@@ -3802,7 +3801,7 @@
         </p:blipFill>
         <p:spPr bwMode="auto">
           <a:xfrm>
-            <a:off x="8388627" y="0"/>
+            <a:off x="0" y="5327848"/>
             <a:ext cx="3557420" cy="1444427"/>
           </a:xfrm>
           <a:prstGeom prst="rect">
@@ -3828,7 +3827,7 @@
         </p:nvSpPr>
         <p:spPr>
           <a:xfrm>
-            <a:off x="4497511" y="3167390"/>
+            <a:off x="4497511" y="3167389"/>
             <a:ext cx="3196978" cy="523220"/>
           </a:xfrm>
           <a:prstGeom prst="rect">
@@ -3848,8 +3847,50 @@
                 <a:solidFill>
                   <a:srgbClr val="FF0000"/>
                 </a:solidFill>
+                <a:latin typeface="Aharoni" panose="02010803020104030203" pitchFamily="2" charset="-79"/>
+                <a:cs typeface="Aharoni" panose="02010803020104030203" pitchFamily="2" charset="-79"/>
               </a:rPr>
               <a:t>projet VICCI</a:t>
+            </a:r>
+          </a:p>
+        </p:txBody>
+      </p:sp>
+      <p:sp>
+        <p:nvSpPr>
+          <p:cNvPr id="4" name="ZoneTexte 3">
+            <a:extLst>
+              <a:ext uri="{FF2B5EF4-FFF2-40B4-BE49-F238E27FC236}">
+                <a16:creationId xmlns:a16="http://schemas.microsoft.com/office/drawing/2014/main" id="{66719D4B-C521-4D2A-84EC-226F910DB95A}"/>
+              </a:ext>
+            </a:extLst>
+          </p:cNvPr>
+          <p:cNvSpPr txBox="1"/>
+          <p:nvPr/>
+        </p:nvSpPr>
+        <p:spPr>
+          <a:xfrm>
+            <a:off x="10001250" y="123110"/>
+            <a:ext cx="2600325" cy="400110"/>
+          </a:xfrm>
+          <a:prstGeom prst="rect">
+            <a:avLst/>
+          </a:prstGeom>
+          <a:noFill/>
+        </p:spPr>
+        <p:txBody>
+          <a:bodyPr wrap="square" rtlCol="0">
+            <a:spAutoFit/>
+          </a:bodyPr>
+          <a:lstStyle/>
+          <a:p>
+            <a:pPr algn="ctr"/>
+            <a:r>
+              <a:rPr lang="fr-FR" sz="2000" b="1" dirty="0">
+                <a:solidFill>
+                  <a:schemeClr val="bg1"/>
+                </a:solidFill>
+              </a:rPr>
+              <a:t>24 Juin 2020</a:t>
             </a:r>
           </a:p>
         </p:txBody>
@@ -3990,700 +4031,6 @@
           <p:cNvPr id="4" name="ZoneTexte 3">
             <a:extLst>
               <a:ext uri="{FF2B5EF4-FFF2-40B4-BE49-F238E27FC236}">
-                <a16:creationId xmlns:a16="http://schemas.microsoft.com/office/drawing/2014/main" id="{D070A3EA-DF0E-4533-BDA4-259E3FDBEF2E}"/>
-              </a:ext>
-            </a:extLst>
-          </p:cNvPr>
-          <p:cNvSpPr txBox="1"/>
-          <p:nvPr/>
-        </p:nvSpPr>
-        <p:spPr>
-          <a:xfrm>
-            <a:off x="3803374" y="0"/>
-            <a:ext cx="4585252" cy="400110"/>
-          </a:xfrm>
-          <a:prstGeom prst="rect">
-            <a:avLst/>
-          </a:prstGeom>
-          <a:solidFill>
-            <a:schemeClr val="bg2"/>
-          </a:solidFill>
-        </p:spPr>
-        <p:txBody>
-          <a:bodyPr wrap="square" rtlCol="0">
-            <a:spAutoFit/>
-          </a:bodyPr>
-          <a:lstStyle/>
-          <a:p>
-            <a:pPr algn="ctr"/>
-            <a:r>
-              <a:rPr lang="fr-FR" sz="2000" dirty="0"/>
-              <a:t>Compilation</a:t>
-            </a:r>
-          </a:p>
-        </p:txBody>
-      </p:sp>
-      <p:pic>
-        <p:nvPicPr>
-          <p:cNvPr id="5" name="Image 4">
-            <a:extLst>
-              <a:ext uri="{FF2B5EF4-FFF2-40B4-BE49-F238E27FC236}">
-                <a16:creationId xmlns:a16="http://schemas.microsoft.com/office/drawing/2014/main" id="{E33AFF6C-EBF8-4831-A360-123D27F89087}"/>
-              </a:ext>
-            </a:extLst>
-          </p:cNvPr>
-          <p:cNvPicPr>
-            <a:picLocks noChangeAspect="1"/>
-          </p:cNvPicPr>
-          <p:nvPr/>
-        </p:nvPicPr>
-        <p:blipFill>
-          <a:blip r:embed="rId3"/>
-          <a:stretch>
-            <a:fillRect/>
-          </a:stretch>
-        </p:blipFill>
-        <p:spPr>
-          <a:xfrm>
-            <a:off x="2295525" y="447675"/>
-            <a:ext cx="7600950" cy="5962650"/>
-          </a:xfrm>
-          <a:prstGeom prst="rect">
-            <a:avLst/>
-          </a:prstGeom>
-        </p:spPr>
-      </p:pic>
-      <p:pic>
-        <p:nvPicPr>
-          <p:cNvPr id="6" name="Image 5">
-            <a:extLst>
-              <a:ext uri="{FF2B5EF4-FFF2-40B4-BE49-F238E27FC236}">
-                <a16:creationId xmlns:a16="http://schemas.microsoft.com/office/drawing/2014/main" id="{D8714928-D502-41A4-8175-325368034E01}"/>
-              </a:ext>
-            </a:extLst>
-          </p:cNvPr>
-          <p:cNvPicPr>
-            <a:picLocks noChangeAspect="1"/>
-          </p:cNvPicPr>
-          <p:nvPr/>
-        </p:nvPicPr>
-        <p:blipFill>
-          <a:blip r:embed="rId4"/>
-          <a:stretch>
-            <a:fillRect/>
-          </a:stretch>
-        </p:blipFill>
-        <p:spPr>
-          <a:xfrm>
-            <a:off x="2295525" y="457140"/>
-            <a:ext cx="7629525" cy="6000750"/>
-          </a:xfrm>
-          <a:prstGeom prst="rect">
-            <a:avLst/>
-          </a:prstGeom>
-        </p:spPr>
-      </p:pic>
-      <p:pic>
-        <p:nvPicPr>
-          <p:cNvPr id="7" name="Image 6">
-            <a:extLst>
-              <a:ext uri="{FF2B5EF4-FFF2-40B4-BE49-F238E27FC236}">
-                <a16:creationId xmlns:a16="http://schemas.microsoft.com/office/drawing/2014/main" id="{7AD6F454-57E4-4C43-8C6C-8DE1C8A3FDAC}"/>
-              </a:ext>
-            </a:extLst>
-          </p:cNvPr>
-          <p:cNvPicPr>
-            <a:picLocks noChangeAspect="1"/>
-          </p:cNvPicPr>
-          <p:nvPr/>
-        </p:nvPicPr>
-        <p:blipFill>
-          <a:blip r:embed="rId5"/>
-          <a:stretch>
-            <a:fillRect/>
-          </a:stretch>
-        </p:blipFill>
-        <p:spPr>
-          <a:xfrm>
-            <a:off x="2305050" y="468796"/>
-            <a:ext cx="7620000" cy="5991225"/>
-          </a:xfrm>
-          <a:prstGeom prst="rect">
-            <a:avLst/>
-          </a:prstGeom>
-        </p:spPr>
-      </p:pic>
-      <p:pic>
-        <p:nvPicPr>
-          <p:cNvPr id="8" name="Image 7">
-            <a:extLst>
-              <a:ext uri="{FF2B5EF4-FFF2-40B4-BE49-F238E27FC236}">
-                <a16:creationId xmlns:a16="http://schemas.microsoft.com/office/drawing/2014/main" id="{B3B8FC31-E766-43A0-A38A-34CFA3FA7C30}"/>
-              </a:ext>
-            </a:extLst>
-          </p:cNvPr>
-          <p:cNvPicPr>
-            <a:picLocks noChangeAspect="1"/>
-          </p:cNvPicPr>
-          <p:nvPr/>
-        </p:nvPicPr>
-        <p:blipFill>
-          <a:blip r:embed="rId6"/>
-          <a:stretch>
-            <a:fillRect/>
-          </a:stretch>
-        </p:blipFill>
-        <p:spPr>
-          <a:xfrm>
-            <a:off x="2333625" y="476130"/>
-            <a:ext cx="7600950" cy="5991225"/>
-          </a:xfrm>
-          <a:prstGeom prst="rect">
-            <a:avLst/>
-          </a:prstGeom>
-        </p:spPr>
-      </p:pic>
-      <p:pic>
-        <p:nvPicPr>
-          <p:cNvPr id="9" name="Image 8">
-            <a:extLst>
-              <a:ext uri="{FF2B5EF4-FFF2-40B4-BE49-F238E27FC236}">
-                <a16:creationId xmlns:a16="http://schemas.microsoft.com/office/drawing/2014/main" id="{9147275A-4A14-43F2-9F30-958D75E9F97C}"/>
-              </a:ext>
-            </a:extLst>
-          </p:cNvPr>
-          <p:cNvPicPr>
-            <a:picLocks noChangeAspect="1"/>
-          </p:cNvPicPr>
-          <p:nvPr/>
-        </p:nvPicPr>
-        <p:blipFill>
-          <a:blip r:embed="rId7"/>
-          <a:stretch>
-            <a:fillRect/>
-          </a:stretch>
-        </p:blipFill>
-        <p:spPr>
-          <a:xfrm>
-            <a:off x="2300287" y="453265"/>
-            <a:ext cx="7591425" cy="5991225"/>
-          </a:xfrm>
-          <a:prstGeom prst="rect">
-            <a:avLst/>
-          </a:prstGeom>
-        </p:spPr>
-      </p:pic>
-      <p:pic>
-        <p:nvPicPr>
-          <p:cNvPr id="10" name="Image 9">
-            <a:extLst>
-              <a:ext uri="{FF2B5EF4-FFF2-40B4-BE49-F238E27FC236}">
-                <a16:creationId xmlns:a16="http://schemas.microsoft.com/office/drawing/2014/main" id="{E5C58E9B-0F7F-4AB5-BE0E-C628DC34FA8C}"/>
-              </a:ext>
-            </a:extLst>
-          </p:cNvPr>
-          <p:cNvPicPr>
-            <a:picLocks noChangeAspect="1"/>
-          </p:cNvPicPr>
-          <p:nvPr/>
-        </p:nvPicPr>
-        <p:blipFill>
-          <a:blip r:embed="rId8"/>
-          <a:stretch>
-            <a:fillRect/>
-          </a:stretch>
-        </p:blipFill>
-        <p:spPr>
-          <a:xfrm>
-            <a:off x="2288900" y="476044"/>
-            <a:ext cx="7600950" cy="5972175"/>
-          </a:xfrm>
-          <a:prstGeom prst="rect">
-            <a:avLst/>
-          </a:prstGeom>
-        </p:spPr>
-      </p:pic>
-      <p:pic>
-        <p:nvPicPr>
-          <p:cNvPr id="11" name="Image 10">
-            <a:extLst>
-              <a:ext uri="{FF2B5EF4-FFF2-40B4-BE49-F238E27FC236}">
-                <a16:creationId xmlns:a16="http://schemas.microsoft.com/office/drawing/2014/main" id="{C36870C4-5EBA-422D-825F-7069A9C83255}"/>
-              </a:ext>
-            </a:extLst>
-          </p:cNvPr>
-          <p:cNvPicPr>
-            <a:picLocks noChangeAspect="1"/>
-          </p:cNvPicPr>
-          <p:nvPr/>
-        </p:nvPicPr>
-        <p:blipFill>
-          <a:blip r:embed="rId9"/>
-          <a:stretch>
-            <a:fillRect/>
-          </a:stretch>
-        </p:blipFill>
-        <p:spPr>
-          <a:xfrm>
-            <a:off x="2290762" y="490537"/>
-            <a:ext cx="7610475" cy="5876925"/>
-          </a:xfrm>
-          <a:prstGeom prst="rect">
-            <a:avLst/>
-          </a:prstGeom>
-        </p:spPr>
-      </p:pic>
-    </p:spTree>
-    <p:extLst>
-      <p:ext uri="{BB962C8B-B14F-4D97-AF65-F5344CB8AC3E}">
-        <p14:creationId xmlns:p14="http://schemas.microsoft.com/office/powerpoint/2010/main" val="1656845032"/>
-      </p:ext>
-    </p:extLst>
-  </p:cSld>
-  <p:clrMapOvr>
-    <a:masterClrMapping/>
-  </p:clrMapOvr>
-  <p:timing>
-    <p:tnLst>
-      <p:par>
-        <p:cTn id="1" dur="indefinite" restart="never" nodeType="tmRoot">
-          <p:childTnLst>
-            <p:seq concurrent="1" nextAc="seek">
-              <p:cTn id="2" dur="indefinite" nodeType="mainSeq">
-                <p:childTnLst>
-                  <p:par>
-                    <p:cTn id="3" fill="hold">
-                      <p:stCondLst>
-                        <p:cond delay="indefinite"/>
-                      </p:stCondLst>
-                      <p:childTnLst>
-                        <p:par>
-                          <p:cTn id="4" fill="hold">
-                            <p:stCondLst>
-                              <p:cond delay="0"/>
-                            </p:stCondLst>
-                            <p:childTnLst>
-                              <p:par>
-                                <p:cTn id="5" presetID="10" presetClass="entr" presetSubtype="0" fill="hold" nodeType="clickEffect">
-                                  <p:stCondLst>
-                                    <p:cond delay="0"/>
-                                  </p:stCondLst>
-                                  <p:childTnLst>
-                                    <p:set>
-                                      <p:cBhvr>
-                                        <p:cTn id="6" dur="1" fill="hold">
-                                          <p:stCondLst>
-                                            <p:cond delay="0"/>
-                                          </p:stCondLst>
-                                        </p:cTn>
-                                        <p:tgtEl>
-                                          <p:spTgt spid="5"/>
-                                        </p:tgtEl>
-                                        <p:attrNameLst>
-                                          <p:attrName>style.visibility</p:attrName>
-                                        </p:attrNameLst>
-                                      </p:cBhvr>
-                                      <p:to>
-                                        <p:strVal val="visible"/>
-                                      </p:to>
-                                    </p:set>
-                                    <p:animEffect transition="in" filter="fade">
-                                      <p:cBhvr>
-                                        <p:cTn id="7" dur="500"/>
-                                        <p:tgtEl>
-                                          <p:spTgt spid="5"/>
-                                        </p:tgtEl>
-                                      </p:cBhvr>
-                                    </p:animEffect>
-                                  </p:childTnLst>
-                                </p:cTn>
-                              </p:par>
-                            </p:childTnLst>
-                          </p:cTn>
-                        </p:par>
-                      </p:childTnLst>
-                    </p:cTn>
-                  </p:par>
-                  <p:par>
-                    <p:cTn id="8" fill="hold">
-                      <p:stCondLst>
-                        <p:cond delay="indefinite"/>
-                      </p:stCondLst>
-                      <p:childTnLst>
-                        <p:par>
-                          <p:cTn id="9" fill="hold">
-                            <p:stCondLst>
-                              <p:cond delay="0"/>
-                            </p:stCondLst>
-                            <p:childTnLst>
-                              <p:par>
-                                <p:cTn id="10" presetID="10" presetClass="entr" presetSubtype="0" fill="hold" nodeType="clickEffect">
-                                  <p:stCondLst>
-                                    <p:cond delay="0"/>
-                                  </p:stCondLst>
-                                  <p:childTnLst>
-                                    <p:set>
-                                      <p:cBhvr>
-                                        <p:cTn id="11" dur="1" fill="hold">
-                                          <p:stCondLst>
-                                            <p:cond delay="0"/>
-                                          </p:stCondLst>
-                                        </p:cTn>
-                                        <p:tgtEl>
-                                          <p:spTgt spid="6"/>
-                                        </p:tgtEl>
-                                        <p:attrNameLst>
-                                          <p:attrName>style.visibility</p:attrName>
-                                        </p:attrNameLst>
-                                      </p:cBhvr>
-                                      <p:to>
-                                        <p:strVal val="visible"/>
-                                      </p:to>
-                                    </p:set>
-                                    <p:animEffect transition="in" filter="fade">
-                                      <p:cBhvr>
-                                        <p:cTn id="12" dur="500"/>
-                                        <p:tgtEl>
-                                          <p:spTgt spid="6"/>
-                                        </p:tgtEl>
-                                      </p:cBhvr>
-                                    </p:animEffect>
-                                  </p:childTnLst>
-                                </p:cTn>
-                              </p:par>
-                            </p:childTnLst>
-                          </p:cTn>
-                        </p:par>
-                      </p:childTnLst>
-                    </p:cTn>
-                  </p:par>
-                  <p:par>
-                    <p:cTn id="13" fill="hold">
-                      <p:stCondLst>
-                        <p:cond delay="indefinite"/>
-                      </p:stCondLst>
-                      <p:childTnLst>
-                        <p:par>
-                          <p:cTn id="14" fill="hold">
-                            <p:stCondLst>
-                              <p:cond delay="0"/>
-                            </p:stCondLst>
-                            <p:childTnLst>
-                              <p:par>
-                                <p:cTn id="15" presetID="10" presetClass="entr" presetSubtype="0" fill="hold" nodeType="clickEffect">
-                                  <p:stCondLst>
-                                    <p:cond delay="0"/>
-                                  </p:stCondLst>
-                                  <p:childTnLst>
-                                    <p:set>
-                                      <p:cBhvr>
-                                        <p:cTn id="16" dur="1" fill="hold">
-                                          <p:stCondLst>
-                                            <p:cond delay="0"/>
-                                          </p:stCondLst>
-                                        </p:cTn>
-                                        <p:tgtEl>
-                                          <p:spTgt spid="7"/>
-                                        </p:tgtEl>
-                                        <p:attrNameLst>
-                                          <p:attrName>style.visibility</p:attrName>
-                                        </p:attrNameLst>
-                                      </p:cBhvr>
-                                      <p:to>
-                                        <p:strVal val="visible"/>
-                                      </p:to>
-                                    </p:set>
-                                    <p:animEffect transition="in" filter="fade">
-                                      <p:cBhvr>
-                                        <p:cTn id="17" dur="500"/>
-                                        <p:tgtEl>
-                                          <p:spTgt spid="7"/>
-                                        </p:tgtEl>
-                                      </p:cBhvr>
-                                    </p:animEffect>
-                                  </p:childTnLst>
-                                </p:cTn>
-                              </p:par>
-                            </p:childTnLst>
-                          </p:cTn>
-                        </p:par>
-                      </p:childTnLst>
-                    </p:cTn>
-                  </p:par>
-                  <p:par>
-                    <p:cTn id="18" fill="hold">
-                      <p:stCondLst>
-                        <p:cond delay="indefinite"/>
-                      </p:stCondLst>
-                      <p:childTnLst>
-                        <p:par>
-                          <p:cTn id="19" fill="hold">
-                            <p:stCondLst>
-                              <p:cond delay="0"/>
-                            </p:stCondLst>
-                            <p:childTnLst>
-                              <p:par>
-                                <p:cTn id="20" presetID="10" presetClass="entr" presetSubtype="0" fill="hold" nodeType="clickEffect">
-                                  <p:stCondLst>
-                                    <p:cond delay="0"/>
-                                  </p:stCondLst>
-                                  <p:childTnLst>
-                                    <p:set>
-                                      <p:cBhvr>
-                                        <p:cTn id="21" dur="1" fill="hold">
-                                          <p:stCondLst>
-                                            <p:cond delay="0"/>
-                                          </p:stCondLst>
-                                        </p:cTn>
-                                        <p:tgtEl>
-                                          <p:spTgt spid="8"/>
-                                        </p:tgtEl>
-                                        <p:attrNameLst>
-                                          <p:attrName>style.visibility</p:attrName>
-                                        </p:attrNameLst>
-                                      </p:cBhvr>
-                                      <p:to>
-                                        <p:strVal val="visible"/>
-                                      </p:to>
-                                    </p:set>
-                                    <p:animEffect transition="in" filter="fade">
-                                      <p:cBhvr>
-                                        <p:cTn id="22" dur="500"/>
-                                        <p:tgtEl>
-                                          <p:spTgt spid="8"/>
-                                        </p:tgtEl>
-                                      </p:cBhvr>
-                                    </p:animEffect>
-                                  </p:childTnLst>
-                                </p:cTn>
-                              </p:par>
-                            </p:childTnLst>
-                          </p:cTn>
-                        </p:par>
-                      </p:childTnLst>
-                    </p:cTn>
-                  </p:par>
-                  <p:par>
-                    <p:cTn id="23" fill="hold">
-                      <p:stCondLst>
-                        <p:cond delay="indefinite"/>
-                      </p:stCondLst>
-                      <p:childTnLst>
-                        <p:par>
-                          <p:cTn id="24" fill="hold">
-                            <p:stCondLst>
-                              <p:cond delay="0"/>
-                            </p:stCondLst>
-                            <p:childTnLst>
-                              <p:par>
-                                <p:cTn id="25" presetID="10" presetClass="entr" presetSubtype="0" fill="hold" nodeType="clickEffect">
-                                  <p:stCondLst>
-                                    <p:cond delay="0"/>
-                                  </p:stCondLst>
-                                  <p:childTnLst>
-                                    <p:set>
-                                      <p:cBhvr>
-                                        <p:cTn id="26" dur="1" fill="hold">
-                                          <p:stCondLst>
-                                            <p:cond delay="0"/>
-                                          </p:stCondLst>
-                                        </p:cTn>
-                                        <p:tgtEl>
-                                          <p:spTgt spid="9"/>
-                                        </p:tgtEl>
-                                        <p:attrNameLst>
-                                          <p:attrName>style.visibility</p:attrName>
-                                        </p:attrNameLst>
-                                      </p:cBhvr>
-                                      <p:to>
-                                        <p:strVal val="visible"/>
-                                      </p:to>
-                                    </p:set>
-                                    <p:animEffect transition="in" filter="fade">
-                                      <p:cBhvr>
-                                        <p:cTn id="27" dur="500"/>
-                                        <p:tgtEl>
-                                          <p:spTgt spid="9"/>
-                                        </p:tgtEl>
-                                      </p:cBhvr>
-                                    </p:animEffect>
-                                  </p:childTnLst>
-                                </p:cTn>
-                              </p:par>
-                            </p:childTnLst>
-                          </p:cTn>
-                        </p:par>
-                      </p:childTnLst>
-                    </p:cTn>
-                  </p:par>
-                  <p:par>
-                    <p:cTn id="28" fill="hold">
-                      <p:stCondLst>
-                        <p:cond delay="indefinite"/>
-                      </p:stCondLst>
-                      <p:childTnLst>
-                        <p:par>
-                          <p:cTn id="29" fill="hold">
-                            <p:stCondLst>
-                              <p:cond delay="0"/>
-                            </p:stCondLst>
-                            <p:childTnLst>
-                              <p:par>
-                                <p:cTn id="30" presetID="10" presetClass="entr" presetSubtype="0" fill="hold" nodeType="clickEffect">
-                                  <p:stCondLst>
-                                    <p:cond delay="0"/>
-                                  </p:stCondLst>
-                                  <p:childTnLst>
-                                    <p:set>
-                                      <p:cBhvr>
-                                        <p:cTn id="31" dur="1" fill="hold">
-                                          <p:stCondLst>
-                                            <p:cond delay="0"/>
-                                          </p:stCondLst>
-                                        </p:cTn>
-                                        <p:tgtEl>
-                                          <p:spTgt spid="10"/>
-                                        </p:tgtEl>
-                                        <p:attrNameLst>
-                                          <p:attrName>style.visibility</p:attrName>
-                                        </p:attrNameLst>
-                                      </p:cBhvr>
-                                      <p:to>
-                                        <p:strVal val="visible"/>
-                                      </p:to>
-                                    </p:set>
-                                    <p:animEffect transition="in" filter="fade">
-                                      <p:cBhvr>
-                                        <p:cTn id="32" dur="500"/>
-                                        <p:tgtEl>
-                                          <p:spTgt spid="10"/>
-                                        </p:tgtEl>
-                                      </p:cBhvr>
-                                    </p:animEffect>
-                                  </p:childTnLst>
-                                </p:cTn>
-                              </p:par>
-                            </p:childTnLst>
-                          </p:cTn>
-                        </p:par>
-                      </p:childTnLst>
-                    </p:cTn>
-                  </p:par>
-                  <p:par>
-                    <p:cTn id="33" fill="hold">
-                      <p:stCondLst>
-                        <p:cond delay="indefinite"/>
-                      </p:stCondLst>
-                      <p:childTnLst>
-                        <p:par>
-                          <p:cTn id="34" fill="hold">
-                            <p:stCondLst>
-                              <p:cond delay="0"/>
-                            </p:stCondLst>
-                            <p:childTnLst>
-                              <p:par>
-                                <p:cTn id="35" presetID="10" presetClass="entr" presetSubtype="0" fill="hold" nodeType="clickEffect">
-                                  <p:stCondLst>
-                                    <p:cond delay="0"/>
-                                  </p:stCondLst>
-                                  <p:childTnLst>
-                                    <p:set>
-                                      <p:cBhvr>
-                                        <p:cTn id="36" dur="1" fill="hold">
-                                          <p:stCondLst>
-                                            <p:cond delay="0"/>
-                                          </p:stCondLst>
-                                        </p:cTn>
-                                        <p:tgtEl>
-                                          <p:spTgt spid="11"/>
-                                        </p:tgtEl>
-                                        <p:attrNameLst>
-                                          <p:attrName>style.visibility</p:attrName>
-                                        </p:attrNameLst>
-                                      </p:cBhvr>
-                                      <p:to>
-                                        <p:strVal val="visible"/>
-                                      </p:to>
-                                    </p:set>
-                                    <p:animEffect transition="in" filter="fade">
-                                      <p:cBhvr>
-                                        <p:cTn id="37" dur="500"/>
-                                        <p:tgtEl>
-                                          <p:spTgt spid="11"/>
-                                        </p:tgtEl>
-                                      </p:cBhvr>
-                                    </p:animEffect>
-                                  </p:childTnLst>
-                                </p:cTn>
-                              </p:par>
-                            </p:childTnLst>
-                          </p:cTn>
-                        </p:par>
-                      </p:childTnLst>
-                    </p:cTn>
-                  </p:par>
-                </p:childTnLst>
-              </p:cTn>
-              <p:prevCondLst>
-                <p:cond evt="onPrev" delay="0">
-                  <p:tgtEl>
-                    <p:sldTgt/>
-                  </p:tgtEl>
-                </p:cond>
-              </p:prevCondLst>
-              <p:nextCondLst>
-                <p:cond evt="onNext" delay="0">
-                  <p:tgtEl>
-                    <p:sldTgt/>
-                  </p:tgtEl>
-                </p:cond>
-              </p:nextCondLst>
-            </p:seq>
-          </p:childTnLst>
-        </p:cTn>
-      </p:par>
-    </p:tnLst>
-  </p:timing>
-</p:sld>
-</file>
-
-<file path=ppt/slides/slide11.xml><?xml version="1.0" encoding="utf-8"?>
-<p:sld xmlns:a="http://schemas.openxmlformats.org/drawingml/2006/main" xmlns:r="http://schemas.openxmlformats.org/officeDocument/2006/relationships" xmlns:p="http://schemas.openxmlformats.org/presentationml/2006/main">
-  <p:cSld>
-    <p:bg>
-      <p:bgPr>
-        <a:blipFill dpi="0" rotWithShape="1">
-          <a:blip r:embed="rId2">
-            <a:alphaModFix amt="96000"/>
-            <a:lum/>
-          </a:blip>
-          <a:srcRect/>
-          <a:stretch>
-            <a:fillRect t="-13000" b="-13000"/>
-          </a:stretch>
-        </a:blipFill>
-        <a:effectLst/>
-      </p:bgPr>
-    </p:bg>
-    <p:spTree>
-      <p:nvGrpSpPr>
-        <p:cNvPr id="1" name=""/>
-        <p:cNvGrpSpPr/>
-        <p:nvPr/>
-      </p:nvGrpSpPr>
-      <p:grpSpPr>
-        <a:xfrm>
-          <a:off x="0" y="0"/>
-          <a:ext cx="0" cy="0"/>
-          <a:chOff x="0" y="0"/>
-          <a:chExt cx="0" cy="0"/>
-        </a:xfrm>
-      </p:grpSpPr>
-      <p:sp>
-        <p:nvSpPr>
-          <p:cNvPr id="4" name="ZoneTexte 3">
-            <a:extLst>
-              <a:ext uri="{FF2B5EF4-FFF2-40B4-BE49-F238E27FC236}">
                 <a16:creationId xmlns:a16="http://schemas.microsoft.com/office/drawing/2014/main" id="{0EB358E9-B42C-4DE8-93E8-4FE14F9720CC}"/>
               </a:ext>
             </a:extLst>
@@ -5381,7 +4728,7 @@
 </p:sld>
 </file>
 
-<file path=ppt/slides/slide12.xml><?xml version="1.0" encoding="utf-8"?>
+<file path=ppt/slides/slide11.xml><?xml version="1.0" encoding="utf-8"?>
 <p:sld xmlns:a="http://schemas.openxmlformats.org/drawingml/2006/main" xmlns:r="http://schemas.openxmlformats.org/officeDocument/2006/relationships" xmlns:p="http://schemas.openxmlformats.org/presentationml/2006/main">
   <p:cSld>
     <p:bg>
@@ -6638,81 +5985,6 @@
       </p:grpSpPr>
       <p:pic>
         <p:nvPicPr>
-          <p:cNvPr id="5" name="Image 4">
-            <a:extLst>
-              <a:ext uri="{FF2B5EF4-FFF2-40B4-BE49-F238E27FC236}">
-                <a16:creationId xmlns:a16="http://schemas.microsoft.com/office/drawing/2014/main" id="{F7CF36DC-3051-4543-9FE4-4C1E2E230BA2}"/>
-              </a:ext>
-            </a:extLst>
-          </p:cNvPr>
-          <p:cNvPicPr>
-            <a:picLocks noChangeAspect="1"/>
-          </p:cNvPicPr>
-          <p:nvPr/>
-        </p:nvPicPr>
-        <p:blipFill>
-          <a:blip r:embed="rId3"/>
-          <a:stretch>
-            <a:fillRect/>
-          </a:stretch>
-        </p:blipFill>
-        <p:spPr>
-          <a:xfrm rot="10800000">
-            <a:off x="407980" y="669235"/>
-            <a:ext cx="11376040" cy="5519530"/>
-          </a:xfrm>
-          <a:prstGeom prst="rect">
-            <a:avLst/>
-          </a:prstGeom>
-        </p:spPr>
-      </p:pic>
-    </p:spTree>
-    <p:extLst>
-      <p:ext uri="{BB962C8B-B14F-4D97-AF65-F5344CB8AC3E}">
-        <p14:creationId xmlns:p14="http://schemas.microsoft.com/office/powerpoint/2010/main" val="538570647"/>
-      </p:ext>
-    </p:extLst>
-  </p:cSld>
-  <p:clrMapOvr>
-    <a:masterClrMapping/>
-  </p:clrMapOvr>
-</p:sld>
-</file>
-
-<file path=ppt/slides/slide4.xml><?xml version="1.0" encoding="utf-8"?>
-<p:sld xmlns:a="http://schemas.openxmlformats.org/drawingml/2006/main" xmlns:r="http://schemas.openxmlformats.org/officeDocument/2006/relationships" xmlns:p="http://schemas.openxmlformats.org/presentationml/2006/main">
-  <p:cSld>
-    <p:bg>
-      <p:bgPr>
-        <a:blipFill dpi="0" rotWithShape="1">
-          <a:blip r:embed="rId2">
-            <a:alphaModFix amt="96000"/>
-            <a:lum/>
-          </a:blip>
-          <a:srcRect/>
-          <a:stretch>
-            <a:fillRect t="-13000" b="-13000"/>
-          </a:stretch>
-        </a:blipFill>
-        <a:effectLst/>
-      </p:bgPr>
-    </p:bg>
-    <p:spTree>
-      <p:nvGrpSpPr>
-        <p:cNvPr id="1" name=""/>
-        <p:cNvGrpSpPr/>
-        <p:nvPr/>
-      </p:nvGrpSpPr>
-      <p:grpSpPr>
-        <a:xfrm>
-          <a:off x="0" y="0"/>
-          <a:ext cx="0" cy="0"/>
-          <a:chOff x="0" y="0"/>
-          <a:chExt cx="0" cy="0"/>
-        </a:xfrm>
-      </p:grpSpPr>
-      <p:pic>
-        <p:nvPicPr>
           <p:cNvPr id="14" name="Image 13">
             <a:extLst>
               <a:ext uri="{FF2B5EF4-FFF2-40B4-BE49-F238E27FC236}">
@@ -7667,7 +6939,7 @@
 </p:sld>
 </file>
 
-<file path=ppt/slides/slide5.xml><?xml version="1.0" encoding="utf-8"?>
+<file path=ppt/slides/slide4.xml><?xml version="1.0" encoding="utf-8"?>
 <p:sld xmlns:a="http://schemas.openxmlformats.org/drawingml/2006/main" xmlns:r="http://schemas.openxmlformats.org/officeDocument/2006/relationships" xmlns:p="http://schemas.openxmlformats.org/presentationml/2006/main">
   <p:cSld>
     <p:bg>
@@ -11377,7 +10649,7 @@
 </p:sld>
 </file>
 
-<file path=ppt/slides/slide6.xml><?xml version="1.0" encoding="utf-8"?>
+<file path=ppt/slides/slide5.xml><?xml version="1.0" encoding="utf-8"?>
 <p:sld xmlns:a="http://schemas.openxmlformats.org/drawingml/2006/main" xmlns:r="http://schemas.openxmlformats.org/officeDocument/2006/relationships" xmlns:p="http://schemas.openxmlformats.org/presentationml/2006/main">
   <p:cSld>
     <p:bg>
@@ -13209,7 +12481,7 @@
 </p:sld>
 </file>
 
-<file path=ppt/slides/slide7.xml><?xml version="1.0" encoding="utf-8"?>
+<file path=ppt/slides/slide6.xml><?xml version="1.0" encoding="utf-8"?>
 <p:sld xmlns:a="http://schemas.openxmlformats.org/drawingml/2006/main" xmlns:r="http://schemas.openxmlformats.org/officeDocument/2006/relationships" xmlns:p="http://schemas.openxmlformats.org/presentationml/2006/main">
   <p:cSld>
     <p:bg>
@@ -14187,7 +13459,7 @@
 </p:sld>
 </file>
 
-<file path=ppt/slides/slide8.xml><?xml version="1.0" encoding="utf-8"?>
+<file path=ppt/slides/slide7.xml><?xml version="1.0" encoding="utf-8"?>
 <p:sld xmlns:a="http://schemas.openxmlformats.org/drawingml/2006/main" xmlns:r="http://schemas.openxmlformats.org/officeDocument/2006/relationships" xmlns:p="http://schemas.openxmlformats.org/presentationml/2006/main">
   <p:cSld>
     <p:bg>
@@ -14651,7 +13923,7 @@
 </p:sld>
 </file>
 
-<file path=ppt/slides/slide9.xml><?xml version="1.0" encoding="utf-8"?>
+<file path=ppt/slides/slide8.xml><?xml version="1.0" encoding="utf-8"?>
 <p:sld xmlns:a="http://schemas.openxmlformats.org/drawingml/2006/main" xmlns:r="http://schemas.openxmlformats.org/officeDocument/2006/relationships" xmlns:p="http://schemas.openxmlformats.org/presentationml/2006/main">
   <p:cSld>
     <p:bg>
@@ -15196,6 +14468,700 @@
                                         <p:strVal val="hidden"/>
                                       </p:to>
                                     </p:set>
+                                  </p:childTnLst>
+                                </p:cTn>
+                              </p:par>
+                            </p:childTnLst>
+                          </p:cTn>
+                        </p:par>
+                      </p:childTnLst>
+                    </p:cTn>
+                  </p:par>
+                </p:childTnLst>
+              </p:cTn>
+              <p:prevCondLst>
+                <p:cond evt="onPrev" delay="0">
+                  <p:tgtEl>
+                    <p:sldTgt/>
+                  </p:tgtEl>
+                </p:cond>
+              </p:prevCondLst>
+              <p:nextCondLst>
+                <p:cond evt="onNext" delay="0">
+                  <p:tgtEl>
+                    <p:sldTgt/>
+                  </p:tgtEl>
+                </p:cond>
+              </p:nextCondLst>
+            </p:seq>
+          </p:childTnLst>
+        </p:cTn>
+      </p:par>
+    </p:tnLst>
+  </p:timing>
+</p:sld>
+</file>
+
+<file path=ppt/slides/slide9.xml><?xml version="1.0" encoding="utf-8"?>
+<p:sld xmlns:a="http://schemas.openxmlformats.org/drawingml/2006/main" xmlns:r="http://schemas.openxmlformats.org/officeDocument/2006/relationships" xmlns:p="http://schemas.openxmlformats.org/presentationml/2006/main">
+  <p:cSld>
+    <p:bg>
+      <p:bgPr>
+        <a:blipFill dpi="0" rotWithShape="1">
+          <a:blip r:embed="rId2">
+            <a:alphaModFix amt="96000"/>
+            <a:lum/>
+          </a:blip>
+          <a:srcRect/>
+          <a:stretch>
+            <a:fillRect t="-13000" b="-13000"/>
+          </a:stretch>
+        </a:blipFill>
+        <a:effectLst/>
+      </p:bgPr>
+    </p:bg>
+    <p:spTree>
+      <p:nvGrpSpPr>
+        <p:cNvPr id="1" name=""/>
+        <p:cNvGrpSpPr/>
+        <p:nvPr/>
+      </p:nvGrpSpPr>
+      <p:grpSpPr>
+        <a:xfrm>
+          <a:off x="0" y="0"/>
+          <a:ext cx="0" cy="0"/>
+          <a:chOff x="0" y="0"/>
+          <a:chExt cx="0" cy="0"/>
+        </a:xfrm>
+      </p:grpSpPr>
+      <p:sp>
+        <p:nvSpPr>
+          <p:cNvPr id="4" name="ZoneTexte 3">
+            <a:extLst>
+              <a:ext uri="{FF2B5EF4-FFF2-40B4-BE49-F238E27FC236}">
+                <a16:creationId xmlns:a16="http://schemas.microsoft.com/office/drawing/2014/main" id="{D070A3EA-DF0E-4533-BDA4-259E3FDBEF2E}"/>
+              </a:ext>
+            </a:extLst>
+          </p:cNvPr>
+          <p:cNvSpPr txBox="1"/>
+          <p:nvPr/>
+        </p:nvSpPr>
+        <p:spPr>
+          <a:xfrm>
+            <a:off x="3803374" y="0"/>
+            <a:ext cx="4585252" cy="400110"/>
+          </a:xfrm>
+          <a:prstGeom prst="rect">
+            <a:avLst/>
+          </a:prstGeom>
+          <a:solidFill>
+            <a:schemeClr val="bg2"/>
+          </a:solidFill>
+        </p:spPr>
+        <p:txBody>
+          <a:bodyPr wrap="square" rtlCol="0">
+            <a:spAutoFit/>
+          </a:bodyPr>
+          <a:lstStyle/>
+          <a:p>
+            <a:pPr algn="ctr"/>
+            <a:r>
+              <a:rPr lang="fr-FR" sz="2000" dirty="0"/>
+              <a:t>Compilation</a:t>
+            </a:r>
+          </a:p>
+        </p:txBody>
+      </p:sp>
+      <p:pic>
+        <p:nvPicPr>
+          <p:cNvPr id="5" name="Image 4">
+            <a:extLst>
+              <a:ext uri="{FF2B5EF4-FFF2-40B4-BE49-F238E27FC236}">
+                <a16:creationId xmlns:a16="http://schemas.microsoft.com/office/drawing/2014/main" id="{E33AFF6C-EBF8-4831-A360-123D27F89087}"/>
+              </a:ext>
+            </a:extLst>
+          </p:cNvPr>
+          <p:cNvPicPr>
+            <a:picLocks noChangeAspect="1"/>
+          </p:cNvPicPr>
+          <p:nvPr/>
+        </p:nvPicPr>
+        <p:blipFill>
+          <a:blip r:embed="rId3"/>
+          <a:stretch>
+            <a:fillRect/>
+          </a:stretch>
+        </p:blipFill>
+        <p:spPr>
+          <a:xfrm>
+            <a:off x="2295525" y="447675"/>
+            <a:ext cx="7600950" cy="5962650"/>
+          </a:xfrm>
+          <a:prstGeom prst="rect">
+            <a:avLst/>
+          </a:prstGeom>
+        </p:spPr>
+      </p:pic>
+      <p:pic>
+        <p:nvPicPr>
+          <p:cNvPr id="6" name="Image 5">
+            <a:extLst>
+              <a:ext uri="{FF2B5EF4-FFF2-40B4-BE49-F238E27FC236}">
+                <a16:creationId xmlns:a16="http://schemas.microsoft.com/office/drawing/2014/main" id="{D8714928-D502-41A4-8175-325368034E01}"/>
+              </a:ext>
+            </a:extLst>
+          </p:cNvPr>
+          <p:cNvPicPr>
+            <a:picLocks noChangeAspect="1"/>
+          </p:cNvPicPr>
+          <p:nvPr/>
+        </p:nvPicPr>
+        <p:blipFill>
+          <a:blip r:embed="rId4"/>
+          <a:stretch>
+            <a:fillRect/>
+          </a:stretch>
+        </p:blipFill>
+        <p:spPr>
+          <a:xfrm>
+            <a:off x="2295525" y="457140"/>
+            <a:ext cx="7629525" cy="6000750"/>
+          </a:xfrm>
+          <a:prstGeom prst="rect">
+            <a:avLst/>
+          </a:prstGeom>
+        </p:spPr>
+      </p:pic>
+      <p:pic>
+        <p:nvPicPr>
+          <p:cNvPr id="7" name="Image 6">
+            <a:extLst>
+              <a:ext uri="{FF2B5EF4-FFF2-40B4-BE49-F238E27FC236}">
+                <a16:creationId xmlns:a16="http://schemas.microsoft.com/office/drawing/2014/main" id="{7AD6F454-57E4-4C43-8C6C-8DE1C8A3FDAC}"/>
+              </a:ext>
+            </a:extLst>
+          </p:cNvPr>
+          <p:cNvPicPr>
+            <a:picLocks noChangeAspect="1"/>
+          </p:cNvPicPr>
+          <p:nvPr/>
+        </p:nvPicPr>
+        <p:blipFill>
+          <a:blip r:embed="rId5"/>
+          <a:stretch>
+            <a:fillRect/>
+          </a:stretch>
+        </p:blipFill>
+        <p:spPr>
+          <a:xfrm>
+            <a:off x="2305050" y="468796"/>
+            <a:ext cx="7620000" cy="5991225"/>
+          </a:xfrm>
+          <a:prstGeom prst="rect">
+            <a:avLst/>
+          </a:prstGeom>
+        </p:spPr>
+      </p:pic>
+      <p:pic>
+        <p:nvPicPr>
+          <p:cNvPr id="8" name="Image 7">
+            <a:extLst>
+              <a:ext uri="{FF2B5EF4-FFF2-40B4-BE49-F238E27FC236}">
+                <a16:creationId xmlns:a16="http://schemas.microsoft.com/office/drawing/2014/main" id="{B3B8FC31-E766-43A0-A38A-34CFA3FA7C30}"/>
+              </a:ext>
+            </a:extLst>
+          </p:cNvPr>
+          <p:cNvPicPr>
+            <a:picLocks noChangeAspect="1"/>
+          </p:cNvPicPr>
+          <p:nvPr/>
+        </p:nvPicPr>
+        <p:blipFill>
+          <a:blip r:embed="rId6"/>
+          <a:stretch>
+            <a:fillRect/>
+          </a:stretch>
+        </p:blipFill>
+        <p:spPr>
+          <a:xfrm>
+            <a:off x="2333625" y="476130"/>
+            <a:ext cx="7600950" cy="5991225"/>
+          </a:xfrm>
+          <a:prstGeom prst="rect">
+            <a:avLst/>
+          </a:prstGeom>
+        </p:spPr>
+      </p:pic>
+      <p:pic>
+        <p:nvPicPr>
+          <p:cNvPr id="9" name="Image 8">
+            <a:extLst>
+              <a:ext uri="{FF2B5EF4-FFF2-40B4-BE49-F238E27FC236}">
+                <a16:creationId xmlns:a16="http://schemas.microsoft.com/office/drawing/2014/main" id="{9147275A-4A14-43F2-9F30-958D75E9F97C}"/>
+              </a:ext>
+            </a:extLst>
+          </p:cNvPr>
+          <p:cNvPicPr>
+            <a:picLocks noChangeAspect="1"/>
+          </p:cNvPicPr>
+          <p:nvPr/>
+        </p:nvPicPr>
+        <p:blipFill>
+          <a:blip r:embed="rId7"/>
+          <a:stretch>
+            <a:fillRect/>
+          </a:stretch>
+        </p:blipFill>
+        <p:spPr>
+          <a:xfrm>
+            <a:off x="2300287" y="453265"/>
+            <a:ext cx="7591425" cy="5991225"/>
+          </a:xfrm>
+          <a:prstGeom prst="rect">
+            <a:avLst/>
+          </a:prstGeom>
+        </p:spPr>
+      </p:pic>
+      <p:pic>
+        <p:nvPicPr>
+          <p:cNvPr id="10" name="Image 9">
+            <a:extLst>
+              <a:ext uri="{FF2B5EF4-FFF2-40B4-BE49-F238E27FC236}">
+                <a16:creationId xmlns:a16="http://schemas.microsoft.com/office/drawing/2014/main" id="{E5C58E9B-0F7F-4AB5-BE0E-C628DC34FA8C}"/>
+              </a:ext>
+            </a:extLst>
+          </p:cNvPr>
+          <p:cNvPicPr>
+            <a:picLocks noChangeAspect="1"/>
+          </p:cNvPicPr>
+          <p:nvPr/>
+        </p:nvPicPr>
+        <p:blipFill>
+          <a:blip r:embed="rId8"/>
+          <a:stretch>
+            <a:fillRect/>
+          </a:stretch>
+        </p:blipFill>
+        <p:spPr>
+          <a:xfrm>
+            <a:off x="2288900" y="476044"/>
+            <a:ext cx="7600950" cy="5972175"/>
+          </a:xfrm>
+          <a:prstGeom prst="rect">
+            <a:avLst/>
+          </a:prstGeom>
+        </p:spPr>
+      </p:pic>
+      <p:pic>
+        <p:nvPicPr>
+          <p:cNvPr id="11" name="Image 10">
+            <a:extLst>
+              <a:ext uri="{FF2B5EF4-FFF2-40B4-BE49-F238E27FC236}">
+                <a16:creationId xmlns:a16="http://schemas.microsoft.com/office/drawing/2014/main" id="{C36870C4-5EBA-422D-825F-7069A9C83255}"/>
+              </a:ext>
+            </a:extLst>
+          </p:cNvPr>
+          <p:cNvPicPr>
+            <a:picLocks noChangeAspect="1"/>
+          </p:cNvPicPr>
+          <p:nvPr/>
+        </p:nvPicPr>
+        <p:blipFill>
+          <a:blip r:embed="rId9"/>
+          <a:stretch>
+            <a:fillRect/>
+          </a:stretch>
+        </p:blipFill>
+        <p:spPr>
+          <a:xfrm>
+            <a:off x="2290762" y="490537"/>
+            <a:ext cx="7610475" cy="5876925"/>
+          </a:xfrm>
+          <a:prstGeom prst="rect">
+            <a:avLst/>
+          </a:prstGeom>
+        </p:spPr>
+      </p:pic>
+    </p:spTree>
+    <p:extLst>
+      <p:ext uri="{BB962C8B-B14F-4D97-AF65-F5344CB8AC3E}">
+        <p14:creationId xmlns:p14="http://schemas.microsoft.com/office/powerpoint/2010/main" val="1656845032"/>
+      </p:ext>
+    </p:extLst>
+  </p:cSld>
+  <p:clrMapOvr>
+    <a:masterClrMapping/>
+  </p:clrMapOvr>
+  <p:timing>
+    <p:tnLst>
+      <p:par>
+        <p:cTn id="1" dur="indefinite" restart="never" nodeType="tmRoot">
+          <p:childTnLst>
+            <p:seq concurrent="1" nextAc="seek">
+              <p:cTn id="2" dur="indefinite" nodeType="mainSeq">
+                <p:childTnLst>
+                  <p:par>
+                    <p:cTn id="3" fill="hold">
+                      <p:stCondLst>
+                        <p:cond delay="indefinite"/>
+                      </p:stCondLst>
+                      <p:childTnLst>
+                        <p:par>
+                          <p:cTn id="4" fill="hold">
+                            <p:stCondLst>
+                              <p:cond delay="0"/>
+                            </p:stCondLst>
+                            <p:childTnLst>
+                              <p:par>
+                                <p:cTn id="5" presetID="10" presetClass="entr" presetSubtype="0" fill="hold" nodeType="clickEffect">
+                                  <p:stCondLst>
+                                    <p:cond delay="0"/>
+                                  </p:stCondLst>
+                                  <p:childTnLst>
+                                    <p:set>
+                                      <p:cBhvr>
+                                        <p:cTn id="6" dur="1" fill="hold">
+                                          <p:stCondLst>
+                                            <p:cond delay="0"/>
+                                          </p:stCondLst>
+                                        </p:cTn>
+                                        <p:tgtEl>
+                                          <p:spTgt spid="5"/>
+                                        </p:tgtEl>
+                                        <p:attrNameLst>
+                                          <p:attrName>style.visibility</p:attrName>
+                                        </p:attrNameLst>
+                                      </p:cBhvr>
+                                      <p:to>
+                                        <p:strVal val="visible"/>
+                                      </p:to>
+                                    </p:set>
+                                    <p:animEffect transition="in" filter="fade">
+                                      <p:cBhvr>
+                                        <p:cTn id="7" dur="500"/>
+                                        <p:tgtEl>
+                                          <p:spTgt spid="5"/>
+                                        </p:tgtEl>
+                                      </p:cBhvr>
+                                    </p:animEffect>
+                                  </p:childTnLst>
+                                </p:cTn>
+                              </p:par>
+                            </p:childTnLst>
+                          </p:cTn>
+                        </p:par>
+                      </p:childTnLst>
+                    </p:cTn>
+                  </p:par>
+                  <p:par>
+                    <p:cTn id="8" fill="hold">
+                      <p:stCondLst>
+                        <p:cond delay="indefinite"/>
+                      </p:stCondLst>
+                      <p:childTnLst>
+                        <p:par>
+                          <p:cTn id="9" fill="hold">
+                            <p:stCondLst>
+                              <p:cond delay="0"/>
+                            </p:stCondLst>
+                            <p:childTnLst>
+                              <p:par>
+                                <p:cTn id="10" presetID="10" presetClass="entr" presetSubtype="0" fill="hold" nodeType="clickEffect">
+                                  <p:stCondLst>
+                                    <p:cond delay="0"/>
+                                  </p:stCondLst>
+                                  <p:childTnLst>
+                                    <p:set>
+                                      <p:cBhvr>
+                                        <p:cTn id="11" dur="1" fill="hold">
+                                          <p:stCondLst>
+                                            <p:cond delay="0"/>
+                                          </p:stCondLst>
+                                        </p:cTn>
+                                        <p:tgtEl>
+                                          <p:spTgt spid="6"/>
+                                        </p:tgtEl>
+                                        <p:attrNameLst>
+                                          <p:attrName>style.visibility</p:attrName>
+                                        </p:attrNameLst>
+                                      </p:cBhvr>
+                                      <p:to>
+                                        <p:strVal val="visible"/>
+                                      </p:to>
+                                    </p:set>
+                                    <p:animEffect transition="in" filter="fade">
+                                      <p:cBhvr>
+                                        <p:cTn id="12" dur="500"/>
+                                        <p:tgtEl>
+                                          <p:spTgt spid="6"/>
+                                        </p:tgtEl>
+                                      </p:cBhvr>
+                                    </p:animEffect>
+                                  </p:childTnLst>
+                                </p:cTn>
+                              </p:par>
+                            </p:childTnLst>
+                          </p:cTn>
+                        </p:par>
+                      </p:childTnLst>
+                    </p:cTn>
+                  </p:par>
+                  <p:par>
+                    <p:cTn id="13" fill="hold">
+                      <p:stCondLst>
+                        <p:cond delay="indefinite"/>
+                      </p:stCondLst>
+                      <p:childTnLst>
+                        <p:par>
+                          <p:cTn id="14" fill="hold">
+                            <p:stCondLst>
+                              <p:cond delay="0"/>
+                            </p:stCondLst>
+                            <p:childTnLst>
+                              <p:par>
+                                <p:cTn id="15" presetID="10" presetClass="entr" presetSubtype="0" fill="hold" nodeType="clickEffect">
+                                  <p:stCondLst>
+                                    <p:cond delay="0"/>
+                                  </p:stCondLst>
+                                  <p:childTnLst>
+                                    <p:set>
+                                      <p:cBhvr>
+                                        <p:cTn id="16" dur="1" fill="hold">
+                                          <p:stCondLst>
+                                            <p:cond delay="0"/>
+                                          </p:stCondLst>
+                                        </p:cTn>
+                                        <p:tgtEl>
+                                          <p:spTgt spid="7"/>
+                                        </p:tgtEl>
+                                        <p:attrNameLst>
+                                          <p:attrName>style.visibility</p:attrName>
+                                        </p:attrNameLst>
+                                      </p:cBhvr>
+                                      <p:to>
+                                        <p:strVal val="visible"/>
+                                      </p:to>
+                                    </p:set>
+                                    <p:animEffect transition="in" filter="fade">
+                                      <p:cBhvr>
+                                        <p:cTn id="17" dur="500"/>
+                                        <p:tgtEl>
+                                          <p:spTgt spid="7"/>
+                                        </p:tgtEl>
+                                      </p:cBhvr>
+                                    </p:animEffect>
+                                  </p:childTnLst>
+                                </p:cTn>
+                              </p:par>
+                            </p:childTnLst>
+                          </p:cTn>
+                        </p:par>
+                      </p:childTnLst>
+                    </p:cTn>
+                  </p:par>
+                  <p:par>
+                    <p:cTn id="18" fill="hold">
+                      <p:stCondLst>
+                        <p:cond delay="indefinite"/>
+                      </p:stCondLst>
+                      <p:childTnLst>
+                        <p:par>
+                          <p:cTn id="19" fill="hold">
+                            <p:stCondLst>
+                              <p:cond delay="0"/>
+                            </p:stCondLst>
+                            <p:childTnLst>
+                              <p:par>
+                                <p:cTn id="20" presetID="10" presetClass="entr" presetSubtype="0" fill="hold" nodeType="clickEffect">
+                                  <p:stCondLst>
+                                    <p:cond delay="0"/>
+                                  </p:stCondLst>
+                                  <p:childTnLst>
+                                    <p:set>
+                                      <p:cBhvr>
+                                        <p:cTn id="21" dur="1" fill="hold">
+                                          <p:stCondLst>
+                                            <p:cond delay="0"/>
+                                          </p:stCondLst>
+                                        </p:cTn>
+                                        <p:tgtEl>
+                                          <p:spTgt spid="8"/>
+                                        </p:tgtEl>
+                                        <p:attrNameLst>
+                                          <p:attrName>style.visibility</p:attrName>
+                                        </p:attrNameLst>
+                                      </p:cBhvr>
+                                      <p:to>
+                                        <p:strVal val="visible"/>
+                                      </p:to>
+                                    </p:set>
+                                    <p:animEffect transition="in" filter="fade">
+                                      <p:cBhvr>
+                                        <p:cTn id="22" dur="500"/>
+                                        <p:tgtEl>
+                                          <p:spTgt spid="8"/>
+                                        </p:tgtEl>
+                                      </p:cBhvr>
+                                    </p:animEffect>
+                                  </p:childTnLst>
+                                </p:cTn>
+                              </p:par>
+                            </p:childTnLst>
+                          </p:cTn>
+                        </p:par>
+                      </p:childTnLst>
+                    </p:cTn>
+                  </p:par>
+                  <p:par>
+                    <p:cTn id="23" fill="hold">
+                      <p:stCondLst>
+                        <p:cond delay="indefinite"/>
+                      </p:stCondLst>
+                      <p:childTnLst>
+                        <p:par>
+                          <p:cTn id="24" fill="hold">
+                            <p:stCondLst>
+                              <p:cond delay="0"/>
+                            </p:stCondLst>
+                            <p:childTnLst>
+                              <p:par>
+                                <p:cTn id="25" presetID="10" presetClass="entr" presetSubtype="0" fill="hold" nodeType="clickEffect">
+                                  <p:stCondLst>
+                                    <p:cond delay="0"/>
+                                  </p:stCondLst>
+                                  <p:childTnLst>
+                                    <p:set>
+                                      <p:cBhvr>
+                                        <p:cTn id="26" dur="1" fill="hold">
+                                          <p:stCondLst>
+                                            <p:cond delay="0"/>
+                                          </p:stCondLst>
+                                        </p:cTn>
+                                        <p:tgtEl>
+                                          <p:spTgt spid="9"/>
+                                        </p:tgtEl>
+                                        <p:attrNameLst>
+                                          <p:attrName>style.visibility</p:attrName>
+                                        </p:attrNameLst>
+                                      </p:cBhvr>
+                                      <p:to>
+                                        <p:strVal val="visible"/>
+                                      </p:to>
+                                    </p:set>
+                                    <p:animEffect transition="in" filter="fade">
+                                      <p:cBhvr>
+                                        <p:cTn id="27" dur="500"/>
+                                        <p:tgtEl>
+                                          <p:spTgt spid="9"/>
+                                        </p:tgtEl>
+                                      </p:cBhvr>
+                                    </p:animEffect>
+                                  </p:childTnLst>
+                                </p:cTn>
+                              </p:par>
+                            </p:childTnLst>
+                          </p:cTn>
+                        </p:par>
+                      </p:childTnLst>
+                    </p:cTn>
+                  </p:par>
+                  <p:par>
+                    <p:cTn id="28" fill="hold">
+                      <p:stCondLst>
+                        <p:cond delay="indefinite"/>
+                      </p:stCondLst>
+                      <p:childTnLst>
+                        <p:par>
+                          <p:cTn id="29" fill="hold">
+                            <p:stCondLst>
+                              <p:cond delay="0"/>
+                            </p:stCondLst>
+                            <p:childTnLst>
+                              <p:par>
+                                <p:cTn id="30" presetID="10" presetClass="entr" presetSubtype="0" fill="hold" nodeType="clickEffect">
+                                  <p:stCondLst>
+                                    <p:cond delay="0"/>
+                                  </p:stCondLst>
+                                  <p:childTnLst>
+                                    <p:set>
+                                      <p:cBhvr>
+                                        <p:cTn id="31" dur="1" fill="hold">
+                                          <p:stCondLst>
+                                            <p:cond delay="0"/>
+                                          </p:stCondLst>
+                                        </p:cTn>
+                                        <p:tgtEl>
+                                          <p:spTgt spid="10"/>
+                                        </p:tgtEl>
+                                        <p:attrNameLst>
+                                          <p:attrName>style.visibility</p:attrName>
+                                        </p:attrNameLst>
+                                      </p:cBhvr>
+                                      <p:to>
+                                        <p:strVal val="visible"/>
+                                      </p:to>
+                                    </p:set>
+                                    <p:animEffect transition="in" filter="fade">
+                                      <p:cBhvr>
+                                        <p:cTn id="32" dur="500"/>
+                                        <p:tgtEl>
+                                          <p:spTgt spid="10"/>
+                                        </p:tgtEl>
+                                      </p:cBhvr>
+                                    </p:animEffect>
+                                  </p:childTnLst>
+                                </p:cTn>
+                              </p:par>
+                            </p:childTnLst>
+                          </p:cTn>
+                        </p:par>
+                      </p:childTnLst>
+                    </p:cTn>
+                  </p:par>
+                  <p:par>
+                    <p:cTn id="33" fill="hold">
+                      <p:stCondLst>
+                        <p:cond delay="indefinite"/>
+                      </p:stCondLst>
+                      <p:childTnLst>
+                        <p:par>
+                          <p:cTn id="34" fill="hold">
+                            <p:stCondLst>
+                              <p:cond delay="0"/>
+                            </p:stCondLst>
+                            <p:childTnLst>
+                              <p:par>
+                                <p:cTn id="35" presetID="10" presetClass="entr" presetSubtype="0" fill="hold" nodeType="clickEffect">
+                                  <p:stCondLst>
+                                    <p:cond delay="0"/>
+                                  </p:stCondLst>
+                                  <p:childTnLst>
+                                    <p:set>
+                                      <p:cBhvr>
+                                        <p:cTn id="36" dur="1" fill="hold">
+                                          <p:stCondLst>
+                                            <p:cond delay="0"/>
+                                          </p:stCondLst>
+                                        </p:cTn>
+                                        <p:tgtEl>
+                                          <p:spTgt spid="11"/>
+                                        </p:tgtEl>
+                                        <p:attrNameLst>
+                                          <p:attrName>style.visibility</p:attrName>
+                                        </p:attrNameLst>
+                                      </p:cBhvr>
+                                      <p:to>
+                                        <p:strVal val="visible"/>
+                                      </p:to>
+                                    </p:set>
+                                    <p:animEffect transition="in" filter="fade">
+                                      <p:cBhvr>
+                                        <p:cTn id="37" dur="500"/>
+                                        <p:tgtEl>
+                                          <p:spTgt spid="11"/>
+                                        </p:tgtEl>
+                                      </p:cBhvr>
+                                    </p:animEffect>
                                   </p:childTnLst>
                                 </p:cTn>
                               </p:par>

--- a/Mini-projet G4 Camoesas-Jousseaume-Lebourhis.pptx
+++ b/Mini-projet G4 Camoesas-Jousseaume-Lebourhis.pptx
@@ -6,16 +6,17 @@
   </p:sldMasterIdLst>
   <p:sldIdLst>
     <p:sldId id="256" r:id="rId2"/>
-    <p:sldId id="257" r:id="rId3"/>
-    <p:sldId id="259" r:id="rId4"/>
-    <p:sldId id="260" r:id="rId5"/>
-    <p:sldId id="261" r:id="rId6"/>
-    <p:sldId id="262" r:id="rId7"/>
-    <p:sldId id="263" r:id="rId8"/>
-    <p:sldId id="264" r:id="rId9"/>
-    <p:sldId id="265" r:id="rId10"/>
-    <p:sldId id="266" r:id="rId11"/>
-    <p:sldId id="267" r:id="rId12"/>
+    <p:sldId id="268" r:id="rId3"/>
+    <p:sldId id="257" r:id="rId4"/>
+    <p:sldId id="259" r:id="rId5"/>
+    <p:sldId id="260" r:id="rId6"/>
+    <p:sldId id="261" r:id="rId7"/>
+    <p:sldId id="262" r:id="rId8"/>
+    <p:sldId id="263" r:id="rId9"/>
+    <p:sldId id="264" r:id="rId10"/>
+    <p:sldId id="265" r:id="rId11"/>
+    <p:sldId id="266" r:id="rId12"/>
+    <p:sldId id="267" r:id="rId13"/>
   </p:sldIdLst>
   <p:sldSz cx="12192000" cy="6858000"/>
   <p:notesSz cx="6858000" cy="9144000"/>
@@ -4031,6 +4032,700 @@
           <p:cNvPr id="4" name="ZoneTexte 3">
             <a:extLst>
               <a:ext uri="{FF2B5EF4-FFF2-40B4-BE49-F238E27FC236}">
+                <a16:creationId xmlns:a16="http://schemas.microsoft.com/office/drawing/2014/main" id="{D070A3EA-DF0E-4533-BDA4-259E3FDBEF2E}"/>
+              </a:ext>
+            </a:extLst>
+          </p:cNvPr>
+          <p:cNvSpPr txBox="1"/>
+          <p:nvPr/>
+        </p:nvSpPr>
+        <p:spPr>
+          <a:xfrm>
+            <a:off x="3803374" y="0"/>
+            <a:ext cx="4585252" cy="400110"/>
+          </a:xfrm>
+          <a:prstGeom prst="rect">
+            <a:avLst/>
+          </a:prstGeom>
+          <a:solidFill>
+            <a:schemeClr val="bg2"/>
+          </a:solidFill>
+        </p:spPr>
+        <p:txBody>
+          <a:bodyPr wrap="square" rtlCol="0">
+            <a:spAutoFit/>
+          </a:bodyPr>
+          <a:lstStyle/>
+          <a:p>
+            <a:pPr algn="ctr"/>
+            <a:r>
+              <a:rPr lang="fr-FR" sz="2000" dirty="0"/>
+              <a:t>Compilation</a:t>
+            </a:r>
+          </a:p>
+        </p:txBody>
+      </p:sp>
+      <p:pic>
+        <p:nvPicPr>
+          <p:cNvPr id="5" name="Image 4">
+            <a:extLst>
+              <a:ext uri="{FF2B5EF4-FFF2-40B4-BE49-F238E27FC236}">
+                <a16:creationId xmlns:a16="http://schemas.microsoft.com/office/drawing/2014/main" id="{E33AFF6C-EBF8-4831-A360-123D27F89087}"/>
+              </a:ext>
+            </a:extLst>
+          </p:cNvPr>
+          <p:cNvPicPr>
+            <a:picLocks noChangeAspect="1"/>
+          </p:cNvPicPr>
+          <p:nvPr/>
+        </p:nvPicPr>
+        <p:blipFill>
+          <a:blip r:embed="rId3"/>
+          <a:stretch>
+            <a:fillRect/>
+          </a:stretch>
+        </p:blipFill>
+        <p:spPr>
+          <a:xfrm>
+            <a:off x="2295525" y="447675"/>
+            <a:ext cx="7600950" cy="5962650"/>
+          </a:xfrm>
+          <a:prstGeom prst="rect">
+            <a:avLst/>
+          </a:prstGeom>
+        </p:spPr>
+      </p:pic>
+      <p:pic>
+        <p:nvPicPr>
+          <p:cNvPr id="6" name="Image 5">
+            <a:extLst>
+              <a:ext uri="{FF2B5EF4-FFF2-40B4-BE49-F238E27FC236}">
+                <a16:creationId xmlns:a16="http://schemas.microsoft.com/office/drawing/2014/main" id="{D8714928-D502-41A4-8175-325368034E01}"/>
+              </a:ext>
+            </a:extLst>
+          </p:cNvPr>
+          <p:cNvPicPr>
+            <a:picLocks noChangeAspect="1"/>
+          </p:cNvPicPr>
+          <p:nvPr/>
+        </p:nvPicPr>
+        <p:blipFill>
+          <a:blip r:embed="rId4"/>
+          <a:stretch>
+            <a:fillRect/>
+          </a:stretch>
+        </p:blipFill>
+        <p:spPr>
+          <a:xfrm>
+            <a:off x="2295525" y="457140"/>
+            <a:ext cx="7629525" cy="6000750"/>
+          </a:xfrm>
+          <a:prstGeom prst="rect">
+            <a:avLst/>
+          </a:prstGeom>
+        </p:spPr>
+      </p:pic>
+      <p:pic>
+        <p:nvPicPr>
+          <p:cNvPr id="7" name="Image 6">
+            <a:extLst>
+              <a:ext uri="{FF2B5EF4-FFF2-40B4-BE49-F238E27FC236}">
+                <a16:creationId xmlns:a16="http://schemas.microsoft.com/office/drawing/2014/main" id="{7AD6F454-57E4-4C43-8C6C-8DE1C8A3FDAC}"/>
+              </a:ext>
+            </a:extLst>
+          </p:cNvPr>
+          <p:cNvPicPr>
+            <a:picLocks noChangeAspect="1"/>
+          </p:cNvPicPr>
+          <p:nvPr/>
+        </p:nvPicPr>
+        <p:blipFill>
+          <a:blip r:embed="rId5"/>
+          <a:stretch>
+            <a:fillRect/>
+          </a:stretch>
+        </p:blipFill>
+        <p:spPr>
+          <a:xfrm>
+            <a:off x="2305050" y="468796"/>
+            <a:ext cx="7620000" cy="5991225"/>
+          </a:xfrm>
+          <a:prstGeom prst="rect">
+            <a:avLst/>
+          </a:prstGeom>
+        </p:spPr>
+      </p:pic>
+      <p:pic>
+        <p:nvPicPr>
+          <p:cNvPr id="8" name="Image 7">
+            <a:extLst>
+              <a:ext uri="{FF2B5EF4-FFF2-40B4-BE49-F238E27FC236}">
+                <a16:creationId xmlns:a16="http://schemas.microsoft.com/office/drawing/2014/main" id="{B3B8FC31-E766-43A0-A38A-34CFA3FA7C30}"/>
+              </a:ext>
+            </a:extLst>
+          </p:cNvPr>
+          <p:cNvPicPr>
+            <a:picLocks noChangeAspect="1"/>
+          </p:cNvPicPr>
+          <p:nvPr/>
+        </p:nvPicPr>
+        <p:blipFill>
+          <a:blip r:embed="rId6"/>
+          <a:stretch>
+            <a:fillRect/>
+          </a:stretch>
+        </p:blipFill>
+        <p:spPr>
+          <a:xfrm>
+            <a:off x="2333625" y="476130"/>
+            <a:ext cx="7600950" cy="5991225"/>
+          </a:xfrm>
+          <a:prstGeom prst="rect">
+            <a:avLst/>
+          </a:prstGeom>
+        </p:spPr>
+      </p:pic>
+      <p:pic>
+        <p:nvPicPr>
+          <p:cNvPr id="9" name="Image 8">
+            <a:extLst>
+              <a:ext uri="{FF2B5EF4-FFF2-40B4-BE49-F238E27FC236}">
+                <a16:creationId xmlns:a16="http://schemas.microsoft.com/office/drawing/2014/main" id="{9147275A-4A14-43F2-9F30-958D75E9F97C}"/>
+              </a:ext>
+            </a:extLst>
+          </p:cNvPr>
+          <p:cNvPicPr>
+            <a:picLocks noChangeAspect="1"/>
+          </p:cNvPicPr>
+          <p:nvPr/>
+        </p:nvPicPr>
+        <p:blipFill>
+          <a:blip r:embed="rId7"/>
+          <a:stretch>
+            <a:fillRect/>
+          </a:stretch>
+        </p:blipFill>
+        <p:spPr>
+          <a:xfrm>
+            <a:off x="2300287" y="453265"/>
+            <a:ext cx="7591425" cy="5991225"/>
+          </a:xfrm>
+          <a:prstGeom prst="rect">
+            <a:avLst/>
+          </a:prstGeom>
+        </p:spPr>
+      </p:pic>
+      <p:pic>
+        <p:nvPicPr>
+          <p:cNvPr id="10" name="Image 9">
+            <a:extLst>
+              <a:ext uri="{FF2B5EF4-FFF2-40B4-BE49-F238E27FC236}">
+                <a16:creationId xmlns:a16="http://schemas.microsoft.com/office/drawing/2014/main" id="{E5C58E9B-0F7F-4AB5-BE0E-C628DC34FA8C}"/>
+              </a:ext>
+            </a:extLst>
+          </p:cNvPr>
+          <p:cNvPicPr>
+            <a:picLocks noChangeAspect="1"/>
+          </p:cNvPicPr>
+          <p:nvPr/>
+        </p:nvPicPr>
+        <p:blipFill>
+          <a:blip r:embed="rId8"/>
+          <a:stretch>
+            <a:fillRect/>
+          </a:stretch>
+        </p:blipFill>
+        <p:spPr>
+          <a:xfrm>
+            <a:off x="2288900" y="476044"/>
+            <a:ext cx="7600950" cy="5972175"/>
+          </a:xfrm>
+          <a:prstGeom prst="rect">
+            <a:avLst/>
+          </a:prstGeom>
+        </p:spPr>
+      </p:pic>
+      <p:pic>
+        <p:nvPicPr>
+          <p:cNvPr id="11" name="Image 10">
+            <a:extLst>
+              <a:ext uri="{FF2B5EF4-FFF2-40B4-BE49-F238E27FC236}">
+                <a16:creationId xmlns:a16="http://schemas.microsoft.com/office/drawing/2014/main" id="{C36870C4-5EBA-422D-825F-7069A9C83255}"/>
+              </a:ext>
+            </a:extLst>
+          </p:cNvPr>
+          <p:cNvPicPr>
+            <a:picLocks noChangeAspect="1"/>
+          </p:cNvPicPr>
+          <p:nvPr/>
+        </p:nvPicPr>
+        <p:blipFill>
+          <a:blip r:embed="rId9"/>
+          <a:stretch>
+            <a:fillRect/>
+          </a:stretch>
+        </p:blipFill>
+        <p:spPr>
+          <a:xfrm>
+            <a:off x="2290762" y="490537"/>
+            <a:ext cx="7610475" cy="5876925"/>
+          </a:xfrm>
+          <a:prstGeom prst="rect">
+            <a:avLst/>
+          </a:prstGeom>
+        </p:spPr>
+      </p:pic>
+    </p:spTree>
+    <p:extLst>
+      <p:ext uri="{BB962C8B-B14F-4D97-AF65-F5344CB8AC3E}">
+        <p14:creationId xmlns:p14="http://schemas.microsoft.com/office/powerpoint/2010/main" val="1656845032"/>
+      </p:ext>
+    </p:extLst>
+  </p:cSld>
+  <p:clrMapOvr>
+    <a:masterClrMapping/>
+  </p:clrMapOvr>
+  <p:timing>
+    <p:tnLst>
+      <p:par>
+        <p:cTn id="1" dur="indefinite" restart="never" nodeType="tmRoot">
+          <p:childTnLst>
+            <p:seq concurrent="1" nextAc="seek">
+              <p:cTn id="2" dur="indefinite" nodeType="mainSeq">
+                <p:childTnLst>
+                  <p:par>
+                    <p:cTn id="3" fill="hold">
+                      <p:stCondLst>
+                        <p:cond delay="indefinite"/>
+                      </p:stCondLst>
+                      <p:childTnLst>
+                        <p:par>
+                          <p:cTn id="4" fill="hold">
+                            <p:stCondLst>
+                              <p:cond delay="0"/>
+                            </p:stCondLst>
+                            <p:childTnLst>
+                              <p:par>
+                                <p:cTn id="5" presetID="10" presetClass="entr" presetSubtype="0" fill="hold" nodeType="clickEffect">
+                                  <p:stCondLst>
+                                    <p:cond delay="0"/>
+                                  </p:stCondLst>
+                                  <p:childTnLst>
+                                    <p:set>
+                                      <p:cBhvr>
+                                        <p:cTn id="6" dur="1" fill="hold">
+                                          <p:stCondLst>
+                                            <p:cond delay="0"/>
+                                          </p:stCondLst>
+                                        </p:cTn>
+                                        <p:tgtEl>
+                                          <p:spTgt spid="5"/>
+                                        </p:tgtEl>
+                                        <p:attrNameLst>
+                                          <p:attrName>style.visibility</p:attrName>
+                                        </p:attrNameLst>
+                                      </p:cBhvr>
+                                      <p:to>
+                                        <p:strVal val="visible"/>
+                                      </p:to>
+                                    </p:set>
+                                    <p:animEffect transition="in" filter="fade">
+                                      <p:cBhvr>
+                                        <p:cTn id="7" dur="500"/>
+                                        <p:tgtEl>
+                                          <p:spTgt spid="5"/>
+                                        </p:tgtEl>
+                                      </p:cBhvr>
+                                    </p:animEffect>
+                                  </p:childTnLst>
+                                </p:cTn>
+                              </p:par>
+                            </p:childTnLst>
+                          </p:cTn>
+                        </p:par>
+                      </p:childTnLst>
+                    </p:cTn>
+                  </p:par>
+                  <p:par>
+                    <p:cTn id="8" fill="hold">
+                      <p:stCondLst>
+                        <p:cond delay="indefinite"/>
+                      </p:stCondLst>
+                      <p:childTnLst>
+                        <p:par>
+                          <p:cTn id="9" fill="hold">
+                            <p:stCondLst>
+                              <p:cond delay="0"/>
+                            </p:stCondLst>
+                            <p:childTnLst>
+                              <p:par>
+                                <p:cTn id="10" presetID="10" presetClass="entr" presetSubtype="0" fill="hold" nodeType="clickEffect">
+                                  <p:stCondLst>
+                                    <p:cond delay="0"/>
+                                  </p:stCondLst>
+                                  <p:childTnLst>
+                                    <p:set>
+                                      <p:cBhvr>
+                                        <p:cTn id="11" dur="1" fill="hold">
+                                          <p:stCondLst>
+                                            <p:cond delay="0"/>
+                                          </p:stCondLst>
+                                        </p:cTn>
+                                        <p:tgtEl>
+                                          <p:spTgt spid="6"/>
+                                        </p:tgtEl>
+                                        <p:attrNameLst>
+                                          <p:attrName>style.visibility</p:attrName>
+                                        </p:attrNameLst>
+                                      </p:cBhvr>
+                                      <p:to>
+                                        <p:strVal val="visible"/>
+                                      </p:to>
+                                    </p:set>
+                                    <p:animEffect transition="in" filter="fade">
+                                      <p:cBhvr>
+                                        <p:cTn id="12" dur="500"/>
+                                        <p:tgtEl>
+                                          <p:spTgt spid="6"/>
+                                        </p:tgtEl>
+                                      </p:cBhvr>
+                                    </p:animEffect>
+                                  </p:childTnLst>
+                                </p:cTn>
+                              </p:par>
+                            </p:childTnLst>
+                          </p:cTn>
+                        </p:par>
+                      </p:childTnLst>
+                    </p:cTn>
+                  </p:par>
+                  <p:par>
+                    <p:cTn id="13" fill="hold">
+                      <p:stCondLst>
+                        <p:cond delay="indefinite"/>
+                      </p:stCondLst>
+                      <p:childTnLst>
+                        <p:par>
+                          <p:cTn id="14" fill="hold">
+                            <p:stCondLst>
+                              <p:cond delay="0"/>
+                            </p:stCondLst>
+                            <p:childTnLst>
+                              <p:par>
+                                <p:cTn id="15" presetID="10" presetClass="entr" presetSubtype="0" fill="hold" nodeType="clickEffect">
+                                  <p:stCondLst>
+                                    <p:cond delay="0"/>
+                                  </p:stCondLst>
+                                  <p:childTnLst>
+                                    <p:set>
+                                      <p:cBhvr>
+                                        <p:cTn id="16" dur="1" fill="hold">
+                                          <p:stCondLst>
+                                            <p:cond delay="0"/>
+                                          </p:stCondLst>
+                                        </p:cTn>
+                                        <p:tgtEl>
+                                          <p:spTgt spid="7"/>
+                                        </p:tgtEl>
+                                        <p:attrNameLst>
+                                          <p:attrName>style.visibility</p:attrName>
+                                        </p:attrNameLst>
+                                      </p:cBhvr>
+                                      <p:to>
+                                        <p:strVal val="visible"/>
+                                      </p:to>
+                                    </p:set>
+                                    <p:animEffect transition="in" filter="fade">
+                                      <p:cBhvr>
+                                        <p:cTn id="17" dur="500"/>
+                                        <p:tgtEl>
+                                          <p:spTgt spid="7"/>
+                                        </p:tgtEl>
+                                      </p:cBhvr>
+                                    </p:animEffect>
+                                  </p:childTnLst>
+                                </p:cTn>
+                              </p:par>
+                            </p:childTnLst>
+                          </p:cTn>
+                        </p:par>
+                      </p:childTnLst>
+                    </p:cTn>
+                  </p:par>
+                  <p:par>
+                    <p:cTn id="18" fill="hold">
+                      <p:stCondLst>
+                        <p:cond delay="indefinite"/>
+                      </p:stCondLst>
+                      <p:childTnLst>
+                        <p:par>
+                          <p:cTn id="19" fill="hold">
+                            <p:stCondLst>
+                              <p:cond delay="0"/>
+                            </p:stCondLst>
+                            <p:childTnLst>
+                              <p:par>
+                                <p:cTn id="20" presetID="10" presetClass="entr" presetSubtype="0" fill="hold" nodeType="clickEffect">
+                                  <p:stCondLst>
+                                    <p:cond delay="0"/>
+                                  </p:stCondLst>
+                                  <p:childTnLst>
+                                    <p:set>
+                                      <p:cBhvr>
+                                        <p:cTn id="21" dur="1" fill="hold">
+                                          <p:stCondLst>
+                                            <p:cond delay="0"/>
+                                          </p:stCondLst>
+                                        </p:cTn>
+                                        <p:tgtEl>
+                                          <p:spTgt spid="8"/>
+                                        </p:tgtEl>
+                                        <p:attrNameLst>
+                                          <p:attrName>style.visibility</p:attrName>
+                                        </p:attrNameLst>
+                                      </p:cBhvr>
+                                      <p:to>
+                                        <p:strVal val="visible"/>
+                                      </p:to>
+                                    </p:set>
+                                    <p:animEffect transition="in" filter="fade">
+                                      <p:cBhvr>
+                                        <p:cTn id="22" dur="500"/>
+                                        <p:tgtEl>
+                                          <p:spTgt spid="8"/>
+                                        </p:tgtEl>
+                                      </p:cBhvr>
+                                    </p:animEffect>
+                                  </p:childTnLst>
+                                </p:cTn>
+                              </p:par>
+                            </p:childTnLst>
+                          </p:cTn>
+                        </p:par>
+                      </p:childTnLst>
+                    </p:cTn>
+                  </p:par>
+                  <p:par>
+                    <p:cTn id="23" fill="hold">
+                      <p:stCondLst>
+                        <p:cond delay="indefinite"/>
+                      </p:stCondLst>
+                      <p:childTnLst>
+                        <p:par>
+                          <p:cTn id="24" fill="hold">
+                            <p:stCondLst>
+                              <p:cond delay="0"/>
+                            </p:stCondLst>
+                            <p:childTnLst>
+                              <p:par>
+                                <p:cTn id="25" presetID="10" presetClass="entr" presetSubtype="0" fill="hold" nodeType="clickEffect">
+                                  <p:stCondLst>
+                                    <p:cond delay="0"/>
+                                  </p:stCondLst>
+                                  <p:childTnLst>
+                                    <p:set>
+                                      <p:cBhvr>
+                                        <p:cTn id="26" dur="1" fill="hold">
+                                          <p:stCondLst>
+                                            <p:cond delay="0"/>
+                                          </p:stCondLst>
+                                        </p:cTn>
+                                        <p:tgtEl>
+                                          <p:spTgt spid="9"/>
+                                        </p:tgtEl>
+                                        <p:attrNameLst>
+                                          <p:attrName>style.visibility</p:attrName>
+                                        </p:attrNameLst>
+                                      </p:cBhvr>
+                                      <p:to>
+                                        <p:strVal val="visible"/>
+                                      </p:to>
+                                    </p:set>
+                                    <p:animEffect transition="in" filter="fade">
+                                      <p:cBhvr>
+                                        <p:cTn id="27" dur="500"/>
+                                        <p:tgtEl>
+                                          <p:spTgt spid="9"/>
+                                        </p:tgtEl>
+                                      </p:cBhvr>
+                                    </p:animEffect>
+                                  </p:childTnLst>
+                                </p:cTn>
+                              </p:par>
+                            </p:childTnLst>
+                          </p:cTn>
+                        </p:par>
+                      </p:childTnLst>
+                    </p:cTn>
+                  </p:par>
+                  <p:par>
+                    <p:cTn id="28" fill="hold">
+                      <p:stCondLst>
+                        <p:cond delay="indefinite"/>
+                      </p:stCondLst>
+                      <p:childTnLst>
+                        <p:par>
+                          <p:cTn id="29" fill="hold">
+                            <p:stCondLst>
+                              <p:cond delay="0"/>
+                            </p:stCondLst>
+                            <p:childTnLst>
+                              <p:par>
+                                <p:cTn id="30" presetID="10" presetClass="entr" presetSubtype="0" fill="hold" nodeType="clickEffect">
+                                  <p:stCondLst>
+                                    <p:cond delay="0"/>
+                                  </p:stCondLst>
+                                  <p:childTnLst>
+                                    <p:set>
+                                      <p:cBhvr>
+                                        <p:cTn id="31" dur="1" fill="hold">
+                                          <p:stCondLst>
+                                            <p:cond delay="0"/>
+                                          </p:stCondLst>
+                                        </p:cTn>
+                                        <p:tgtEl>
+                                          <p:spTgt spid="10"/>
+                                        </p:tgtEl>
+                                        <p:attrNameLst>
+                                          <p:attrName>style.visibility</p:attrName>
+                                        </p:attrNameLst>
+                                      </p:cBhvr>
+                                      <p:to>
+                                        <p:strVal val="visible"/>
+                                      </p:to>
+                                    </p:set>
+                                    <p:animEffect transition="in" filter="fade">
+                                      <p:cBhvr>
+                                        <p:cTn id="32" dur="500"/>
+                                        <p:tgtEl>
+                                          <p:spTgt spid="10"/>
+                                        </p:tgtEl>
+                                      </p:cBhvr>
+                                    </p:animEffect>
+                                  </p:childTnLst>
+                                </p:cTn>
+                              </p:par>
+                            </p:childTnLst>
+                          </p:cTn>
+                        </p:par>
+                      </p:childTnLst>
+                    </p:cTn>
+                  </p:par>
+                  <p:par>
+                    <p:cTn id="33" fill="hold">
+                      <p:stCondLst>
+                        <p:cond delay="indefinite"/>
+                      </p:stCondLst>
+                      <p:childTnLst>
+                        <p:par>
+                          <p:cTn id="34" fill="hold">
+                            <p:stCondLst>
+                              <p:cond delay="0"/>
+                            </p:stCondLst>
+                            <p:childTnLst>
+                              <p:par>
+                                <p:cTn id="35" presetID="10" presetClass="entr" presetSubtype="0" fill="hold" nodeType="clickEffect">
+                                  <p:stCondLst>
+                                    <p:cond delay="0"/>
+                                  </p:stCondLst>
+                                  <p:childTnLst>
+                                    <p:set>
+                                      <p:cBhvr>
+                                        <p:cTn id="36" dur="1" fill="hold">
+                                          <p:stCondLst>
+                                            <p:cond delay="0"/>
+                                          </p:stCondLst>
+                                        </p:cTn>
+                                        <p:tgtEl>
+                                          <p:spTgt spid="11"/>
+                                        </p:tgtEl>
+                                        <p:attrNameLst>
+                                          <p:attrName>style.visibility</p:attrName>
+                                        </p:attrNameLst>
+                                      </p:cBhvr>
+                                      <p:to>
+                                        <p:strVal val="visible"/>
+                                      </p:to>
+                                    </p:set>
+                                    <p:animEffect transition="in" filter="fade">
+                                      <p:cBhvr>
+                                        <p:cTn id="37" dur="500"/>
+                                        <p:tgtEl>
+                                          <p:spTgt spid="11"/>
+                                        </p:tgtEl>
+                                      </p:cBhvr>
+                                    </p:animEffect>
+                                  </p:childTnLst>
+                                </p:cTn>
+                              </p:par>
+                            </p:childTnLst>
+                          </p:cTn>
+                        </p:par>
+                      </p:childTnLst>
+                    </p:cTn>
+                  </p:par>
+                </p:childTnLst>
+              </p:cTn>
+              <p:prevCondLst>
+                <p:cond evt="onPrev" delay="0">
+                  <p:tgtEl>
+                    <p:sldTgt/>
+                  </p:tgtEl>
+                </p:cond>
+              </p:prevCondLst>
+              <p:nextCondLst>
+                <p:cond evt="onNext" delay="0">
+                  <p:tgtEl>
+                    <p:sldTgt/>
+                  </p:tgtEl>
+                </p:cond>
+              </p:nextCondLst>
+            </p:seq>
+          </p:childTnLst>
+        </p:cTn>
+      </p:par>
+    </p:tnLst>
+  </p:timing>
+</p:sld>
+</file>
+
+<file path=ppt/slides/slide11.xml><?xml version="1.0" encoding="utf-8"?>
+<p:sld xmlns:a="http://schemas.openxmlformats.org/drawingml/2006/main" xmlns:r="http://schemas.openxmlformats.org/officeDocument/2006/relationships" xmlns:p="http://schemas.openxmlformats.org/presentationml/2006/main">
+  <p:cSld>
+    <p:bg>
+      <p:bgPr>
+        <a:blipFill dpi="0" rotWithShape="1">
+          <a:blip r:embed="rId2">
+            <a:alphaModFix amt="96000"/>
+            <a:lum/>
+          </a:blip>
+          <a:srcRect/>
+          <a:stretch>
+            <a:fillRect t="-13000" b="-13000"/>
+          </a:stretch>
+        </a:blipFill>
+        <a:effectLst/>
+      </p:bgPr>
+    </p:bg>
+    <p:spTree>
+      <p:nvGrpSpPr>
+        <p:cNvPr id="1" name=""/>
+        <p:cNvGrpSpPr/>
+        <p:nvPr/>
+      </p:nvGrpSpPr>
+      <p:grpSpPr>
+        <a:xfrm>
+          <a:off x="0" y="0"/>
+          <a:ext cx="0" cy="0"/>
+          <a:chOff x="0" y="0"/>
+          <a:chExt cx="0" cy="0"/>
+        </a:xfrm>
+      </p:grpSpPr>
+      <p:sp>
+        <p:nvSpPr>
+          <p:cNvPr id="4" name="ZoneTexte 3">
+            <a:extLst>
+              <a:ext uri="{FF2B5EF4-FFF2-40B4-BE49-F238E27FC236}">
                 <a16:creationId xmlns:a16="http://schemas.microsoft.com/office/drawing/2014/main" id="{0EB358E9-B42C-4DE8-93E8-4FE14F9720CC}"/>
               </a:ext>
             </a:extLst>
@@ -4728,7 +5423,7 @@
 </p:sld>
 </file>
 
-<file path=ppt/slides/slide11.xml><?xml version="1.0" encoding="utf-8"?>
+<file path=ppt/slides/slide12.xml><?xml version="1.0" encoding="utf-8"?>
 <p:sld xmlns:a="http://schemas.openxmlformats.org/drawingml/2006/main" xmlns:r="http://schemas.openxmlformats.org/officeDocument/2006/relationships" xmlns:p="http://schemas.openxmlformats.org/presentationml/2006/main">
   <p:cSld>
     <p:bg>
@@ -5088,6 +5783,1162 @@
 </file>
 
 <file path=ppt/slides/slide2.xml><?xml version="1.0" encoding="utf-8"?>
+<p:sld xmlns:a="http://schemas.openxmlformats.org/drawingml/2006/main" xmlns:r="http://schemas.openxmlformats.org/officeDocument/2006/relationships" xmlns:p="http://schemas.openxmlformats.org/presentationml/2006/main">
+  <p:cSld>
+    <p:bg>
+      <p:bgPr>
+        <a:blipFill dpi="0" rotWithShape="1">
+          <a:blip r:embed="rId2">
+            <a:lum/>
+          </a:blip>
+          <a:srcRect/>
+          <a:stretch>
+            <a:fillRect t="-13000" b="-13000"/>
+          </a:stretch>
+        </a:blipFill>
+        <a:effectLst/>
+      </p:bgPr>
+    </p:bg>
+    <p:spTree>
+      <p:nvGrpSpPr>
+        <p:cNvPr id="1" name=""/>
+        <p:cNvGrpSpPr/>
+        <p:nvPr/>
+      </p:nvGrpSpPr>
+      <p:grpSpPr>
+        <a:xfrm>
+          <a:off x="0" y="0"/>
+          <a:ext cx="0" cy="0"/>
+          <a:chOff x="0" y="0"/>
+          <a:chExt cx="0" cy="0"/>
+        </a:xfrm>
+      </p:grpSpPr>
+      <p:sp>
+        <p:nvSpPr>
+          <p:cNvPr id="5" name="ZoneTexte 4">
+            <a:extLst>
+              <a:ext uri="{FF2B5EF4-FFF2-40B4-BE49-F238E27FC236}">
+                <a16:creationId xmlns:a16="http://schemas.microsoft.com/office/drawing/2014/main" id="{259FF869-AE69-4E5E-AD16-96DBC9102FC3}"/>
+              </a:ext>
+            </a:extLst>
+          </p:cNvPr>
+          <p:cNvSpPr txBox="1"/>
+          <p:nvPr/>
+        </p:nvSpPr>
+        <p:spPr>
+          <a:xfrm>
+            <a:off x="3803374" y="0"/>
+            <a:ext cx="4585252" cy="523220"/>
+          </a:xfrm>
+          <a:prstGeom prst="rect">
+            <a:avLst/>
+          </a:prstGeom>
+          <a:solidFill>
+            <a:schemeClr val="bg2"/>
+          </a:solidFill>
+        </p:spPr>
+        <p:txBody>
+          <a:bodyPr wrap="square" rtlCol="0">
+            <a:spAutoFit/>
+          </a:bodyPr>
+          <a:lstStyle/>
+          <a:p>
+            <a:pPr algn="ctr"/>
+            <a:r>
+              <a:rPr lang="fr-FR" sz="2800" b="1" dirty="0"/>
+              <a:t>SOMMAIRE</a:t>
+            </a:r>
+          </a:p>
+        </p:txBody>
+      </p:sp>
+      <p:sp>
+        <p:nvSpPr>
+          <p:cNvPr id="6" name="ZoneTexte 5">
+            <a:extLst>
+              <a:ext uri="{FF2B5EF4-FFF2-40B4-BE49-F238E27FC236}">
+                <a16:creationId xmlns:a16="http://schemas.microsoft.com/office/drawing/2014/main" id="{C39552EA-9F92-4734-8C3A-E350DC7C27B4}"/>
+              </a:ext>
+            </a:extLst>
+          </p:cNvPr>
+          <p:cNvSpPr txBox="1"/>
+          <p:nvPr/>
+        </p:nvSpPr>
+        <p:spPr>
+          <a:xfrm>
+            <a:off x="3803374" y="1027044"/>
+            <a:ext cx="4585252" cy="400110"/>
+          </a:xfrm>
+          <a:prstGeom prst="rect">
+            <a:avLst/>
+          </a:prstGeom>
+          <a:solidFill>
+            <a:schemeClr val="bg2"/>
+          </a:solidFill>
+        </p:spPr>
+        <p:txBody>
+          <a:bodyPr wrap="square" rtlCol="0">
+            <a:spAutoFit/>
+          </a:bodyPr>
+          <a:lstStyle/>
+          <a:p>
+            <a:pPr algn="ctr"/>
+            <a:r>
+              <a:rPr lang="fr-FR" sz="2000" dirty="0"/>
+              <a:t>Idée de base</a:t>
+            </a:r>
+          </a:p>
+        </p:txBody>
+      </p:sp>
+      <p:sp>
+        <p:nvSpPr>
+          <p:cNvPr id="7" name="ZoneTexte 6">
+            <a:extLst>
+              <a:ext uri="{FF2B5EF4-FFF2-40B4-BE49-F238E27FC236}">
+                <a16:creationId xmlns:a16="http://schemas.microsoft.com/office/drawing/2014/main" id="{80271615-4ACE-407F-B1F4-991A6C926890}"/>
+              </a:ext>
+            </a:extLst>
+          </p:cNvPr>
+          <p:cNvSpPr txBox="1"/>
+          <p:nvPr/>
+        </p:nvSpPr>
+        <p:spPr>
+          <a:xfrm>
+            <a:off x="3803374" y="1930978"/>
+            <a:ext cx="4585252" cy="400110"/>
+          </a:xfrm>
+          <a:prstGeom prst="rect">
+            <a:avLst/>
+          </a:prstGeom>
+          <a:solidFill>
+            <a:schemeClr val="bg2"/>
+          </a:solidFill>
+        </p:spPr>
+        <p:txBody>
+          <a:bodyPr wrap="square" rtlCol="0">
+            <a:spAutoFit/>
+          </a:bodyPr>
+          <a:lstStyle/>
+          <a:p>
+            <a:pPr algn="ctr"/>
+            <a:r>
+              <a:rPr lang="fr-FR" sz="2000" dirty="0"/>
+              <a:t>Squelette</a:t>
+            </a:r>
+          </a:p>
+        </p:txBody>
+      </p:sp>
+      <p:sp>
+        <p:nvSpPr>
+          <p:cNvPr id="8" name="ZoneTexte 7">
+            <a:extLst>
+              <a:ext uri="{FF2B5EF4-FFF2-40B4-BE49-F238E27FC236}">
+                <a16:creationId xmlns:a16="http://schemas.microsoft.com/office/drawing/2014/main" id="{A66EE679-D458-4B78-AFEA-0AEB027A1EC6}"/>
+              </a:ext>
+            </a:extLst>
+          </p:cNvPr>
+          <p:cNvSpPr txBox="1"/>
+          <p:nvPr/>
+        </p:nvSpPr>
+        <p:spPr>
+          <a:xfrm>
+            <a:off x="3803374" y="2834912"/>
+            <a:ext cx="4585252" cy="400110"/>
+          </a:xfrm>
+          <a:prstGeom prst="rect">
+            <a:avLst/>
+          </a:prstGeom>
+          <a:solidFill>
+            <a:schemeClr val="bg2"/>
+          </a:solidFill>
+        </p:spPr>
+        <p:txBody>
+          <a:bodyPr wrap="square" rtlCol="0">
+            <a:spAutoFit/>
+          </a:bodyPr>
+          <a:lstStyle/>
+          <a:p>
+            <a:pPr algn="ctr"/>
+            <a:r>
+              <a:rPr lang="fr-FR" sz="2000" dirty="0"/>
+              <a:t>Description des classes</a:t>
+            </a:r>
+          </a:p>
+        </p:txBody>
+      </p:sp>
+      <p:sp>
+        <p:nvSpPr>
+          <p:cNvPr id="10" name="ZoneTexte 9">
+            <a:extLst>
+              <a:ext uri="{FF2B5EF4-FFF2-40B4-BE49-F238E27FC236}">
+                <a16:creationId xmlns:a16="http://schemas.microsoft.com/office/drawing/2014/main" id="{E12D9CAB-4B9B-4B1F-B5DB-68E8CA30A38F}"/>
+              </a:ext>
+            </a:extLst>
+          </p:cNvPr>
+          <p:cNvSpPr txBox="1"/>
+          <p:nvPr/>
+        </p:nvSpPr>
+        <p:spPr>
+          <a:xfrm>
+            <a:off x="3803374" y="3738846"/>
+            <a:ext cx="4585252" cy="400110"/>
+          </a:xfrm>
+          <a:prstGeom prst="rect">
+            <a:avLst/>
+          </a:prstGeom>
+          <a:solidFill>
+            <a:schemeClr val="bg2"/>
+          </a:solidFill>
+        </p:spPr>
+        <p:txBody>
+          <a:bodyPr wrap="square" rtlCol="0">
+            <a:spAutoFit/>
+          </a:bodyPr>
+          <a:lstStyle/>
+          <a:p>
+            <a:pPr algn="ctr"/>
+            <a:r>
+              <a:rPr lang="fr-FR" sz="2000" dirty="0"/>
+              <a:t>Base De Données</a:t>
+            </a:r>
+          </a:p>
+        </p:txBody>
+      </p:sp>
+      <p:sp>
+        <p:nvSpPr>
+          <p:cNvPr id="11" name="ZoneTexte 10">
+            <a:extLst>
+              <a:ext uri="{FF2B5EF4-FFF2-40B4-BE49-F238E27FC236}">
+                <a16:creationId xmlns:a16="http://schemas.microsoft.com/office/drawing/2014/main" id="{6B7A82F9-8A2D-4C14-A5ED-6E7B04C854A1}"/>
+              </a:ext>
+            </a:extLst>
+          </p:cNvPr>
+          <p:cNvSpPr txBox="1"/>
+          <p:nvPr/>
+        </p:nvSpPr>
+        <p:spPr>
+          <a:xfrm>
+            <a:off x="3803374" y="4642780"/>
+            <a:ext cx="4585252" cy="400110"/>
+          </a:xfrm>
+          <a:prstGeom prst="rect">
+            <a:avLst/>
+          </a:prstGeom>
+          <a:solidFill>
+            <a:schemeClr val="bg2"/>
+          </a:solidFill>
+        </p:spPr>
+        <p:txBody>
+          <a:bodyPr wrap="square" rtlCol="0">
+            <a:spAutoFit/>
+          </a:bodyPr>
+          <a:lstStyle/>
+          <a:p>
+            <a:pPr algn="ctr"/>
+            <a:r>
+              <a:rPr lang="fr-FR" sz="2000" dirty="0"/>
+              <a:t>Compilation</a:t>
+            </a:r>
+          </a:p>
+        </p:txBody>
+      </p:sp>
+      <p:sp>
+        <p:nvSpPr>
+          <p:cNvPr id="12" name="ZoneTexte 11">
+            <a:extLst>
+              <a:ext uri="{FF2B5EF4-FFF2-40B4-BE49-F238E27FC236}">
+                <a16:creationId xmlns:a16="http://schemas.microsoft.com/office/drawing/2014/main" id="{A54EFE52-61EF-43F3-B67E-4BC2FAE126BC}"/>
+              </a:ext>
+            </a:extLst>
+          </p:cNvPr>
+          <p:cNvSpPr txBox="1"/>
+          <p:nvPr/>
+        </p:nvSpPr>
+        <p:spPr>
+          <a:xfrm>
+            <a:off x="3803374" y="5630901"/>
+            <a:ext cx="4585252" cy="400110"/>
+          </a:xfrm>
+          <a:prstGeom prst="rect">
+            <a:avLst/>
+          </a:prstGeom>
+          <a:solidFill>
+            <a:schemeClr val="bg2"/>
+          </a:solidFill>
+        </p:spPr>
+        <p:txBody>
+          <a:bodyPr wrap="square" rtlCol="0">
+            <a:spAutoFit/>
+          </a:bodyPr>
+          <a:lstStyle/>
+          <a:p>
+            <a:pPr algn="ctr"/>
+            <a:r>
+              <a:rPr lang="fr-FR" sz="2000" dirty="0"/>
+              <a:t>Avenir du projet &amp; Conclusion</a:t>
+            </a:r>
+          </a:p>
+        </p:txBody>
+      </p:sp>
+      <p:pic>
+        <p:nvPicPr>
+          <p:cNvPr id="13" name="Picture 2" descr="Développeur Base de Données - Poste CDI Billancourt">
+            <a:extLst>
+              <a:ext uri="{FF2B5EF4-FFF2-40B4-BE49-F238E27FC236}">
+                <a16:creationId xmlns:a16="http://schemas.microsoft.com/office/drawing/2014/main" id="{012CEA0D-584D-41C8-9464-B68B80EDF090}"/>
+              </a:ext>
+            </a:extLst>
+          </p:cNvPr>
+          <p:cNvPicPr>
+            <a:picLocks noChangeAspect="1" noChangeArrowheads="1"/>
+          </p:cNvPicPr>
+          <p:nvPr/>
+        </p:nvPicPr>
+        <p:blipFill>
+          <a:blip r:embed="rId3">
+            <a:extLst>
+              <a:ext uri="{BEBA8EAE-BF5A-486C-A8C5-ECC9F3942E4B}">
+                <a14:imgProps xmlns:a14="http://schemas.microsoft.com/office/drawing/2010/main">
+                  <a14:imgLayer r:embed="rId4">
+                    <a14:imgEffect>
+                      <a14:backgroundRemoval t="4857" b="97429" l="10000" r="90000">
+                        <a14:foregroundMark x1="62250" y1="27714" x2="62250" y2="27714"/>
+                        <a14:foregroundMark x1="55000" y1="8286" x2="77750" y2="50571"/>
+                        <a14:foregroundMark x1="56500" y1="34571" x2="53500" y2="70857"/>
+                        <a14:foregroundMark x1="56500" y1="69143" x2="88250" y2="66571"/>
+                        <a14:foregroundMark x1="50500" y1="41143" x2="50500" y2="41143"/>
+                        <a14:foregroundMark x1="50500" y1="41143" x2="50500" y2="41143"/>
+                        <a14:foregroundMark x1="50500" y1="41143" x2="50500" y2="41143"/>
+                        <a14:foregroundMark x1="50500" y1="41143" x2="50500" y2="41143"/>
+                        <a14:foregroundMark x1="50500" y1="41143" x2="30750" y2="34857"/>
+                        <a14:foregroundMark x1="30750" y1="34857" x2="22500" y2="56857"/>
+                        <a14:foregroundMark x1="22500" y1="56857" x2="22250" y2="79429"/>
+                        <a14:foregroundMark x1="22250" y1="79429" x2="17250" y2="88571"/>
+                        <a14:foregroundMark x1="17250" y1="88571" x2="47500" y2="90286"/>
+                        <a14:foregroundMark x1="29000" y1="97714" x2="29000" y2="97714"/>
+                        <a14:foregroundMark x1="32000" y1="95429" x2="32000" y2="95429"/>
+                        <a14:foregroundMark x1="32000" y1="95429" x2="32000" y2="95429"/>
+                        <a14:foregroundMark x1="10000" y1="29429" x2="10000" y2="29429"/>
+                        <a14:foregroundMark x1="10000" y1="50571" x2="10000" y2="50571"/>
+                        <a14:foregroundMark x1="73500" y1="54857" x2="85750" y2="37143"/>
+                        <a14:foregroundMark x1="85750" y1="37143" x2="86750" y2="32000"/>
+                        <a14:foregroundMark x1="71250" y1="7429" x2="52750" y2="8857"/>
+                        <a14:foregroundMark x1="52750" y1="8857" x2="52750" y2="9143"/>
+                        <a14:foregroundMark x1="73500" y1="13429" x2="73500" y2="13429"/>
+                        <a14:foregroundMark x1="73500" y1="13429" x2="73500" y2="13429"/>
+                        <a14:foregroundMark x1="71250" y1="16857" x2="82250" y2="22571"/>
+                        <a14:foregroundMark x1="52000" y1="4857" x2="52000" y2="4857"/>
+                        <a14:foregroundMark x1="48250" y1="4857" x2="49000" y2="6571"/>
+                        <a14:foregroundMark x1="84500" y1="26857" x2="84500" y2="26857"/>
+                        <a14:foregroundMark x1="84500" y1="26857" x2="84500" y2="26857"/>
+                        <a14:foregroundMark x1="84500" y1="49714" x2="84500" y2="49714"/>
+                        <a14:foregroundMark x1="84500" y1="62286" x2="84500" y2="62286"/>
+                        <a14:foregroundMark x1="83500" y1="55429" x2="83500" y2="55429"/>
+                        <a14:foregroundMark x1="84000" y1="59143" x2="84000" y2="59143"/>
+                        <a14:foregroundMark x1="80000" y1="59714" x2="80000" y2="59714"/>
+                        <a14:foregroundMark x1="72000" y1="59714" x2="72000" y2="59714"/>
+                        <a14:foregroundMark x1="64500" y1="59714" x2="64500" y2="59714"/>
+                        <a14:foregroundMark x1="64500" y1="53429" x2="64500" y2="53429"/>
+                        <a14:foregroundMark x1="64500" y1="51429" x2="64500" y2="51429"/>
+                        <a14:foregroundMark x1="64500" y1="43143" x2="64500" y2="43143"/>
+                        <a14:foregroundMark x1="64250" y1="43714" x2="64250" y2="43714"/>
+                        <a14:foregroundMark x1="64250" y1="38286" x2="64250" y2="38286"/>
+                        <a14:foregroundMark x1="49250" y1="38286" x2="49250" y2="38286"/>
+                        <a14:foregroundMark x1="49750" y1="46000" x2="49750" y2="46000"/>
+                        <a14:foregroundMark x1="51000" y1="53143" x2="51000" y2="53143"/>
+                        <a14:foregroundMark x1="51000" y1="51429" x2="51000" y2="51429"/>
+                        <a14:foregroundMark x1="51000" y1="60857" x2="51000" y2="60857"/>
+                        <a14:foregroundMark x1="64500" y1="48286" x2="64500" y2="48286"/>
+                        <a14:foregroundMark x1="73000" y1="47143" x2="73000" y2="47143"/>
+                        <a14:foregroundMark x1="67000" y1="47143" x2="67000" y2="47143"/>
+                        <a14:foregroundMark x1="72000" y1="52286" x2="72000" y2="52286"/>
+                        <a14:foregroundMark x1="78250" y1="39714" x2="78250" y2="39714"/>
+                        <a14:foregroundMark x1="78250" y1="38571" x2="78250" y2="38571"/>
+                        <a14:foregroundMark x1="85500" y1="45429" x2="85500" y2="45429"/>
+                        <a14:foregroundMark x1="66250" y1="16857" x2="66250" y2="16857"/>
+                        <a14:foregroundMark x1="82250" y1="11143" x2="82250" y2="11143"/>
+                        <a14:foregroundMark x1="65250" y1="14286" x2="65250" y2="14286"/>
+                      </a14:backgroundRemoval>
+                    </a14:imgEffect>
+                  </a14:imgLayer>
+                </a14:imgProps>
+              </a:ext>
+              <a:ext uri="{28A0092B-C50C-407E-A947-70E740481C1C}">
+                <a14:useLocalDpi xmlns:a14="http://schemas.microsoft.com/office/drawing/2010/main" val="0"/>
+              </a:ext>
+            </a:extLst>
+          </a:blip>
+          <a:srcRect/>
+          <a:stretch>
+            <a:fillRect/>
+          </a:stretch>
+        </p:blipFill>
+        <p:spPr bwMode="auto">
+          <a:xfrm>
+            <a:off x="9037151" y="2149178"/>
+            <a:ext cx="2691024" cy="2354646"/>
+          </a:xfrm>
+          <a:prstGeom prst="rect">
+            <a:avLst/>
+          </a:prstGeom>
+          <a:noFill/>
+          <a:extLst>
+            <a:ext uri="{909E8E84-426E-40DD-AFC4-6F175D3DCCD1}">
+              <a14:hiddenFill xmlns:a14="http://schemas.microsoft.com/office/drawing/2010/main">
+                <a:solidFill>
+                  <a:srgbClr val="FFFFFF"/>
+                </a:solidFill>
+              </a14:hiddenFill>
+            </a:ext>
+          </a:extLst>
+        </p:spPr>
+      </p:pic>
+      <p:pic>
+        <p:nvPicPr>
+          <p:cNvPr id="14" name="Picture 4" descr="Icône C++ - Téléchargement gratuit en PNG et vecteurs">
+            <a:extLst>
+              <a:ext uri="{FF2B5EF4-FFF2-40B4-BE49-F238E27FC236}">
+                <a16:creationId xmlns:a16="http://schemas.microsoft.com/office/drawing/2014/main" id="{1E08D217-CCBA-464D-A819-57F45CE585BF}"/>
+              </a:ext>
+            </a:extLst>
+          </p:cNvPr>
+          <p:cNvPicPr>
+            <a:picLocks noChangeAspect="1" noChangeArrowheads="1"/>
+          </p:cNvPicPr>
+          <p:nvPr/>
+        </p:nvPicPr>
+        <p:blipFill>
+          <a:blip r:embed="rId5">
+            <a:extLst>
+              <a:ext uri="{28A0092B-C50C-407E-A947-70E740481C1C}">
+                <a14:useLocalDpi xmlns:a14="http://schemas.microsoft.com/office/drawing/2010/main" val="0"/>
+              </a:ext>
+            </a:extLst>
+          </a:blip>
+          <a:srcRect/>
+          <a:stretch>
+            <a:fillRect/>
+          </a:stretch>
+        </p:blipFill>
+        <p:spPr bwMode="auto">
+          <a:xfrm>
+            <a:off x="192157" y="1466235"/>
+            <a:ext cx="3611217" cy="3611217"/>
+          </a:xfrm>
+          <a:prstGeom prst="rect">
+            <a:avLst/>
+          </a:prstGeom>
+          <a:noFill/>
+          <a:extLst>
+            <a:ext uri="{909E8E84-426E-40DD-AFC4-6F175D3DCCD1}">
+              <a14:hiddenFill xmlns:a14="http://schemas.microsoft.com/office/drawing/2010/main">
+                <a:solidFill>
+                  <a:srgbClr val="FFFFFF"/>
+                </a:solidFill>
+              </a14:hiddenFill>
+            </a:ext>
+          </a:extLst>
+        </p:spPr>
+      </p:pic>
+    </p:spTree>
+    <p:extLst>
+      <p:ext uri="{BB962C8B-B14F-4D97-AF65-F5344CB8AC3E}">
+        <p14:creationId xmlns:p14="http://schemas.microsoft.com/office/powerpoint/2010/main" val="1173981083"/>
+      </p:ext>
+    </p:extLst>
+  </p:cSld>
+  <p:clrMapOvr>
+    <a:masterClrMapping/>
+  </p:clrMapOvr>
+  <p:timing>
+    <p:tnLst>
+      <p:par>
+        <p:cTn id="1" dur="indefinite" restart="never" nodeType="tmRoot">
+          <p:childTnLst>
+            <p:seq concurrent="1" nextAc="seek">
+              <p:cTn id="2" dur="indefinite" nodeType="mainSeq">
+                <p:childTnLst>
+                  <p:par>
+                    <p:cTn id="3" fill="hold">
+                      <p:stCondLst>
+                        <p:cond delay="indefinite"/>
+                      </p:stCondLst>
+                      <p:childTnLst>
+                        <p:par>
+                          <p:cTn id="4" fill="hold">
+                            <p:stCondLst>
+                              <p:cond delay="0"/>
+                            </p:stCondLst>
+                            <p:childTnLst>
+                              <p:par>
+                                <p:cTn id="5" presetID="47" presetClass="entr" presetSubtype="0" fill="hold" grpId="0" nodeType="clickEffect">
+                                  <p:stCondLst>
+                                    <p:cond delay="0"/>
+                                  </p:stCondLst>
+                                  <p:childTnLst>
+                                    <p:set>
+                                      <p:cBhvr>
+                                        <p:cTn id="6" dur="1" fill="hold">
+                                          <p:stCondLst>
+                                            <p:cond delay="0"/>
+                                          </p:stCondLst>
+                                        </p:cTn>
+                                        <p:tgtEl>
+                                          <p:spTgt spid="6"/>
+                                        </p:tgtEl>
+                                        <p:attrNameLst>
+                                          <p:attrName>style.visibility</p:attrName>
+                                        </p:attrNameLst>
+                                      </p:cBhvr>
+                                      <p:to>
+                                        <p:strVal val="visible"/>
+                                      </p:to>
+                                    </p:set>
+                                    <p:animEffect transition="in" filter="fade">
+                                      <p:cBhvr>
+                                        <p:cTn id="7" dur="1000"/>
+                                        <p:tgtEl>
+                                          <p:spTgt spid="6"/>
+                                        </p:tgtEl>
+                                      </p:cBhvr>
+                                    </p:animEffect>
+                                    <p:anim calcmode="lin" valueType="num">
+                                      <p:cBhvr>
+                                        <p:cTn id="8" dur="1000" fill="hold"/>
+                                        <p:tgtEl>
+                                          <p:spTgt spid="6"/>
+                                        </p:tgtEl>
+                                        <p:attrNameLst>
+                                          <p:attrName>ppt_x</p:attrName>
+                                        </p:attrNameLst>
+                                      </p:cBhvr>
+                                      <p:tavLst>
+                                        <p:tav tm="0">
+                                          <p:val>
+                                            <p:strVal val="#ppt_x"/>
+                                          </p:val>
+                                        </p:tav>
+                                        <p:tav tm="100000">
+                                          <p:val>
+                                            <p:strVal val="#ppt_x"/>
+                                          </p:val>
+                                        </p:tav>
+                                      </p:tavLst>
+                                    </p:anim>
+                                    <p:anim calcmode="lin" valueType="num">
+                                      <p:cBhvr>
+                                        <p:cTn id="9" dur="1000" fill="hold"/>
+                                        <p:tgtEl>
+                                          <p:spTgt spid="6"/>
+                                        </p:tgtEl>
+                                        <p:attrNameLst>
+                                          <p:attrName>ppt_y</p:attrName>
+                                        </p:attrNameLst>
+                                      </p:cBhvr>
+                                      <p:tavLst>
+                                        <p:tav tm="0">
+                                          <p:val>
+                                            <p:strVal val="#ppt_y-.1"/>
+                                          </p:val>
+                                        </p:tav>
+                                        <p:tav tm="100000">
+                                          <p:val>
+                                            <p:strVal val="#ppt_y"/>
+                                          </p:val>
+                                        </p:tav>
+                                      </p:tavLst>
+                                    </p:anim>
+                                  </p:childTnLst>
+                                </p:cTn>
+                              </p:par>
+                            </p:childTnLst>
+                          </p:cTn>
+                        </p:par>
+                      </p:childTnLst>
+                    </p:cTn>
+                  </p:par>
+                  <p:par>
+                    <p:cTn id="10" fill="hold">
+                      <p:stCondLst>
+                        <p:cond delay="indefinite"/>
+                      </p:stCondLst>
+                      <p:childTnLst>
+                        <p:par>
+                          <p:cTn id="11" fill="hold">
+                            <p:stCondLst>
+                              <p:cond delay="0"/>
+                            </p:stCondLst>
+                            <p:childTnLst>
+                              <p:par>
+                                <p:cTn id="12" presetID="47" presetClass="entr" presetSubtype="0" fill="hold" grpId="0" nodeType="clickEffect">
+                                  <p:stCondLst>
+                                    <p:cond delay="0"/>
+                                  </p:stCondLst>
+                                  <p:childTnLst>
+                                    <p:set>
+                                      <p:cBhvr>
+                                        <p:cTn id="13" dur="1" fill="hold">
+                                          <p:stCondLst>
+                                            <p:cond delay="0"/>
+                                          </p:stCondLst>
+                                        </p:cTn>
+                                        <p:tgtEl>
+                                          <p:spTgt spid="7"/>
+                                        </p:tgtEl>
+                                        <p:attrNameLst>
+                                          <p:attrName>style.visibility</p:attrName>
+                                        </p:attrNameLst>
+                                      </p:cBhvr>
+                                      <p:to>
+                                        <p:strVal val="visible"/>
+                                      </p:to>
+                                    </p:set>
+                                    <p:animEffect transition="in" filter="fade">
+                                      <p:cBhvr>
+                                        <p:cTn id="14" dur="1000"/>
+                                        <p:tgtEl>
+                                          <p:spTgt spid="7"/>
+                                        </p:tgtEl>
+                                      </p:cBhvr>
+                                    </p:animEffect>
+                                    <p:anim calcmode="lin" valueType="num">
+                                      <p:cBhvr>
+                                        <p:cTn id="15" dur="1000" fill="hold"/>
+                                        <p:tgtEl>
+                                          <p:spTgt spid="7"/>
+                                        </p:tgtEl>
+                                        <p:attrNameLst>
+                                          <p:attrName>ppt_x</p:attrName>
+                                        </p:attrNameLst>
+                                      </p:cBhvr>
+                                      <p:tavLst>
+                                        <p:tav tm="0">
+                                          <p:val>
+                                            <p:strVal val="#ppt_x"/>
+                                          </p:val>
+                                        </p:tav>
+                                        <p:tav tm="100000">
+                                          <p:val>
+                                            <p:strVal val="#ppt_x"/>
+                                          </p:val>
+                                        </p:tav>
+                                      </p:tavLst>
+                                    </p:anim>
+                                    <p:anim calcmode="lin" valueType="num">
+                                      <p:cBhvr>
+                                        <p:cTn id="16" dur="1000" fill="hold"/>
+                                        <p:tgtEl>
+                                          <p:spTgt spid="7"/>
+                                        </p:tgtEl>
+                                        <p:attrNameLst>
+                                          <p:attrName>ppt_y</p:attrName>
+                                        </p:attrNameLst>
+                                      </p:cBhvr>
+                                      <p:tavLst>
+                                        <p:tav tm="0">
+                                          <p:val>
+                                            <p:strVal val="#ppt_y-.1"/>
+                                          </p:val>
+                                        </p:tav>
+                                        <p:tav tm="100000">
+                                          <p:val>
+                                            <p:strVal val="#ppt_y"/>
+                                          </p:val>
+                                        </p:tav>
+                                      </p:tavLst>
+                                    </p:anim>
+                                  </p:childTnLst>
+                                </p:cTn>
+                              </p:par>
+                              <p:par>
+                                <p:cTn id="17" presetID="1" presetClass="entr" presetSubtype="0" fill="hold" nodeType="withEffect">
+                                  <p:stCondLst>
+                                    <p:cond delay="0"/>
+                                  </p:stCondLst>
+                                  <p:childTnLst>
+                                    <p:set>
+                                      <p:cBhvr>
+                                        <p:cTn id="18" dur="1" fill="hold">
+                                          <p:stCondLst>
+                                            <p:cond delay="0"/>
+                                          </p:stCondLst>
+                                        </p:cTn>
+                                        <p:tgtEl>
+                                          <p:spTgt spid="14"/>
+                                        </p:tgtEl>
+                                        <p:attrNameLst>
+                                          <p:attrName>style.visibility</p:attrName>
+                                        </p:attrNameLst>
+                                      </p:cBhvr>
+                                      <p:to>
+                                        <p:strVal val="visible"/>
+                                      </p:to>
+                                    </p:set>
+                                  </p:childTnLst>
+                                </p:cTn>
+                              </p:par>
+                            </p:childTnLst>
+                          </p:cTn>
+                        </p:par>
+                      </p:childTnLst>
+                    </p:cTn>
+                  </p:par>
+                  <p:par>
+                    <p:cTn id="19" fill="hold">
+                      <p:stCondLst>
+                        <p:cond delay="indefinite"/>
+                      </p:stCondLst>
+                      <p:childTnLst>
+                        <p:par>
+                          <p:cTn id="20" fill="hold">
+                            <p:stCondLst>
+                              <p:cond delay="0"/>
+                            </p:stCondLst>
+                            <p:childTnLst>
+                              <p:par>
+                                <p:cTn id="21" presetID="47" presetClass="entr" presetSubtype="0" fill="hold" grpId="0" nodeType="clickEffect">
+                                  <p:stCondLst>
+                                    <p:cond delay="0"/>
+                                  </p:stCondLst>
+                                  <p:childTnLst>
+                                    <p:set>
+                                      <p:cBhvr>
+                                        <p:cTn id="22" dur="1" fill="hold">
+                                          <p:stCondLst>
+                                            <p:cond delay="0"/>
+                                          </p:stCondLst>
+                                        </p:cTn>
+                                        <p:tgtEl>
+                                          <p:spTgt spid="8"/>
+                                        </p:tgtEl>
+                                        <p:attrNameLst>
+                                          <p:attrName>style.visibility</p:attrName>
+                                        </p:attrNameLst>
+                                      </p:cBhvr>
+                                      <p:to>
+                                        <p:strVal val="visible"/>
+                                      </p:to>
+                                    </p:set>
+                                    <p:animEffect transition="in" filter="fade">
+                                      <p:cBhvr>
+                                        <p:cTn id="23" dur="1000"/>
+                                        <p:tgtEl>
+                                          <p:spTgt spid="8"/>
+                                        </p:tgtEl>
+                                      </p:cBhvr>
+                                    </p:animEffect>
+                                    <p:anim calcmode="lin" valueType="num">
+                                      <p:cBhvr>
+                                        <p:cTn id="24" dur="1000" fill="hold"/>
+                                        <p:tgtEl>
+                                          <p:spTgt spid="8"/>
+                                        </p:tgtEl>
+                                        <p:attrNameLst>
+                                          <p:attrName>ppt_x</p:attrName>
+                                        </p:attrNameLst>
+                                      </p:cBhvr>
+                                      <p:tavLst>
+                                        <p:tav tm="0">
+                                          <p:val>
+                                            <p:strVal val="#ppt_x"/>
+                                          </p:val>
+                                        </p:tav>
+                                        <p:tav tm="100000">
+                                          <p:val>
+                                            <p:strVal val="#ppt_x"/>
+                                          </p:val>
+                                        </p:tav>
+                                      </p:tavLst>
+                                    </p:anim>
+                                    <p:anim calcmode="lin" valueType="num">
+                                      <p:cBhvr>
+                                        <p:cTn id="25" dur="1000" fill="hold"/>
+                                        <p:tgtEl>
+                                          <p:spTgt spid="8"/>
+                                        </p:tgtEl>
+                                        <p:attrNameLst>
+                                          <p:attrName>ppt_y</p:attrName>
+                                        </p:attrNameLst>
+                                      </p:cBhvr>
+                                      <p:tavLst>
+                                        <p:tav tm="0">
+                                          <p:val>
+                                            <p:strVal val="#ppt_y-.1"/>
+                                          </p:val>
+                                        </p:tav>
+                                        <p:tav tm="100000">
+                                          <p:val>
+                                            <p:strVal val="#ppt_y"/>
+                                          </p:val>
+                                        </p:tav>
+                                      </p:tavLst>
+                                    </p:anim>
+                                  </p:childTnLst>
+                                </p:cTn>
+                              </p:par>
+                            </p:childTnLst>
+                          </p:cTn>
+                        </p:par>
+                      </p:childTnLst>
+                    </p:cTn>
+                  </p:par>
+                  <p:par>
+                    <p:cTn id="26" fill="hold">
+                      <p:stCondLst>
+                        <p:cond delay="indefinite"/>
+                      </p:stCondLst>
+                      <p:childTnLst>
+                        <p:par>
+                          <p:cTn id="27" fill="hold">
+                            <p:stCondLst>
+                              <p:cond delay="0"/>
+                            </p:stCondLst>
+                            <p:childTnLst>
+                              <p:par>
+                                <p:cTn id="28" presetID="47" presetClass="entr" presetSubtype="0" fill="hold" grpId="0" nodeType="clickEffect">
+                                  <p:stCondLst>
+                                    <p:cond delay="0"/>
+                                  </p:stCondLst>
+                                  <p:childTnLst>
+                                    <p:set>
+                                      <p:cBhvr>
+                                        <p:cTn id="29" dur="1" fill="hold">
+                                          <p:stCondLst>
+                                            <p:cond delay="0"/>
+                                          </p:stCondLst>
+                                        </p:cTn>
+                                        <p:tgtEl>
+                                          <p:spTgt spid="10"/>
+                                        </p:tgtEl>
+                                        <p:attrNameLst>
+                                          <p:attrName>style.visibility</p:attrName>
+                                        </p:attrNameLst>
+                                      </p:cBhvr>
+                                      <p:to>
+                                        <p:strVal val="visible"/>
+                                      </p:to>
+                                    </p:set>
+                                    <p:animEffect transition="in" filter="fade">
+                                      <p:cBhvr>
+                                        <p:cTn id="30" dur="1000"/>
+                                        <p:tgtEl>
+                                          <p:spTgt spid="10"/>
+                                        </p:tgtEl>
+                                      </p:cBhvr>
+                                    </p:animEffect>
+                                    <p:anim calcmode="lin" valueType="num">
+                                      <p:cBhvr>
+                                        <p:cTn id="31" dur="1000" fill="hold"/>
+                                        <p:tgtEl>
+                                          <p:spTgt spid="10"/>
+                                        </p:tgtEl>
+                                        <p:attrNameLst>
+                                          <p:attrName>ppt_x</p:attrName>
+                                        </p:attrNameLst>
+                                      </p:cBhvr>
+                                      <p:tavLst>
+                                        <p:tav tm="0">
+                                          <p:val>
+                                            <p:strVal val="#ppt_x"/>
+                                          </p:val>
+                                        </p:tav>
+                                        <p:tav tm="100000">
+                                          <p:val>
+                                            <p:strVal val="#ppt_x"/>
+                                          </p:val>
+                                        </p:tav>
+                                      </p:tavLst>
+                                    </p:anim>
+                                    <p:anim calcmode="lin" valueType="num">
+                                      <p:cBhvr>
+                                        <p:cTn id="32" dur="1000" fill="hold"/>
+                                        <p:tgtEl>
+                                          <p:spTgt spid="10"/>
+                                        </p:tgtEl>
+                                        <p:attrNameLst>
+                                          <p:attrName>ppt_y</p:attrName>
+                                        </p:attrNameLst>
+                                      </p:cBhvr>
+                                      <p:tavLst>
+                                        <p:tav tm="0">
+                                          <p:val>
+                                            <p:strVal val="#ppt_y-.1"/>
+                                          </p:val>
+                                        </p:tav>
+                                        <p:tav tm="100000">
+                                          <p:val>
+                                            <p:strVal val="#ppt_y"/>
+                                          </p:val>
+                                        </p:tav>
+                                      </p:tavLst>
+                                    </p:anim>
+                                  </p:childTnLst>
+                                </p:cTn>
+                              </p:par>
+                              <p:par>
+                                <p:cTn id="33" presetID="1" presetClass="entr" presetSubtype="0" fill="hold" nodeType="withEffect">
+                                  <p:stCondLst>
+                                    <p:cond delay="0"/>
+                                  </p:stCondLst>
+                                  <p:childTnLst>
+                                    <p:set>
+                                      <p:cBhvr>
+                                        <p:cTn id="34" dur="1" fill="hold">
+                                          <p:stCondLst>
+                                            <p:cond delay="0"/>
+                                          </p:stCondLst>
+                                        </p:cTn>
+                                        <p:tgtEl>
+                                          <p:spTgt spid="13"/>
+                                        </p:tgtEl>
+                                        <p:attrNameLst>
+                                          <p:attrName>style.visibility</p:attrName>
+                                        </p:attrNameLst>
+                                      </p:cBhvr>
+                                      <p:to>
+                                        <p:strVal val="visible"/>
+                                      </p:to>
+                                    </p:set>
+                                  </p:childTnLst>
+                                </p:cTn>
+                              </p:par>
+                            </p:childTnLst>
+                          </p:cTn>
+                        </p:par>
+                      </p:childTnLst>
+                    </p:cTn>
+                  </p:par>
+                  <p:par>
+                    <p:cTn id="35" fill="hold">
+                      <p:stCondLst>
+                        <p:cond delay="indefinite"/>
+                      </p:stCondLst>
+                      <p:childTnLst>
+                        <p:par>
+                          <p:cTn id="36" fill="hold">
+                            <p:stCondLst>
+                              <p:cond delay="0"/>
+                            </p:stCondLst>
+                            <p:childTnLst>
+                              <p:par>
+                                <p:cTn id="37" presetID="47" presetClass="entr" presetSubtype="0" fill="hold" grpId="0" nodeType="clickEffect">
+                                  <p:stCondLst>
+                                    <p:cond delay="0"/>
+                                  </p:stCondLst>
+                                  <p:childTnLst>
+                                    <p:set>
+                                      <p:cBhvr>
+                                        <p:cTn id="38" dur="1" fill="hold">
+                                          <p:stCondLst>
+                                            <p:cond delay="0"/>
+                                          </p:stCondLst>
+                                        </p:cTn>
+                                        <p:tgtEl>
+                                          <p:spTgt spid="11"/>
+                                        </p:tgtEl>
+                                        <p:attrNameLst>
+                                          <p:attrName>style.visibility</p:attrName>
+                                        </p:attrNameLst>
+                                      </p:cBhvr>
+                                      <p:to>
+                                        <p:strVal val="visible"/>
+                                      </p:to>
+                                    </p:set>
+                                    <p:animEffect transition="in" filter="fade">
+                                      <p:cBhvr>
+                                        <p:cTn id="39" dur="1000"/>
+                                        <p:tgtEl>
+                                          <p:spTgt spid="11"/>
+                                        </p:tgtEl>
+                                      </p:cBhvr>
+                                    </p:animEffect>
+                                    <p:anim calcmode="lin" valueType="num">
+                                      <p:cBhvr>
+                                        <p:cTn id="40" dur="1000" fill="hold"/>
+                                        <p:tgtEl>
+                                          <p:spTgt spid="11"/>
+                                        </p:tgtEl>
+                                        <p:attrNameLst>
+                                          <p:attrName>ppt_x</p:attrName>
+                                        </p:attrNameLst>
+                                      </p:cBhvr>
+                                      <p:tavLst>
+                                        <p:tav tm="0">
+                                          <p:val>
+                                            <p:strVal val="#ppt_x"/>
+                                          </p:val>
+                                        </p:tav>
+                                        <p:tav tm="100000">
+                                          <p:val>
+                                            <p:strVal val="#ppt_x"/>
+                                          </p:val>
+                                        </p:tav>
+                                      </p:tavLst>
+                                    </p:anim>
+                                    <p:anim calcmode="lin" valueType="num">
+                                      <p:cBhvr>
+                                        <p:cTn id="41" dur="1000" fill="hold"/>
+                                        <p:tgtEl>
+                                          <p:spTgt spid="11"/>
+                                        </p:tgtEl>
+                                        <p:attrNameLst>
+                                          <p:attrName>ppt_y</p:attrName>
+                                        </p:attrNameLst>
+                                      </p:cBhvr>
+                                      <p:tavLst>
+                                        <p:tav tm="0">
+                                          <p:val>
+                                            <p:strVal val="#ppt_y-.1"/>
+                                          </p:val>
+                                        </p:tav>
+                                        <p:tav tm="100000">
+                                          <p:val>
+                                            <p:strVal val="#ppt_y"/>
+                                          </p:val>
+                                        </p:tav>
+                                      </p:tavLst>
+                                    </p:anim>
+                                  </p:childTnLst>
+                                </p:cTn>
+                              </p:par>
+                            </p:childTnLst>
+                          </p:cTn>
+                        </p:par>
+                      </p:childTnLst>
+                    </p:cTn>
+                  </p:par>
+                  <p:par>
+                    <p:cTn id="42" fill="hold">
+                      <p:stCondLst>
+                        <p:cond delay="indefinite"/>
+                      </p:stCondLst>
+                      <p:childTnLst>
+                        <p:par>
+                          <p:cTn id="43" fill="hold">
+                            <p:stCondLst>
+                              <p:cond delay="0"/>
+                            </p:stCondLst>
+                            <p:childTnLst>
+                              <p:par>
+                                <p:cTn id="44" presetID="47" presetClass="entr" presetSubtype="0" fill="hold" grpId="0" nodeType="clickEffect">
+                                  <p:stCondLst>
+                                    <p:cond delay="0"/>
+                                  </p:stCondLst>
+                                  <p:childTnLst>
+                                    <p:set>
+                                      <p:cBhvr>
+                                        <p:cTn id="45" dur="1" fill="hold">
+                                          <p:stCondLst>
+                                            <p:cond delay="0"/>
+                                          </p:stCondLst>
+                                        </p:cTn>
+                                        <p:tgtEl>
+                                          <p:spTgt spid="12"/>
+                                        </p:tgtEl>
+                                        <p:attrNameLst>
+                                          <p:attrName>style.visibility</p:attrName>
+                                        </p:attrNameLst>
+                                      </p:cBhvr>
+                                      <p:to>
+                                        <p:strVal val="visible"/>
+                                      </p:to>
+                                    </p:set>
+                                    <p:animEffect transition="in" filter="fade">
+                                      <p:cBhvr>
+                                        <p:cTn id="46" dur="1000"/>
+                                        <p:tgtEl>
+                                          <p:spTgt spid="12"/>
+                                        </p:tgtEl>
+                                      </p:cBhvr>
+                                    </p:animEffect>
+                                    <p:anim calcmode="lin" valueType="num">
+                                      <p:cBhvr>
+                                        <p:cTn id="47" dur="1000" fill="hold"/>
+                                        <p:tgtEl>
+                                          <p:spTgt spid="12"/>
+                                        </p:tgtEl>
+                                        <p:attrNameLst>
+                                          <p:attrName>ppt_x</p:attrName>
+                                        </p:attrNameLst>
+                                      </p:cBhvr>
+                                      <p:tavLst>
+                                        <p:tav tm="0">
+                                          <p:val>
+                                            <p:strVal val="#ppt_x"/>
+                                          </p:val>
+                                        </p:tav>
+                                        <p:tav tm="100000">
+                                          <p:val>
+                                            <p:strVal val="#ppt_x"/>
+                                          </p:val>
+                                        </p:tav>
+                                      </p:tavLst>
+                                    </p:anim>
+                                    <p:anim calcmode="lin" valueType="num">
+                                      <p:cBhvr>
+                                        <p:cTn id="48" dur="1000" fill="hold"/>
+                                        <p:tgtEl>
+                                          <p:spTgt spid="12"/>
+                                        </p:tgtEl>
+                                        <p:attrNameLst>
+                                          <p:attrName>ppt_y</p:attrName>
+                                        </p:attrNameLst>
+                                      </p:cBhvr>
+                                      <p:tavLst>
+                                        <p:tav tm="0">
+                                          <p:val>
+                                            <p:strVal val="#ppt_y-.1"/>
+                                          </p:val>
+                                        </p:tav>
+                                        <p:tav tm="100000">
+                                          <p:val>
+                                            <p:strVal val="#ppt_y"/>
+                                          </p:val>
+                                        </p:tav>
+                                      </p:tavLst>
+                                    </p:anim>
+                                  </p:childTnLst>
+                                </p:cTn>
+                              </p:par>
+                            </p:childTnLst>
+                          </p:cTn>
+                        </p:par>
+                      </p:childTnLst>
+                    </p:cTn>
+                  </p:par>
+                </p:childTnLst>
+              </p:cTn>
+              <p:prevCondLst>
+                <p:cond evt="onPrev" delay="0">
+                  <p:tgtEl>
+                    <p:sldTgt/>
+                  </p:tgtEl>
+                </p:cond>
+              </p:prevCondLst>
+              <p:nextCondLst>
+                <p:cond evt="onNext" delay="0">
+                  <p:tgtEl>
+                    <p:sldTgt/>
+                  </p:tgtEl>
+                </p:cond>
+              </p:nextCondLst>
+            </p:seq>
+          </p:childTnLst>
+        </p:cTn>
+      </p:par>
+    </p:tnLst>
+    <p:bldLst>
+      <p:bldP spid="6" grpId="0" animBg="1"/>
+      <p:bldP spid="7" grpId="0" animBg="1"/>
+      <p:bldP spid="8" grpId="0" animBg="1"/>
+      <p:bldP spid="10" grpId="0" animBg="1"/>
+      <p:bldP spid="11" grpId="0" animBg="1"/>
+      <p:bldP spid="12" grpId="0" animBg="1"/>
+    </p:bldLst>
+  </p:timing>
+</p:sld>
+</file>
+
+<file path=ppt/slides/slide3.xml><?xml version="1.0" encoding="utf-8"?>
 <p:sld xmlns:a="http://schemas.openxmlformats.org/drawingml/2006/main" xmlns:r="http://schemas.openxmlformats.org/officeDocument/2006/relationships" xmlns:p="http://schemas.openxmlformats.org/presentationml/2006/main">
   <p:cSld>
     <p:bg>
@@ -5951,7 +7802,7 @@
 </p:sld>
 </file>
 
-<file path=ppt/slides/slide3.xml><?xml version="1.0" encoding="utf-8"?>
+<file path=ppt/slides/slide4.xml><?xml version="1.0" encoding="utf-8"?>
 <p:sld xmlns:a="http://schemas.openxmlformats.org/drawingml/2006/main" xmlns:r="http://schemas.openxmlformats.org/officeDocument/2006/relationships" xmlns:p="http://schemas.openxmlformats.org/presentationml/2006/main">
   <p:cSld>
     <p:bg>
@@ -6939,7 +8790,7 @@
 </p:sld>
 </file>
 
-<file path=ppt/slides/slide4.xml><?xml version="1.0" encoding="utf-8"?>
+<file path=ppt/slides/slide5.xml><?xml version="1.0" encoding="utf-8"?>
 <p:sld xmlns:a="http://schemas.openxmlformats.org/drawingml/2006/main" xmlns:r="http://schemas.openxmlformats.org/officeDocument/2006/relationships" xmlns:p="http://schemas.openxmlformats.org/presentationml/2006/main">
   <p:cSld>
     <p:bg>
@@ -10649,7 +12500,7 @@
 </p:sld>
 </file>
 
-<file path=ppt/slides/slide5.xml><?xml version="1.0" encoding="utf-8"?>
+<file path=ppt/slides/slide6.xml><?xml version="1.0" encoding="utf-8"?>
 <p:sld xmlns:a="http://schemas.openxmlformats.org/drawingml/2006/main" xmlns:r="http://schemas.openxmlformats.org/officeDocument/2006/relationships" xmlns:p="http://schemas.openxmlformats.org/presentationml/2006/main">
   <p:cSld>
     <p:bg>
@@ -12481,7 +14332,7 @@
 </p:sld>
 </file>
 
-<file path=ppt/slides/slide6.xml><?xml version="1.0" encoding="utf-8"?>
+<file path=ppt/slides/slide7.xml><?xml version="1.0" encoding="utf-8"?>
 <p:sld xmlns:a="http://schemas.openxmlformats.org/drawingml/2006/main" xmlns:r="http://schemas.openxmlformats.org/officeDocument/2006/relationships" xmlns:p="http://schemas.openxmlformats.org/presentationml/2006/main">
   <p:cSld>
     <p:bg>
@@ -13459,7 +15310,7 @@
 </p:sld>
 </file>
 
-<file path=ppt/slides/slide7.xml><?xml version="1.0" encoding="utf-8"?>
+<file path=ppt/slides/slide8.xml><?xml version="1.0" encoding="utf-8"?>
 <p:sld xmlns:a="http://schemas.openxmlformats.org/drawingml/2006/main" xmlns:r="http://schemas.openxmlformats.org/officeDocument/2006/relationships" xmlns:p="http://schemas.openxmlformats.org/presentationml/2006/main">
   <p:cSld>
     <p:bg>
@@ -13923,7 +15774,7 @@
 </p:sld>
 </file>
 
-<file path=ppt/slides/slide8.xml><?xml version="1.0" encoding="utf-8"?>
+<file path=ppt/slides/slide9.xml><?xml version="1.0" encoding="utf-8"?>
 <p:sld xmlns:a="http://schemas.openxmlformats.org/drawingml/2006/main" xmlns:r="http://schemas.openxmlformats.org/officeDocument/2006/relationships" xmlns:p="http://schemas.openxmlformats.org/presentationml/2006/main">
   <p:cSld>
     <p:bg>
@@ -14468,700 +16319,6 @@
                                         <p:strVal val="hidden"/>
                                       </p:to>
                                     </p:set>
-                                  </p:childTnLst>
-                                </p:cTn>
-                              </p:par>
-                            </p:childTnLst>
-                          </p:cTn>
-                        </p:par>
-                      </p:childTnLst>
-                    </p:cTn>
-                  </p:par>
-                </p:childTnLst>
-              </p:cTn>
-              <p:prevCondLst>
-                <p:cond evt="onPrev" delay="0">
-                  <p:tgtEl>
-                    <p:sldTgt/>
-                  </p:tgtEl>
-                </p:cond>
-              </p:prevCondLst>
-              <p:nextCondLst>
-                <p:cond evt="onNext" delay="0">
-                  <p:tgtEl>
-                    <p:sldTgt/>
-                  </p:tgtEl>
-                </p:cond>
-              </p:nextCondLst>
-            </p:seq>
-          </p:childTnLst>
-        </p:cTn>
-      </p:par>
-    </p:tnLst>
-  </p:timing>
-</p:sld>
-</file>
-
-<file path=ppt/slides/slide9.xml><?xml version="1.0" encoding="utf-8"?>
-<p:sld xmlns:a="http://schemas.openxmlformats.org/drawingml/2006/main" xmlns:r="http://schemas.openxmlformats.org/officeDocument/2006/relationships" xmlns:p="http://schemas.openxmlformats.org/presentationml/2006/main">
-  <p:cSld>
-    <p:bg>
-      <p:bgPr>
-        <a:blipFill dpi="0" rotWithShape="1">
-          <a:blip r:embed="rId2">
-            <a:alphaModFix amt="96000"/>
-            <a:lum/>
-          </a:blip>
-          <a:srcRect/>
-          <a:stretch>
-            <a:fillRect t="-13000" b="-13000"/>
-          </a:stretch>
-        </a:blipFill>
-        <a:effectLst/>
-      </p:bgPr>
-    </p:bg>
-    <p:spTree>
-      <p:nvGrpSpPr>
-        <p:cNvPr id="1" name=""/>
-        <p:cNvGrpSpPr/>
-        <p:nvPr/>
-      </p:nvGrpSpPr>
-      <p:grpSpPr>
-        <a:xfrm>
-          <a:off x="0" y="0"/>
-          <a:ext cx="0" cy="0"/>
-          <a:chOff x="0" y="0"/>
-          <a:chExt cx="0" cy="0"/>
-        </a:xfrm>
-      </p:grpSpPr>
-      <p:sp>
-        <p:nvSpPr>
-          <p:cNvPr id="4" name="ZoneTexte 3">
-            <a:extLst>
-              <a:ext uri="{FF2B5EF4-FFF2-40B4-BE49-F238E27FC236}">
-                <a16:creationId xmlns:a16="http://schemas.microsoft.com/office/drawing/2014/main" id="{D070A3EA-DF0E-4533-BDA4-259E3FDBEF2E}"/>
-              </a:ext>
-            </a:extLst>
-          </p:cNvPr>
-          <p:cNvSpPr txBox="1"/>
-          <p:nvPr/>
-        </p:nvSpPr>
-        <p:spPr>
-          <a:xfrm>
-            <a:off x="3803374" y="0"/>
-            <a:ext cx="4585252" cy="400110"/>
-          </a:xfrm>
-          <a:prstGeom prst="rect">
-            <a:avLst/>
-          </a:prstGeom>
-          <a:solidFill>
-            <a:schemeClr val="bg2"/>
-          </a:solidFill>
-        </p:spPr>
-        <p:txBody>
-          <a:bodyPr wrap="square" rtlCol="0">
-            <a:spAutoFit/>
-          </a:bodyPr>
-          <a:lstStyle/>
-          <a:p>
-            <a:pPr algn="ctr"/>
-            <a:r>
-              <a:rPr lang="fr-FR" sz="2000" dirty="0"/>
-              <a:t>Compilation</a:t>
-            </a:r>
-          </a:p>
-        </p:txBody>
-      </p:sp>
-      <p:pic>
-        <p:nvPicPr>
-          <p:cNvPr id="5" name="Image 4">
-            <a:extLst>
-              <a:ext uri="{FF2B5EF4-FFF2-40B4-BE49-F238E27FC236}">
-                <a16:creationId xmlns:a16="http://schemas.microsoft.com/office/drawing/2014/main" id="{E33AFF6C-EBF8-4831-A360-123D27F89087}"/>
-              </a:ext>
-            </a:extLst>
-          </p:cNvPr>
-          <p:cNvPicPr>
-            <a:picLocks noChangeAspect="1"/>
-          </p:cNvPicPr>
-          <p:nvPr/>
-        </p:nvPicPr>
-        <p:blipFill>
-          <a:blip r:embed="rId3"/>
-          <a:stretch>
-            <a:fillRect/>
-          </a:stretch>
-        </p:blipFill>
-        <p:spPr>
-          <a:xfrm>
-            <a:off x="2295525" y="447675"/>
-            <a:ext cx="7600950" cy="5962650"/>
-          </a:xfrm>
-          <a:prstGeom prst="rect">
-            <a:avLst/>
-          </a:prstGeom>
-        </p:spPr>
-      </p:pic>
-      <p:pic>
-        <p:nvPicPr>
-          <p:cNvPr id="6" name="Image 5">
-            <a:extLst>
-              <a:ext uri="{FF2B5EF4-FFF2-40B4-BE49-F238E27FC236}">
-                <a16:creationId xmlns:a16="http://schemas.microsoft.com/office/drawing/2014/main" id="{D8714928-D502-41A4-8175-325368034E01}"/>
-              </a:ext>
-            </a:extLst>
-          </p:cNvPr>
-          <p:cNvPicPr>
-            <a:picLocks noChangeAspect="1"/>
-          </p:cNvPicPr>
-          <p:nvPr/>
-        </p:nvPicPr>
-        <p:blipFill>
-          <a:blip r:embed="rId4"/>
-          <a:stretch>
-            <a:fillRect/>
-          </a:stretch>
-        </p:blipFill>
-        <p:spPr>
-          <a:xfrm>
-            <a:off x="2295525" y="457140"/>
-            <a:ext cx="7629525" cy="6000750"/>
-          </a:xfrm>
-          <a:prstGeom prst="rect">
-            <a:avLst/>
-          </a:prstGeom>
-        </p:spPr>
-      </p:pic>
-      <p:pic>
-        <p:nvPicPr>
-          <p:cNvPr id="7" name="Image 6">
-            <a:extLst>
-              <a:ext uri="{FF2B5EF4-FFF2-40B4-BE49-F238E27FC236}">
-                <a16:creationId xmlns:a16="http://schemas.microsoft.com/office/drawing/2014/main" id="{7AD6F454-57E4-4C43-8C6C-8DE1C8A3FDAC}"/>
-              </a:ext>
-            </a:extLst>
-          </p:cNvPr>
-          <p:cNvPicPr>
-            <a:picLocks noChangeAspect="1"/>
-          </p:cNvPicPr>
-          <p:nvPr/>
-        </p:nvPicPr>
-        <p:blipFill>
-          <a:blip r:embed="rId5"/>
-          <a:stretch>
-            <a:fillRect/>
-          </a:stretch>
-        </p:blipFill>
-        <p:spPr>
-          <a:xfrm>
-            <a:off x="2305050" y="468796"/>
-            <a:ext cx="7620000" cy="5991225"/>
-          </a:xfrm>
-          <a:prstGeom prst="rect">
-            <a:avLst/>
-          </a:prstGeom>
-        </p:spPr>
-      </p:pic>
-      <p:pic>
-        <p:nvPicPr>
-          <p:cNvPr id="8" name="Image 7">
-            <a:extLst>
-              <a:ext uri="{FF2B5EF4-FFF2-40B4-BE49-F238E27FC236}">
-                <a16:creationId xmlns:a16="http://schemas.microsoft.com/office/drawing/2014/main" id="{B3B8FC31-E766-43A0-A38A-34CFA3FA7C30}"/>
-              </a:ext>
-            </a:extLst>
-          </p:cNvPr>
-          <p:cNvPicPr>
-            <a:picLocks noChangeAspect="1"/>
-          </p:cNvPicPr>
-          <p:nvPr/>
-        </p:nvPicPr>
-        <p:blipFill>
-          <a:blip r:embed="rId6"/>
-          <a:stretch>
-            <a:fillRect/>
-          </a:stretch>
-        </p:blipFill>
-        <p:spPr>
-          <a:xfrm>
-            <a:off x="2333625" y="476130"/>
-            <a:ext cx="7600950" cy="5991225"/>
-          </a:xfrm>
-          <a:prstGeom prst="rect">
-            <a:avLst/>
-          </a:prstGeom>
-        </p:spPr>
-      </p:pic>
-      <p:pic>
-        <p:nvPicPr>
-          <p:cNvPr id="9" name="Image 8">
-            <a:extLst>
-              <a:ext uri="{FF2B5EF4-FFF2-40B4-BE49-F238E27FC236}">
-                <a16:creationId xmlns:a16="http://schemas.microsoft.com/office/drawing/2014/main" id="{9147275A-4A14-43F2-9F30-958D75E9F97C}"/>
-              </a:ext>
-            </a:extLst>
-          </p:cNvPr>
-          <p:cNvPicPr>
-            <a:picLocks noChangeAspect="1"/>
-          </p:cNvPicPr>
-          <p:nvPr/>
-        </p:nvPicPr>
-        <p:blipFill>
-          <a:blip r:embed="rId7"/>
-          <a:stretch>
-            <a:fillRect/>
-          </a:stretch>
-        </p:blipFill>
-        <p:spPr>
-          <a:xfrm>
-            <a:off x="2300287" y="453265"/>
-            <a:ext cx="7591425" cy="5991225"/>
-          </a:xfrm>
-          <a:prstGeom prst="rect">
-            <a:avLst/>
-          </a:prstGeom>
-        </p:spPr>
-      </p:pic>
-      <p:pic>
-        <p:nvPicPr>
-          <p:cNvPr id="10" name="Image 9">
-            <a:extLst>
-              <a:ext uri="{FF2B5EF4-FFF2-40B4-BE49-F238E27FC236}">
-                <a16:creationId xmlns:a16="http://schemas.microsoft.com/office/drawing/2014/main" id="{E5C58E9B-0F7F-4AB5-BE0E-C628DC34FA8C}"/>
-              </a:ext>
-            </a:extLst>
-          </p:cNvPr>
-          <p:cNvPicPr>
-            <a:picLocks noChangeAspect="1"/>
-          </p:cNvPicPr>
-          <p:nvPr/>
-        </p:nvPicPr>
-        <p:blipFill>
-          <a:blip r:embed="rId8"/>
-          <a:stretch>
-            <a:fillRect/>
-          </a:stretch>
-        </p:blipFill>
-        <p:spPr>
-          <a:xfrm>
-            <a:off x="2288900" y="476044"/>
-            <a:ext cx="7600950" cy="5972175"/>
-          </a:xfrm>
-          <a:prstGeom prst="rect">
-            <a:avLst/>
-          </a:prstGeom>
-        </p:spPr>
-      </p:pic>
-      <p:pic>
-        <p:nvPicPr>
-          <p:cNvPr id="11" name="Image 10">
-            <a:extLst>
-              <a:ext uri="{FF2B5EF4-FFF2-40B4-BE49-F238E27FC236}">
-                <a16:creationId xmlns:a16="http://schemas.microsoft.com/office/drawing/2014/main" id="{C36870C4-5EBA-422D-825F-7069A9C83255}"/>
-              </a:ext>
-            </a:extLst>
-          </p:cNvPr>
-          <p:cNvPicPr>
-            <a:picLocks noChangeAspect="1"/>
-          </p:cNvPicPr>
-          <p:nvPr/>
-        </p:nvPicPr>
-        <p:blipFill>
-          <a:blip r:embed="rId9"/>
-          <a:stretch>
-            <a:fillRect/>
-          </a:stretch>
-        </p:blipFill>
-        <p:spPr>
-          <a:xfrm>
-            <a:off x="2290762" y="490537"/>
-            <a:ext cx="7610475" cy="5876925"/>
-          </a:xfrm>
-          <a:prstGeom prst="rect">
-            <a:avLst/>
-          </a:prstGeom>
-        </p:spPr>
-      </p:pic>
-    </p:spTree>
-    <p:extLst>
-      <p:ext uri="{BB962C8B-B14F-4D97-AF65-F5344CB8AC3E}">
-        <p14:creationId xmlns:p14="http://schemas.microsoft.com/office/powerpoint/2010/main" val="1656845032"/>
-      </p:ext>
-    </p:extLst>
-  </p:cSld>
-  <p:clrMapOvr>
-    <a:masterClrMapping/>
-  </p:clrMapOvr>
-  <p:timing>
-    <p:tnLst>
-      <p:par>
-        <p:cTn id="1" dur="indefinite" restart="never" nodeType="tmRoot">
-          <p:childTnLst>
-            <p:seq concurrent="1" nextAc="seek">
-              <p:cTn id="2" dur="indefinite" nodeType="mainSeq">
-                <p:childTnLst>
-                  <p:par>
-                    <p:cTn id="3" fill="hold">
-                      <p:stCondLst>
-                        <p:cond delay="indefinite"/>
-                      </p:stCondLst>
-                      <p:childTnLst>
-                        <p:par>
-                          <p:cTn id="4" fill="hold">
-                            <p:stCondLst>
-                              <p:cond delay="0"/>
-                            </p:stCondLst>
-                            <p:childTnLst>
-                              <p:par>
-                                <p:cTn id="5" presetID="10" presetClass="entr" presetSubtype="0" fill="hold" nodeType="clickEffect">
-                                  <p:stCondLst>
-                                    <p:cond delay="0"/>
-                                  </p:stCondLst>
-                                  <p:childTnLst>
-                                    <p:set>
-                                      <p:cBhvr>
-                                        <p:cTn id="6" dur="1" fill="hold">
-                                          <p:stCondLst>
-                                            <p:cond delay="0"/>
-                                          </p:stCondLst>
-                                        </p:cTn>
-                                        <p:tgtEl>
-                                          <p:spTgt spid="5"/>
-                                        </p:tgtEl>
-                                        <p:attrNameLst>
-                                          <p:attrName>style.visibility</p:attrName>
-                                        </p:attrNameLst>
-                                      </p:cBhvr>
-                                      <p:to>
-                                        <p:strVal val="visible"/>
-                                      </p:to>
-                                    </p:set>
-                                    <p:animEffect transition="in" filter="fade">
-                                      <p:cBhvr>
-                                        <p:cTn id="7" dur="500"/>
-                                        <p:tgtEl>
-                                          <p:spTgt spid="5"/>
-                                        </p:tgtEl>
-                                      </p:cBhvr>
-                                    </p:animEffect>
-                                  </p:childTnLst>
-                                </p:cTn>
-                              </p:par>
-                            </p:childTnLst>
-                          </p:cTn>
-                        </p:par>
-                      </p:childTnLst>
-                    </p:cTn>
-                  </p:par>
-                  <p:par>
-                    <p:cTn id="8" fill="hold">
-                      <p:stCondLst>
-                        <p:cond delay="indefinite"/>
-                      </p:stCondLst>
-                      <p:childTnLst>
-                        <p:par>
-                          <p:cTn id="9" fill="hold">
-                            <p:stCondLst>
-                              <p:cond delay="0"/>
-                            </p:stCondLst>
-                            <p:childTnLst>
-                              <p:par>
-                                <p:cTn id="10" presetID="10" presetClass="entr" presetSubtype="0" fill="hold" nodeType="clickEffect">
-                                  <p:stCondLst>
-                                    <p:cond delay="0"/>
-                                  </p:stCondLst>
-                                  <p:childTnLst>
-                                    <p:set>
-                                      <p:cBhvr>
-                                        <p:cTn id="11" dur="1" fill="hold">
-                                          <p:stCondLst>
-                                            <p:cond delay="0"/>
-                                          </p:stCondLst>
-                                        </p:cTn>
-                                        <p:tgtEl>
-                                          <p:spTgt spid="6"/>
-                                        </p:tgtEl>
-                                        <p:attrNameLst>
-                                          <p:attrName>style.visibility</p:attrName>
-                                        </p:attrNameLst>
-                                      </p:cBhvr>
-                                      <p:to>
-                                        <p:strVal val="visible"/>
-                                      </p:to>
-                                    </p:set>
-                                    <p:animEffect transition="in" filter="fade">
-                                      <p:cBhvr>
-                                        <p:cTn id="12" dur="500"/>
-                                        <p:tgtEl>
-                                          <p:spTgt spid="6"/>
-                                        </p:tgtEl>
-                                      </p:cBhvr>
-                                    </p:animEffect>
-                                  </p:childTnLst>
-                                </p:cTn>
-                              </p:par>
-                            </p:childTnLst>
-                          </p:cTn>
-                        </p:par>
-                      </p:childTnLst>
-                    </p:cTn>
-                  </p:par>
-                  <p:par>
-                    <p:cTn id="13" fill="hold">
-                      <p:stCondLst>
-                        <p:cond delay="indefinite"/>
-                      </p:stCondLst>
-                      <p:childTnLst>
-                        <p:par>
-                          <p:cTn id="14" fill="hold">
-                            <p:stCondLst>
-                              <p:cond delay="0"/>
-                            </p:stCondLst>
-                            <p:childTnLst>
-                              <p:par>
-                                <p:cTn id="15" presetID="10" presetClass="entr" presetSubtype="0" fill="hold" nodeType="clickEffect">
-                                  <p:stCondLst>
-                                    <p:cond delay="0"/>
-                                  </p:stCondLst>
-                                  <p:childTnLst>
-                                    <p:set>
-                                      <p:cBhvr>
-                                        <p:cTn id="16" dur="1" fill="hold">
-                                          <p:stCondLst>
-                                            <p:cond delay="0"/>
-                                          </p:stCondLst>
-                                        </p:cTn>
-                                        <p:tgtEl>
-                                          <p:spTgt spid="7"/>
-                                        </p:tgtEl>
-                                        <p:attrNameLst>
-                                          <p:attrName>style.visibility</p:attrName>
-                                        </p:attrNameLst>
-                                      </p:cBhvr>
-                                      <p:to>
-                                        <p:strVal val="visible"/>
-                                      </p:to>
-                                    </p:set>
-                                    <p:animEffect transition="in" filter="fade">
-                                      <p:cBhvr>
-                                        <p:cTn id="17" dur="500"/>
-                                        <p:tgtEl>
-                                          <p:spTgt spid="7"/>
-                                        </p:tgtEl>
-                                      </p:cBhvr>
-                                    </p:animEffect>
-                                  </p:childTnLst>
-                                </p:cTn>
-                              </p:par>
-                            </p:childTnLst>
-                          </p:cTn>
-                        </p:par>
-                      </p:childTnLst>
-                    </p:cTn>
-                  </p:par>
-                  <p:par>
-                    <p:cTn id="18" fill="hold">
-                      <p:stCondLst>
-                        <p:cond delay="indefinite"/>
-                      </p:stCondLst>
-                      <p:childTnLst>
-                        <p:par>
-                          <p:cTn id="19" fill="hold">
-                            <p:stCondLst>
-                              <p:cond delay="0"/>
-                            </p:stCondLst>
-                            <p:childTnLst>
-                              <p:par>
-                                <p:cTn id="20" presetID="10" presetClass="entr" presetSubtype="0" fill="hold" nodeType="clickEffect">
-                                  <p:stCondLst>
-                                    <p:cond delay="0"/>
-                                  </p:stCondLst>
-                                  <p:childTnLst>
-                                    <p:set>
-                                      <p:cBhvr>
-                                        <p:cTn id="21" dur="1" fill="hold">
-                                          <p:stCondLst>
-                                            <p:cond delay="0"/>
-                                          </p:stCondLst>
-                                        </p:cTn>
-                                        <p:tgtEl>
-                                          <p:spTgt spid="8"/>
-                                        </p:tgtEl>
-                                        <p:attrNameLst>
-                                          <p:attrName>style.visibility</p:attrName>
-                                        </p:attrNameLst>
-                                      </p:cBhvr>
-                                      <p:to>
-                                        <p:strVal val="visible"/>
-                                      </p:to>
-                                    </p:set>
-                                    <p:animEffect transition="in" filter="fade">
-                                      <p:cBhvr>
-                                        <p:cTn id="22" dur="500"/>
-                                        <p:tgtEl>
-                                          <p:spTgt spid="8"/>
-                                        </p:tgtEl>
-                                      </p:cBhvr>
-                                    </p:animEffect>
-                                  </p:childTnLst>
-                                </p:cTn>
-                              </p:par>
-                            </p:childTnLst>
-                          </p:cTn>
-                        </p:par>
-                      </p:childTnLst>
-                    </p:cTn>
-                  </p:par>
-                  <p:par>
-                    <p:cTn id="23" fill="hold">
-                      <p:stCondLst>
-                        <p:cond delay="indefinite"/>
-                      </p:stCondLst>
-                      <p:childTnLst>
-                        <p:par>
-                          <p:cTn id="24" fill="hold">
-                            <p:stCondLst>
-                              <p:cond delay="0"/>
-                            </p:stCondLst>
-                            <p:childTnLst>
-                              <p:par>
-                                <p:cTn id="25" presetID="10" presetClass="entr" presetSubtype="0" fill="hold" nodeType="clickEffect">
-                                  <p:stCondLst>
-                                    <p:cond delay="0"/>
-                                  </p:stCondLst>
-                                  <p:childTnLst>
-                                    <p:set>
-                                      <p:cBhvr>
-                                        <p:cTn id="26" dur="1" fill="hold">
-                                          <p:stCondLst>
-                                            <p:cond delay="0"/>
-                                          </p:stCondLst>
-                                        </p:cTn>
-                                        <p:tgtEl>
-                                          <p:spTgt spid="9"/>
-                                        </p:tgtEl>
-                                        <p:attrNameLst>
-                                          <p:attrName>style.visibility</p:attrName>
-                                        </p:attrNameLst>
-                                      </p:cBhvr>
-                                      <p:to>
-                                        <p:strVal val="visible"/>
-                                      </p:to>
-                                    </p:set>
-                                    <p:animEffect transition="in" filter="fade">
-                                      <p:cBhvr>
-                                        <p:cTn id="27" dur="500"/>
-                                        <p:tgtEl>
-                                          <p:spTgt spid="9"/>
-                                        </p:tgtEl>
-                                      </p:cBhvr>
-                                    </p:animEffect>
-                                  </p:childTnLst>
-                                </p:cTn>
-                              </p:par>
-                            </p:childTnLst>
-                          </p:cTn>
-                        </p:par>
-                      </p:childTnLst>
-                    </p:cTn>
-                  </p:par>
-                  <p:par>
-                    <p:cTn id="28" fill="hold">
-                      <p:stCondLst>
-                        <p:cond delay="indefinite"/>
-                      </p:stCondLst>
-                      <p:childTnLst>
-                        <p:par>
-                          <p:cTn id="29" fill="hold">
-                            <p:stCondLst>
-                              <p:cond delay="0"/>
-                            </p:stCondLst>
-                            <p:childTnLst>
-                              <p:par>
-                                <p:cTn id="30" presetID="10" presetClass="entr" presetSubtype="0" fill="hold" nodeType="clickEffect">
-                                  <p:stCondLst>
-                                    <p:cond delay="0"/>
-                                  </p:stCondLst>
-                                  <p:childTnLst>
-                                    <p:set>
-                                      <p:cBhvr>
-                                        <p:cTn id="31" dur="1" fill="hold">
-                                          <p:stCondLst>
-                                            <p:cond delay="0"/>
-                                          </p:stCondLst>
-                                        </p:cTn>
-                                        <p:tgtEl>
-                                          <p:spTgt spid="10"/>
-                                        </p:tgtEl>
-                                        <p:attrNameLst>
-                                          <p:attrName>style.visibility</p:attrName>
-                                        </p:attrNameLst>
-                                      </p:cBhvr>
-                                      <p:to>
-                                        <p:strVal val="visible"/>
-                                      </p:to>
-                                    </p:set>
-                                    <p:animEffect transition="in" filter="fade">
-                                      <p:cBhvr>
-                                        <p:cTn id="32" dur="500"/>
-                                        <p:tgtEl>
-                                          <p:spTgt spid="10"/>
-                                        </p:tgtEl>
-                                      </p:cBhvr>
-                                    </p:animEffect>
-                                  </p:childTnLst>
-                                </p:cTn>
-                              </p:par>
-                            </p:childTnLst>
-                          </p:cTn>
-                        </p:par>
-                      </p:childTnLst>
-                    </p:cTn>
-                  </p:par>
-                  <p:par>
-                    <p:cTn id="33" fill="hold">
-                      <p:stCondLst>
-                        <p:cond delay="indefinite"/>
-                      </p:stCondLst>
-                      <p:childTnLst>
-                        <p:par>
-                          <p:cTn id="34" fill="hold">
-                            <p:stCondLst>
-                              <p:cond delay="0"/>
-                            </p:stCondLst>
-                            <p:childTnLst>
-                              <p:par>
-                                <p:cTn id="35" presetID="10" presetClass="entr" presetSubtype="0" fill="hold" nodeType="clickEffect">
-                                  <p:stCondLst>
-                                    <p:cond delay="0"/>
-                                  </p:stCondLst>
-                                  <p:childTnLst>
-                                    <p:set>
-                                      <p:cBhvr>
-                                        <p:cTn id="36" dur="1" fill="hold">
-                                          <p:stCondLst>
-                                            <p:cond delay="0"/>
-                                          </p:stCondLst>
-                                        </p:cTn>
-                                        <p:tgtEl>
-                                          <p:spTgt spid="11"/>
-                                        </p:tgtEl>
-                                        <p:attrNameLst>
-                                          <p:attrName>style.visibility</p:attrName>
-                                        </p:attrNameLst>
-                                      </p:cBhvr>
-                                      <p:to>
-                                        <p:strVal val="visible"/>
-                                      </p:to>
-                                    </p:set>
-                                    <p:animEffect transition="in" filter="fade">
-                                      <p:cBhvr>
-                                        <p:cTn id="37" dur="500"/>
-                                        <p:tgtEl>
-                                          <p:spTgt spid="11"/>
-                                        </p:tgtEl>
-                                      </p:cBhvr>
-                                    </p:animEffect>
                                   </p:childTnLst>
                                 </p:cTn>
                               </p:par>
